--- a/lastname_Team8_FA_SlideDeck.pptx
+++ b/lastname_Team8_FA_SlideDeck.pptx
@@ -5,32 +5,44 @@
     <p:sldMasterId id="2147483924" r:id="rId1"/>
   </p:sldMasterIdLst>
   <p:notesMasterIdLst>
-    <p:notesMasterId r:id="rId22"/>
+    <p:notesMasterId r:id="rId34"/>
   </p:notesMasterIdLst>
   <p:handoutMasterIdLst>
-    <p:handoutMasterId r:id="rId23"/>
+    <p:handoutMasterId r:id="rId35"/>
   </p:handoutMasterIdLst>
   <p:sldIdLst>
     <p:sldId id="268" r:id="rId2"/>
-    <p:sldId id="269" r:id="rId3"/>
-    <p:sldId id="270" r:id="rId4"/>
-    <p:sldId id="271" r:id="rId5"/>
-    <p:sldId id="272" r:id="rId6"/>
-    <p:sldId id="273" r:id="rId7"/>
-    <p:sldId id="274" r:id="rId8"/>
-    <p:sldId id="275" r:id="rId9"/>
-    <p:sldId id="276" r:id="rId10"/>
-    <p:sldId id="277" r:id="rId11"/>
-    <p:sldId id="278" r:id="rId12"/>
-    <p:sldId id="279" r:id="rId13"/>
-    <p:sldId id="282" r:id="rId14"/>
-    <p:sldId id="281" r:id="rId15"/>
-    <p:sldId id="284" r:id="rId16"/>
-    <p:sldId id="283" r:id="rId17"/>
-    <p:sldId id="280" r:id="rId18"/>
-    <p:sldId id="285" r:id="rId19"/>
-    <p:sldId id="287" r:id="rId20"/>
-    <p:sldId id="286" r:id="rId21"/>
+    <p:sldId id="288" r:id="rId3"/>
+    <p:sldId id="289" r:id="rId4"/>
+    <p:sldId id="290" r:id="rId5"/>
+    <p:sldId id="291" r:id="rId6"/>
+    <p:sldId id="292" r:id="rId7"/>
+    <p:sldId id="270" r:id="rId8"/>
+    <p:sldId id="271" r:id="rId9"/>
+    <p:sldId id="272" r:id="rId10"/>
+    <p:sldId id="273" r:id="rId11"/>
+    <p:sldId id="274" r:id="rId12"/>
+    <p:sldId id="275" r:id="rId13"/>
+    <p:sldId id="276" r:id="rId14"/>
+    <p:sldId id="277" r:id="rId15"/>
+    <p:sldId id="278" r:id="rId16"/>
+    <p:sldId id="279" r:id="rId17"/>
+    <p:sldId id="282" r:id="rId18"/>
+    <p:sldId id="281" r:id="rId19"/>
+    <p:sldId id="284" r:id="rId20"/>
+    <p:sldId id="283" r:id="rId21"/>
+    <p:sldId id="280" r:id="rId22"/>
+    <p:sldId id="285" r:id="rId23"/>
+    <p:sldId id="293" r:id="rId24"/>
+    <p:sldId id="294" r:id="rId25"/>
+    <p:sldId id="295" r:id="rId26"/>
+    <p:sldId id="296" r:id="rId27"/>
+    <p:sldId id="297" r:id="rId28"/>
+    <p:sldId id="298" r:id="rId29"/>
+    <p:sldId id="299" r:id="rId30"/>
+    <p:sldId id="300" r:id="rId31"/>
+    <p:sldId id="287" r:id="rId32"/>
+    <p:sldId id="286" r:id="rId33"/>
   </p:sldIdLst>
   <p:sldSz cx="12188825" cy="6858000"/>
   <p:notesSz cx="6858000" cy="9144000"/>
@@ -259,7 +271,7 @@
           <a:p>
             <a:fld id="{BEA74EB7-856E-45FD-83F0-5F7C6F3E4372}" type="datetimeFigureOut">
               <a:rPr lang="en-US"/>
-              <a:t>11/3/2023</a:t>
+              <a:t>11/10/2023</a:t>
             </a:fld>
             <a:endParaRPr dirty="0"/>
           </a:p>
@@ -424,7 +436,7 @@
           <a:p>
             <a:fld id="{C61B0E40-8125-41F8-BB6C-139D8D531A4F}" type="datetimeFigureOut">
               <a:rPr lang="en-US"/>
-              <a:t>11/3/2023</a:t>
+              <a:t>11/10/2023</a:t>
             </a:fld>
             <a:endParaRPr dirty="0"/>
           </a:p>
@@ -844,7 +856,7 @@
     </p:spTree>
     <p:extLst>
       <p:ext uri="{BB962C8B-B14F-4D97-AF65-F5344CB8AC3E}">
-        <p14:creationId xmlns:p14="http://schemas.microsoft.com/office/powerpoint/2010/main" val="1581744821"/>
+        <p14:creationId xmlns:p14="http://schemas.microsoft.com/office/powerpoint/2010/main" val="1400489487"/>
       </p:ext>
     </p:extLst>
   </p:cSld>
@@ -898,7 +910,7 @@
           <a:bodyPr/>
           <a:lstStyle/>
           <a:p>
-            <a:endParaRPr lang="en-US" dirty="0"/>
+            <a:endParaRPr lang="en-US"/>
           </a:p>
         </p:txBody>
       </p:sp>
@@ -928,7 +940,7 @@
     </p:spTree>
     <p:extLst>
       <p:ext uri="{BB962C8B-B14F-4D97-AF65-F5344CB8AC3E}">
-        <p14:creationId xmlns:p14="http://schemas.microsoft.com/office/powerpoint/2010/main" val="3272217826"/>
+        <p14:creationId xmlns:p14="http://schemas.microsoft.com/office/powerpoint/2010/main" val="1169345696"/>
       </p:ext>
     </p:extLst>
   </p:cSld>
@@ -982,7 +994,7 @@
           <a:bodyPr/>
           <a:lstStyle/>
           <a:p>
-            <a:endParaRPr lang="en-US" dirty="0"/>
+            <a:endParaRPr lang="en-US"/>
           </a:p>
         </p:txBody>
       </p:sp>
@@ -1012,7 +1024,7 @@
     </p:spTree>
     <p:extLst>
       <p:ext uri="{BB962C8B-B14F-4D97-AF65-F5344CB8AC3E}">
-        <p14:creationId xmlns:p14="http://schemas.microsoft.com/office/powerpoint/2010/main" val="1916202824"/>
+        <p14:creationId xmlns:p14="http://schemas.microsoft.com/office/powerpoint/2010/main" val="3358315363"/>
       </p:ext>
     </p:extLst>
   </p:cSld>
@@ -1096,7 +1108,7 @@
     </p:spTree>
     <p:extLst>
       <p:ext uri="{BB962C8B-B14F-4D97-AF65-F5344CB8AC3E}">
-        <p14:creationId xmlns:p14="http://schemas.microsoft.com/office/powerpoint/2010/main" val="4160240931"/>
+        <p14:creationId xmlns:p14="http://schemas.microsoft.com/office/powerpoint/2010/main" val="3974002071"/>
       </p:ext>
     </p:extLst>
   </p:cSld>
@@ -1150,7 +1162,7 @@
           <a:bodyPr/>
           <a:lstStyle/>
           <a:p>
-            <a:endParaRPr lang="en-US" dirty="0"/>
+            <a:endParaRPr lang="en-US"/>
           </a:p>
         </p:txBody>
       </p:sp>
@@ -1180,7 +1192,7 @@
     </p:spTree>
     <p:extLst>
       <p:ext uri="{BB962C8B-B14F-4D97-AF65-F5344CB8AC3E}">
-        <p14:creationId xmlns:p14="http://schemas.microsoft.com/office/powerpoint/2010/main" val="1189757660"/>
+        <p14:creationId xmlns:p14="http://schemas.microsoft.com/office/powerpoint/2010/main" val="1581744821"/>
       </p:ext>
     </p:extLst>
   </p:cSld>
@@ -1264,7 +1276,7 @@
     </p:spTree>
     <p:extLst>
       <p:ext uri="{BB962C8B-B14F-4D97-AF65-F5344CB8AC3E}">
-        <p14:creationId xmlns:p14="http://schemas.microsoft.com/office/powerpoint/2010/main" val="1028990858"/>
+        <p14:creationId xmlns:p14="http://schemas.microsoft.com/office/powerpoint/2010/main" val="3272217826"/>
       </p:ext>
     </p:extLst>
   </p:cSld>
@@ -1348,7 +1360,7 @@
     </p:spTree>
     <p:extLst>
       <p:ext uri="{BB962C8B-B14F-4D97-AF65-F5344CB8AC3E}">
-        <p14:creationId xmlns:p14="http://schemas.microsoft.com/office/powerpoint/2010/main" val="909790706"/>
+        <p14:creationId xmlns:p14="http://schemas.microsoft.com/office/powerpoint/2010/main" val="1916202824"/>
       </p:ext>
     </p:extLst>
   </p:cSld>
@@ -1432,7 +1444,7 @@
     </p:spTree>
     <p:extLst>
       <p:ext uri="{BB962C8B-B14F-4D97-AF65-F5344CB8AC3E}">
-        <p14:creationId xmlns:p14="http://schemas.microsoft.com/office/powerpoint/2010/main" val="4146856930"/>
+        <p14:creationId xmlns:p14="http://schemas.microsoft.com/office/powerpoint/2010/main" val="4160240931"/>
       </p:ext>
     </p:extLst>
   </p:cSld>
@@ -1516,7 +1528,7 @@
     </p:spTree>
     <p:extLst>
       <p:ext uri="{BB962C8B-B14F-4D97-AF65-F5344CB8AC3E}">
-        <p14:creationId xmlns:p14="http://schemas.microsoft.com/office/powerpoint/2010/main" val="2030962026"/>
+        <p14:creationId xmlns:p14="http://schemas.microsoft.com/office/powerpoint/2010/main" val="1189757660"/>
       </p:ext>
     </p:extLst>
   </p:cSld>
@@ -1600,7 +1612,7 @@
     </p:spTree>
     <p:extLst>
       <p:ext uri="{BB962C8B-B14F-4D97-AF65-F5344CB8AC3E}">
-        <p14:creationId xmlns:p14="http://schemas.microsoft.com/office/powerpoint/2010/main" val="1556204907"/>
+        <p14:creationId xmlns:p14="http://schemas.microsoft.com/office/powerpoint/2010/main" val="1028990858"/>
       </p:ext>
     </p:extLst>
   </p:cSld>
@@ -1768,7 +1780,763 @@
     </p:spTree>
     <p:extLst>
       <p:ext uri="{BB962C8B-B14F-4D97-AF65-F5344CB8AC3E}">
-        <p14:creationId xmlns:p14="http://schemas.microsoft.com/office/powerpoint/2010/main" val="526102921"/>
+        <p14:creationId xmlns:p14="http://schemas.microsoft.com/office/powerpoint/2010/main" val="909790706"/>
+      </p:ext>
+    </p:extLst>
+  </p:cSld>
+  <p:clrMapOvr>
+    <a:masterClrMapping/>
+  </p:clrMapOvr>
+</p:notes>
+</file>
+
+<file path=ppt/notesSlides/notesSlide21.xml><?xml version="1.0" encoding="utf-8"?>
+<p:notes xmlns:a="http://schemas.openxmlformats.org/drawingml/2006/main" xmlns:r="http://schemas.openxmlformats.org/officeDocument/2006/relationships" xmlns:p="http://schemas.openxmlformats.org/presentationml/2006/main">
+  <p:cSld>
+    <p:spTree>
+      <p:nvGrpSpPr>
+        <p:cNvPr id="1" name=""/>
+        <p:cNvGrpSpPr/>
+        <p:nvPr/>
+      </p:nvGrpSpPr>
+      <p:grpSpPr>
+        <a:xfrm>
+          <a:off x="0" y="0"/>
+          <a:ext cx="0" cy="0"/>
+          <a:chOff x="0" y="0"/>
+          <a:chExt cx="0" cy="0"/>
+        </a:xfrm>
+      </p:grpSpPr>
+      <p:sp>
+        <p:nvSpPr>
+          <p:cNvPr id="2" name="Slide Image Placeholder 1"/>
+          <p:cNvSpPr>
+            <a:spLocks noGrp="1" noRot="1" noChangeAspect="1"/>
+          </p:cNvSpPr>
+          <p:nvPr>
+            <p:ph type="sldImg"/>
+          </p:nvPr>
+        </p:nvSpPr>
+        <p:spPr/>
+      </p:sp>
+      <p:sp>
+        <p:nvSpPr>
+          <p:cNvPr id="3" name="Notes Placeholder 2"/>
+          <p:cNvSpPr>
+            <a:spLocks noGrp="1"/>
+          </p:cNvSpPr>
+          <p:nvPr>
+            <p:ph type="body" idx="1"/>
+          </p:nvPr>
+        </p:nvSpPr>
+        <p:spPr/>
+        <p:txBody>
+          <a:bodyPr/>
+          <a:lstStyle/>
+          <a:p>
+            <a:endParaRPr lang="en-US" dirty="0"/>
+          </a:p>
+        </p:txBody>
+      </p:sp>
+      <p:sp>
+        <p:nvSpPr>
+          <p:cNvPr id="4" name="Slide Number Placeholder 3"/>
+          <p:cNvSpPr>
+            <a:spLocks noGrp="1"/>
+          </p:cNvSpPr>
+          <p:nvPr>
+            <p:ph type="sldNum" sz="quarter" idx="10"/>
+          </p:nvPr>
+        </p:nvSpPr>
+        <p:spPr/>
+        <p:txBody>
+          <a:bodyPr/>
+          <a:lstStyle/>
+          <a:p>
+            <a:fld id="{BF105DB2-FD3E-441D-8B7E-7AE83ECE27B3}" type="slidenum">
+              <a:rPr lang="en-US" smtClean="0"/>
+              <a:t>21</a:t>
+            </a:fld>
+            <a:endParaRPr lang="en-US" dirty="0"/>
+          </a:p>
+        </p:txBody>
+      </p:sp>
+    </p:spTree>
+    <p:extLst>
+      <p:ext uri="{BB962C8B-B14F-4D97-AF65-F5344CB8AC3E}">
+        <p14:creationId xmlns:p14="http://schemas.microsoft.com/office/powerpoint/2010/main" val="4146856930"/>
+      </p:ext>
+    </p:extLst>
+  </p:cSld>
+  <p:clrMapOvr>
+    <a:masterClrMapping/>
+  </p:clrMapOvr>
+</p:notes>
+</file>
+
+<file path=ppt/notesSlides/notesSlide22.xml><?xml version="1.0" encoding="utf-8"?>
+<p:notes xmlns:a="http://schemas.openxmlformats.org/drawingml/2006/main" xmlns:r="http://schemas.openxmlformats.org/officeDocument/2006/relationships" xmlns:p="http://schemas.openxmlformats.org/presentationml/2006/main">
+  <p:cSld>
+    <p:spTree>
+      <p:nvGrpSpPr>
+        <p:cNvPr id="1" name=""/>
+        <p:cNvGrpSpPr/>
+        <p:nvPr/>
+      </p:nvGrpSpPr>
+      <p:grpSpPr>
+        <a:xfrm>
+          <a:off x="0" y="0"/>
+          <a:ext cx="0" cy="0"/>
+          <a:chOff x="0" y="0"/>
+          <a:chExt cx="0" cy="0"/>
+        </a:xfrm>
+      </p:grpSpPr>
+      <p:sp>
+        <p:nvSpPr>
+          <p:cNvPr id="2" name="Slide Image Placeholder 1"/>
+          <p:cNvSpPr>
+            <a:spLocks noGrp="1" noRot="1" noChangeAspect="1"/>
+          </p:cNvSpPr>
+          <p:nvPr>
+            <p:ph type="sldImg"/>
+          </p:nvPr>
+        </p:nvSpPr>
+        <p:spPr/>
+      </p:sp>
+      <p:sp>
+        <p:nvSpPr>
+          <p:cNvPr id="3" name="Notes Placeholder 2"/>
+          <p:cNvSpPr>
+            <a:spLocks noGrp="1"/>
+          </p:cNvSpPr>
+          <p:nvPr>
+            <p:ph type="body" idx="1"/>
+          </p:nvPr>
+        </p:nvSpPr>
+        <p:spPr/>
+        <p:txBody>
+          <a:bodyPr/>
+          <a:lstStyle/>
+          <a:p>
+            <a:endParaRPr lang="en-US" dirty="0"/>
+          </a:p>
+        </p:txBody>
+      </p:sp>
+      <p:sp>
+        <p:nvSpPr>
+          <p:cNvPr id="4" name="Slide Number Placeholder 3"/>
+          <p:cNvSpPr>
+            <a:spLocks noGrp="1"/>
+          </p:cNvSpPr>
+          <p:nvPr>
+            <p:ph type="sldNum" sz="quarter" idx="10"/>
+          </p:nvPr>
+        </p:nvSpPr>
+        <p:spPr/>
+        <p:txBody>
+          <a:bodyPr/>
+          <a:lstStyle/>
+          <a:p>
+            <a:fld id="{BF105DB2-FD3E-441D-8B7E-7AE83ECE27B3}" type="slidenum">
+              <a:rPr lang="en-US" smtClean="0"/>
+              <a:t>22</a:t>
+            </a:fld>
+            <a:endParaRPr lang="en-US" dirty="0"/>
+          </a:p>
+        </p:txBody>
+      </p:sp>
+    </p:spTree>
+    <p:extLst>
+      <p:ext uri="{BB962C8B-B14F-4D97-AF65-F5344CB8AC3E}">
+        <p14:creationId xmlns:p14="http://schemas.microsoft.com/office/powerpoint/2010/main" val="2030962026"/>
+      </p:ext>
+    </p:extLst>
+  </p:cSld>
+  <p:clrMapOvr>
+    <a:masterClrMapping/>
+  </p:clrMapOvr>
+</p:notes>
+</file>
+
+<file path=ppt/notesSlides/notesSlide23.xml><?xml version="1.0" encoding="utf-8"?>
+<p:notes xmlns:a="http://schemas.openxmlformats.org/drawingml/2006/main" xmlns:r="http://schemas.openxmlformats.org/officeDocument/2006/relationships" xmlns:p="http://schemas.openxmlformats.org/presentationml/2006/main">
+  <p:cSld>
+    <p:spTree>
+      <p:nvGrpSpPr>
+        <p:cNvPr id="1" name=""/>
+        <p:cNvGrpSpPr/>
+        <p:nvPr/>
+      </p:nvGrpSpPr>
+      <p:grpSpPr>
+        <a:xfrm>
+          <a:off x="0" y="0"/>
+          <a:ext cx="0" cy="0"/>
+          <a:chOff x="0" y="0"/>
+          <a:chExt cx="0" cy="0"/>
+        </a:xfrm>
+      </p:grpSpPr>
+      <p:sp>
+        <p:nvSpPr>
+          <p:cNvPr id="2" name="Slide Image Placeholder 1"/>
+          <p:cNvSpPr>
+            <a:spLocks noGrp="1" noRot="1" noChangeAspect="1"/>
+          </p:cNvSpPr>
+          <p:nvPr>
+            <p:ph type="sldImg"/>
+          </p:nvPr>
+        </p:nvSpPr>
+        <p:spPr/>
+      </p:sp>
+      <p:sp>
+        <p:nvSpPr>
+          <p:cNvPr id="3" name="Notes Placeholder 2"/>
+          <p:cNvSpPr>
+            <a:spLocks noGrp="1"/>
+          </p:cNvSpPr>
+          <p:nvPr>
+            <p:ph type="body" idx="1"/>
+          </p:nvPr>
+        </p:nvSpPr>
+        <p:spPr/>
+        <p:txBody>
+          <a:bodyPr/>
+          <a:lstStyle/>
+          <a:p>
+            <a:endParaRPr lang="en-US"/>
+          </a:p>
+        </p:txBody>
+      </p:sp>
+      <p:sp>
+        <p:nvSpPr>
+          <p:cNvPr id="4" name="Slide Number Placeholder 3"/>
+          <p:cNvSpPr>
+            <a:spLocks noGrp="1"/>
+          </p:cNvSpPr>
+          <p:nvPr>
+            <p:ph type="sldNum" sz="quarter" idx="10"/>
+          </p:nvPr>
+        </p:nvSpPr>
+        <p:spPr/>
+        <p:txBody>
+          <a:bodyPr/>
+          <a:lstStyle/>
+          <a:p>
+            <a:fld id="{BF105DB2-FD3E-441D-8B7E-7AE83ECE27B3}" type="slidenum">
+              <a:rPr lang="en-US" smtClean="0"/>
+              <a:t>23</a:t>
+            </a:fld>
+            <a:endParaRPr lang="en-US" dirty="0"/>
+          </a:p>
+        </p:txBody>
+      </p:sp>
+    </p:spTree>
+    <p:extLst>
+      <p:ext uri="{BB962C8B-B14F-4D97-AF65-F5344CB8AC3E}">
+        <p14:creationId xmlns:p14="http://schemas.microsoft.com/office/powerpoint/2010/main" val="1169345696"/>
+      </p:ext>
+    </p:extLst>
+  </p:cSld>
+  <p:clrMapOvr>
+    <a:masterClrMapping/>
+  </p:clrMapOvr>
+</p:notes>
+</file>
+
+<file path=ppt/notesSlides/notesSlide24.xml><?xml version="1.0" encoding="utf-8"?>
+<p:notes xmlns:a="http://schemas.openxmlformats.org/drawingml/2006/main" xmlns:r="http://schemas.openxmlformats.org/officeDocument/2006/relationships" xmlns:p="http://schemas.openxmlformats.org/presentationml/2006/main">
+  <p:cSld>
+    <p:spTree>
+      <p:nvGrpSpPr>
+        <p:cNvPr id="1" name=""/>
+        <p:cNvGrpSpPr/>
+        <p:nvPr/>
+      </p:nvGrpSpPr>
+      <p:grpSpPr>
+        <a:xfrm>
+          <a:off x="0" y="0"/>
+          <a:ext cx="0" cy="0"/>
+          <a:chOff x="0" y="0"/>
+          <a:chExt cx="0" cy="0"/>
+        </a:xfrm>
+      </p:grpSpPr>
+      <p:sp>
+        <p:nvSpPr>
+          <p:cNvPr id="2" name="Slide Image Placeholder 1"/>
+          <p:cNvSpPr>
+            <a:spLocks noGrp="1" noRot="1" noChangeAspect="1"/>
+          </p:cNvSpPr>
+          <p:nvPr>
+            <p:ph type="sldImg"/>
+          </p:nvPr>
+        </p:nvSpPr>
+        <p:spPr/>
+      </p:sp>
+      <p:sp>
+        <p:nvSpPr>
+          <p:cNvPr id="3" name="Notes Placeholder 2"/>
+          <p:cNvSpPr>
+            <a:spLocks noGrp="1"/>
+          </p:cNvSpPr>
+          <p:nvPr>
+            <p:ph type="body" idx="1"/>
+          </p:nvPr>
+        </p:nvSpPr>
+        <p:spPr/>
+        <p:txBody>
+          <a:bodyPr/>
+          <a:lstStyle/>
+          <a:p>
+            <a:endParaRPr lang="en-US"/>
+          </a:p>
+        </p:txBody>
+      </p:sp>
+      <p:sp>
+        <p:nvSpPr>
+          <p:cNvPr id="4" name="Slide Number Placeholder 3"/>
+          <p:cNvSpPr>
+            <a:spLocks noGrp="1"/>
+          </p:cNvSpPr>
+          <p:nvPr>
+            <p:ph type="sldNum" sz="quarter" idx="10"/>
+          </p:nvPr>
+        </p:nvSpPr>
+        <p:spPr/>
+        <p:txBody>
+          <a:bodyPr/>
+          <a:lstStyle/>
+          <a:p>
+            <a:fld id="{BF105DB2-FD3E-441D-8B7E-7AE83ECE27B3}" type="slidenum">
+              <a:rPr lang="en-US" smtClean="0"/>
+              <a:t>24</a:t>
+            </a:fld>
+            <a:endParaRPr lang="en-US" dirty="0"/>
+          </a:p>
+        </p:txBody>
+      </p:sp>
+    </p:spTree>
+    <p:extLst>
+      <p:ext uri="{BB962C8B-B14F-4D97-AF65-F5344CB8AC3E}">
+        <p14:creationId xmlns:p14="http://schemas.microsoft.com/office/powerpoint/2010/main" val="3358315363"/>
+      </p:ext>
+    </p:extLst>
+  </p:cSld>
+  <p:clrMapOvr>
+    <a:masterClrMapping/>
+  </p:clrMapOvr>
+</p:notes>
+</file>
+
+<file path=ppt/notesSlides/notesSlide25.xml><?xml version="1.0" encoding="utf-8"?>
+<p:notes xmlns:a="http://schemas.openxmlformats.org/drawingml/2006/main" xmlns:r="http://schemas.openxmlformats.org/officeDocument/2006/relationships" xmlns:p="http://schemas.openxmlformats.org/presentationml/2006/main">
+  <p:cSld>
+    <p:spTree>
+      <p:nvGrpSpPr>
+        <p:cNvPr id="1" name=""/>
+        <p:cNvGrpSpPr/>
+        <p:nvPr/>
+      </p:nvGrpSpPr>
+      <p:grpSpPr>
+        <a:xfrm>
+          <a:off x="0" y="0"/>
+          <a:ext cx="0" cy="0"/>
+          <a:chOff x="0" y="0"/>
+          <a:chExt cx="0" cy="0"/>
+        </a:xfrm>
+      </p:grpSpPr>
+      <p:sp>
+        <p:nvSpPr>
+          <p:cNvPr id="2" name="Slide Image Placeholder 1"/>
+          <p:cNvSpPr>
+            <a:spLocks noGrp="1" noRot="1" noChangeAspect="1"/>
+          </p:cNvSpPr>
+          <p:nvPr>
+            <p:ph type="sldImg"/>
+          </p:nvPr>
+        </p:nvSpPr>
+        <p:spPr/>
+      </p:sp>
+      <p:sp>
+        <p:nvSpPr>
+          <p:cNvPr id="3" name="Notes Placeholder 2"/>
+          <p:cNvSpPr>
+            <a:spLocks noGrp="1"/>
+          </p:cNvSpPr>
+          <p:nvPr>
+            <p:ph type="body" idx="1"/>
+          </p:nvPr>
+        </p:nvSpPr>
+        <p:spPr/>
+        <p:txBody>
+          <a:bodyPr/>
+          <a:lstStyle/>
+          <a:p>
+            <a:endParaRPr lang="en-US" dirty="0"/>
+          </a:p>
+        </p:txBody>
+      </p:sp>
+      <p:sp>
+        <p:nvSpPr>
+          <p:cNvPr id="4" name="Slide Number Placeholder 3"/>
+          <p:cNvSpPr>
+            <a:spLocks noGrp="1"/>
+          </p:cNvSpPr>
+          <p:nvPr>
+            <p:ph type="sldNum" sz="quarter" idx="10"/>
+          </p:nvPr>
+        </p:nvSpPr>
+        <p:spPr/>
+        <p:txBody>
+          <a:bodyPr/>
+          <a:lstStyle/>
+          <a:p>
+            <a:fld id="{BF105DB2-FD3E-441D-8B7E-7AE83ECE27B3}" type="slidenum">
+              <a:rPr lang="en-US" smtClean="0"/>
+              <a:t>25</a:t>
+            </a:fld>
+            <a:endParaRPr lang="en-US" dirty="0"/>
+          </a:p>
+        </p:txBody>
+      </p:sp>
+    </p:spTree>
+    <p:extLst>
+      <p:ext uri="{BB962C8B-B14F-4D97-AF65-F5344CB8AC3E}">
+        <p14:creationId xmlns:p14="http://schemas.microsoft.com/office/powerpoint/2010/main" val="3974002071"/>
+      </p:ext>
+    </p:extLst>
+  </p:cSld>
+  <p:clrMapOvr>
+    <a:masterClrMapping/>
+  </p:clrMapOvr>
+</p:notes>
+</file>
+
+<file path=ppt/notesSlides/notesSlide26.xml><?xml version="1.0" encoding="utf-8"?>
+<p:notes xmlns:a="http://schemas.openxmlformats.org/drawingml/2006/main" xmlns:r="http://schemas.openxmlformats.org/officeDocument/2006/relationships" xmlns:p="http://schemas.openxmlformats.org/presentationml/2006/main">
+  <p:cSld>
+    <p:spTree>
+      <p:nvGrpSpPr>
+        <p:cNvPr id="1" name=""/>
+        <p:cNvGrpSpPr/>
+        <p:nvPr/>
+      </p:nvGrpSpPr>
+      <p:grpSpPr>
+        <a:xfrm>
+          <a:off x="0" y="0"/>
+          <a:ext cx="0" cy="0"/>
+          <a:chOff x="0" y="0"/>
+          <a:chExt cx="0" cy="0"/>
+        </a:xfrm>
+      </p:grpSpPr>
+      <p:sp>
+        <p:nvSpPr>
+          <p:cNvPr id="2" name="Slide Image Placeholder 1"/>
+          <p:cNvSpPr>
+            <a:spLocks noGrp="1" noRot="1" noChangeAspect="1"/>
+          </p:cNvSpPr>
+          <p:nvPr>
+            <p:ph type="sldImg"/>
+          </p:nvPr>
+        </p:nvSpPr>
+        <p:spPr/>
+      </p:sp>
+      <p:sp>
+        <p:nvSpPr>
+          <p:cNvPr id="3" name="Notes Placeholder 2"/>
+          <p:cNvSpPr>
+            <a:spLocks noGrp="1"/>
+          </p:cNvSpPr>
+          <p:nvPr>
+            <p:ph type="body" idx="1"/>
+          </p:nvPr>
+        </p:nvSpPr>
+        <p:spPr/>
+        <p:txBody>
+          <a:bodyPr/>
+          <a:lstStyle/>
+          <a:p>
+            <a:endParaRPr lang="en-US"/>
+          </a:p>
+        </p:txBody>
+      </p:sp>
+      <p:sp>
+        <p:nvSpPr>
+          <p:cNvPr id="4" name="Slide Number Placeholder 3"/>
+          <p:cNvSpPr>
+            <a:spLocks noGrp="1"/>
+          </p:cNvSpPr>
+          <p:nvPr>
+            <p:ph type="sldNum" sz="quarter" idx="10"/>
+          </p:nvPr>
+        </p:nvSpPr>
+        <p:spPr/>
+        <p:txBody>
+          <a:bodyPr/>
+          <a:lstStyle/>
+          <a:p>
+            <a:fld id="{BF105DB2-FD3E-441D-8B7E-7AE83ECE27B3}" type="slidenum">
+              <a:rPr lang="en-US" smtClean="0"/>
+              <a:t>26</a:t>
+            </a:fld>
+            <a:endParaRPr lang="en-US" dirty="0"/>
+          </a:p>
+        </p:txBody>
+      </p:sp>
+    </p:spTree>
+    <p:extLst>
+      <p:ext uri="{BB962C8B-B14F-4D97-AF65-F5344CB8AC3E}">
+        <p14:creationId xmlns:p14="http://schemas.microsoft.com/office/powerpoint/2010/main" val="1581744821"/>
+      </p:ext>
+    </p:extLst>
+  </p:cSld>
+  <p:clrMapOvr>
+    <a:masterClrMapping/>
+  </p:clrMapOvr>
+</p:notes>
+</file>
+
+<file path=ppt/notesSlides/notesSlide27.xml><?xml version="1.0" encoding="utf-8"?>
+<p:notes xmlns:a="http://schemas.openxmlformats.org/drawingml/2006/main" xmlns:r="http://schemas.openxmlformats.org/officeDocument/2006/relationships" xmlns:p="http://schemas.openxmlformats.org/presentationml/2006/main">
+  <p:cSld>
+    <p:spTree>
+      <p:nvGrpSpPr>
+        <p:cNvPr id="1" name=""/>
+        <p:cNvGrpSpPr/>
+        <p:nvPr/>
+      </p:nvGrpSpPr>
+      <p:grpSpPr>
+        <a:xfrm>
+          <a:off x="0" y="0"/>
+          <a:ext cx="0" cy="0"/>
+          <a:chOff x="0" y="0"/>
+          <a:chExt cx="0" cy="0"/>
+        </a:xfrm>
+      </p:grpSpPr>
+      <p:sp>
+        <p:nvSpPr>
+          <p:cNvPr id="2" name="Slide Image Placeholder 1"/>
+          <p:cNvSpPr>
+            <a:spLocks noGrp="1" noRot="1" noChangeAspect="1"/>
+          </p:cNvSpPr>
+          <p:nvPr>
+            <p:ph type="sldImg"/>
+          </p:nvPr>
+        </p:nvSpPr>
+        <p:spPr/>
+      </p:sp>
+      <p:sp>
+        <p:nvSpPr>
+          <p:cNvPr id="3" name="Notes Placeholder 2"/>
+          <p:cNvSpPr>
+            <a:spLocks noGrp="1"/>
+          </p:cNvSpPr>
+          <p:nvPr>
+            <p:ph type="body" idx="1"/>
+          </p:nvPr>
+        </p:nvSpPr>
+        <p:spPr/>
+        <p:txBody>
+          <a:bodyPr/>
+          <a:lstStyle/>
+          <a:p>
+            <a:endParaRPr lang="en-US" dirty="0"/>
+          </a:p>
+        </p:txBody>
+      </p:sp>
+      <p:sp>
+        <p:nvSpPr>
+          <p:cNvPr id="4" name="Slide Number Placeholder 3"/>
+          <p:cNvSpPr>
+            <a:spLocks noGrp="1"/>
+          </p:cNvSpPr>
+          <p:nvPr>
+            <p:ph type="sldNum" sz="quarter" idx="10"/>
+          </p:nvPr>
+        </p:nvSpPr>
+        <p:spPr/>
+        <p:txBody>
+          <a:bodyPr/>
+          <a:lstStyle/>
+          <a:p>
+            <a:fld id="{BF105DB2-FD3E-441D-8B7E-7AE83ECE27B3}" type="slidenum">
+              <a:rPr lang="en-US" smtClean="0"/>
+              <a:t>27</a:t>
+            </a:fld>
+            <a:endParaRPr lang="en-US" dirty="0"/>
+          </a:p>
+        </p:txBody>
+      </p:sp>
+    </p:spTree>
+    <p:extLst>
+      <p:ext uri="{BB962C8B-B14F-4D97-AF65-F5344CB8AC3E}">
+        <p14:creationId xmlns:p14="http://schemas.microsoft.com/office/powerpoint/2010/main" val="3272217826"/>
+      </p:ext>
+    </p:extLst>
+  </p:cSld>
+  <p:clrMapOvr>
+    <a:masterClrMapping/>
+  </p:clrMapOvr>
+</p:notes>
+</file>
+
+<file path=ppt/notesSlides/notesSlide28.xml><?xml version="1.0" encoding="utf-8"?>
+<p:notes xmlns:a="http://schemas.openxmlformats.org/drawingml/2006/main" xmlns:r="http://schemas.openxmlformats.org/officeDocument/2006/relationships" xmlns:p="http://schemas.openxmlformats.org/presentationml/2006/main">
+  <p:cSld>
+    <p:spTree>
+      <p:nvGrpSpPr>
+        <p:cNvPr id="1" name=""/>
+        <p:cNvGrpSpPr/>
+        <p:nvPr/>
+      </p:nvGrpSpPr>
+      <p:grpSpPr>
+        <a:xfrm>
+          <a:off x="0" y="0"/>
+          <a:ext cx="0" cy="0"/>
+          <a:chOff x="0" y="0"/>
+          <a:chExt cx="0" cy="0"/>
+        </a:xfrm>
+      </p:grpSpPr>
+      <p:sp>
+        <p:nvSpPr>
+          <p:cNvPr id="2" name="Slide Image Placeholder 1"/>
+          <p:cNvSpPr>
+            <a:spLocks noGrp="1" noRot="1" noChangeAspect="1"/>
+          </p:cNvSpPr>
+          <p:nvPr>
+            <p:ph type="sldImg"/>
+          </p:nvPr>
+        </p:nvSpPr>
+        <p:spPr/>
+      </p:sp>
+      <p:sp>
+        <p:nvSpPr>
+          <p:cNvPr id="3" name="Notes Placeholder 2"/>
+          <p:cNvSpPr>
+            <a:spLocks noGrp="1"/>
+          </p:cNvSpPr>
+          <p:nvPr>
+            <p:ph type="body" idx="1"/>
+          </p:nvPr>
+        </p:nvSpPr>
+        <p:spPr/>
+        <p:txBody>
+          <a:bodyPr/>
+          <a:lstStyle/>
+          <a:p>
+            <a:endParaRPr lang="en-US" dirty="0"/>
+          </a:p>
+        </p:txBody>
+      </p:sp>
+      <p:sp>
+        <p:nvSpPr>
+          <p:cNvPr id="4" name="Slide Number Placeholder 3"/>
+          <p:cNvSpPr>
+            <a:spLocks noGrp="1"/>
+          </p:cNvSpPr>
+          <p:nvPr>
+            <p:ph type="sldNum" sz="quarter" idx="10"/>
+          </p:nvPr>
+        </p:nvSpPr>
+        <p:spPr/>
+        <p:txBody>
+          <a:bodyPr/>
+          <a:lstStyle/>
+          <a:p>
+            <a:fld id="{BF105DB2-FD3E-441D-8B7E-7AE83ECE27B3}" type="slidenum">
+              <a:rPr lang="en-US" smtClean="0"/>
+              <a:t>28</a:t>
+            </a:fld>
+            <a:endParaRPr lang="en-US" dirty="0"/>
+          </a:p>
+        </p:txBody>
+      </p:sp>
+    </p:spTree>
+    <p:extLst>
+      <p:ext uri="{BB962C8B-B14F-4D97-AF65-F5344CB8AC3E}">
+        <p14:creationId xmlns:p14="http://schemas.microsoft.com/office/powerpoint/2010/main" val="1916202824"/>
+      </p:ext>
+    </p:extLst>
+  </p:cSld>
+  <p:clrMapOvr>
+    <a:masterClrMapping/>
+  </p:clrMapOvr>
+</p:notes>
+</file>
+
+<file path=ppt/notesSlides/notesSlide29.xml><?xml version="1.0" encoding="utf-8"?>
+<p:notes xmlns:a="http://schemas.openxmlformats.org/drawingml/2006/main" xmlns:r="http://schemas.openxmlformats.org/officeDocument/2006/relationships" xmlns:p="http://schemas.openxmlformats.org/presentationml/2006/main">
+  <p:cSld>
+    <p:spTree>
+      <p:nvGrpSpPr>
+        <p:cNvPr id="1" name=""/>
+        <p:cNvGrpSpPr/>
+        <p:nvPr/>
+      </p:nvGrpSpPr>
+      <p:grpSpPr>
+        <a:xfrm>
+          <a:off x="0" y="0"/>
+          <a:ext cx="0" cy="0"/>
+          <a:chOff x="0" y="0"/>
+          <a:chExt cx="0" cy="0"/>
+        </a:xfrm>
+      </p:grpSpPr>
+      <p:sp>
+        <p:nvSpPr>
+          <p:cNvPr id="2" name="Slide Image Placeholder 1"/>
+          <p:cNvSpPr>
+            <a:spLocks noGrp="1" noRot="1" noChangeAspect="1"/>
+          </p:cNvSpPr>
+          <p:nvPr>
+            <p:ph type="sldImg"/>
+          </p:nvPr>
+        </p:nvSpPr>
+        <p:spPr/>
+      </p:sp>
+      <p:sp>
+        <p:nvSpPr>
+          <p:cNvPr id="3" name="Notes Placeholder 2"/>
+          <p:cNvSpPr>
+            <a:spLocks noGrp="1"/>
+          </p:cNvSpPr>
+          <p:nvPr>
+            <p:ph type="body" idx="1"/>
+          </p:nvPr>
+        </p:nvSpPr>
+        <p:spPr/>
+        <p:txBody>
+          <a:bodyPr/>
+          <a:lstStyle/>
+          <a:p>
+            <a:endParaRPr lang="en-US" dirty="0"/>
+          </a:p>
+        </p:txBody>
+      </p:sp>
+      <p:sp>
+        <p:nvSpPr>
+          <p:cNvPr id="4" name="Slide Number Placeholder 3"/>
+          <p:cNvSpPr>
+            <a:spLocks noGrp="1"/>
+          </p:cNvSpPr>
+          <p:nvPr>
+            <p:ph type="sldNum" sz="quarter" idx="10"/>
+          </p:nvPr>
+        </p:nvSpPr>
+        <p:spPr/>
+        <p:txBody>
+          <a:bodyPr/>
+          <a:lstStyle/>
+          <a:p>
+            <a:fld id="{BF105DB2-FD3E-441D-8B7E-7AE83ECE27B3}" type="slidenum">
+              <a:rPr lang="en-US" smtClean="0"/>
+              <a:t>29</a:t>
+            </a:fld>
+            <a:endParaRPr lang="en-US" dirty="0"/>
+          </a:p>
+        </p:txBody>
+      </p:sp>
+    </p:spTree>
+    <p:extLst>
+      <p:ext uri="{BB962C8B-B14F-4D97-AF65-F5344CB8AC3E}">
+        <p14:creationId xmlns:p14="http://schemas.microsoft.com/office/powerpoint/2010/main" val="4160240931"/>
       </p:ext>
     </p:extLst>
   </p:cSld>
@@ -1853,6 +2621,258 @@
     <p:extLst>
       <p:ext uri="{BB962C8B-B14F-4D97-AF65-F5344CB8AC3E}">
         <p14:creationId xmlns:p14="http://schemas.microsoft.com/office/powerpoint/2010/main" val="3546443938"/>
+      </p:ext>
+    </p:extLst>
+  </p:cSld>
+  <p:clrMapOvr>
+    <a:masterClrMapping/>
+  </p:clrMapOvr>
+</p:notes>
+</file>
+
+<file path=ppt/notesSlides/notesSlide30.xml><?xml version="1.0" encoding="utf-8"?>
+<p:notes xmlns:a="http://schemas.openxmlformats.org/drawingml/2006/main" xmlns:r="http://schemas.openxmlformats.org/officeDocument/2006/relationships" xmlns:p="http://schemas.openxmlformats.org/presentationml/2006/main">
+  <p:cSld>
+    <p:spTree>
+      <p:nvGrpSpPr>
+        <p:cNvPr id="1" name=""/>
+        <p:cNvGrpSpPr/>
+        <p:nvPr/>
+      </p:nvGrpSpPr>
+      <p:grpSpPr>
+        <a:xfrm>
+          <a:off x="0" y="0"/>
+          <a:ext cx="0" cy="0"/>
+          <a:chOff x="0" y="0"/>
+          <a:chExt cx="0" cy="0"/>
+        </a:xfrm>
+      </p:grpSpPr>
+      <p:sp>
+        <p:nvSpPr>
+          <p:cNvPr id="2" name="Slide Image Placeholder 1"/>
+          <p:cNvSpPr>
+            <a:spLocks noGrp="1" noRot="1" noChangeAspect="1"/>
+          </p:cNvSpPr>
+          <p:nvPr>
+            <p:ph type="sldImg"/>
+          </p:nvPr>
+        </p:nvSpPr>
+        <p:spPr/>
+      </p:sp>
+      <p:sp>
+        <p:nvSpPr>
+          <p:cNvPr id="3" name="Notes Placeholder 2"/>
+          <p:cNvSpPr>
+            <a:spLocks noGrp="1"/>
+          </p:cNvSpPr>
+          <p:nvPr>
+            <p:ph type="body" idx="1"/>
+          </p:nvPr>
+        </p:nvSpPr>
+        <p:spPr/>
+        <p:txBody>
+          <a:bodyPr/>
+          <a:lstStyle/>
+          <a:p>
+            <a:endParaRPr lang="en-US" dirty="0"/>
+          </a:p>
+        </p:txBody>
+      </p:sp>
+      <p:sp>
+        <p:nvSpPr>
+          <p:cNvPr id="4" name="Slide Number Placeholder 3"/>
+          <p:cNvSpPr>
+            <a:spLocks noGrp="1"/>
+          </p:cNvSpPr>
+          <p:nvPr>
+            <p:ph type="sldNum" sz="quarter" idx="10"/>
+          </p:nvPr>
+        </p:nvSpPr>
+        <p:spPr/>
+        <p:txBody>
+          <a:bodyPr/>
+          <a:lstStyle/>
+          <a:p>
+            <a:fld id="{BF105DB2-FD3E-441D-8B7E-7AE83ECE27B3}" type="slidenum">
+              <a:rPr lang="en-US" smtClean="0"/>
+              <a:t>30</a:t>
+            </a:fld>
+            <a:endParaRPr lang="en-US" dirty="0"/>
+          </a:p>
+        </p:txBody>
+      </p:sp>
+    </p:spTree>
+    <p:extLst>
+      <p:ext uri="{BB962C8B-B14F-4D97-AF65-F5344CB8AC3E}">
+        <p14:creationId xmlns:p14="http://schemas.microsoft.com/office/powerpoint/2010/main" val="1189757660"/>
+      </p:ext>
+    </p:extLst>
+  </p:cSld>
+  <p:clrMapOvr>
+    <a:masterClrMapping/>
+  </p:clrMapOvr>
+</p:notes>
+</file>
+
+<file path=ppt/notesSlides/notesSlide31.xml><?xml version="1.0" encoding="utf-8"?>
+<p:notes xmlns:a="http://schemas.openxmlformats.org/drawingml/2006/main" xmlns:r="http://schemas.openxmlformats.org/officeDocument/2006/relationships" xmlns:p="http://schemas.openxmlformats.org/presentationml/2006/main">
+  <p:cSld>
+    <p:spTree>
+      <p:nvGrpSpPr>
+        <p:cNvPr id="1" name=""/>
+        <p:cNvGrpSpPr/>
+        <p:nvPr/>
+      </p:nvGrpSpPr>
+      <p:grpSpPr>
+        <a:xfrm>
+          <a:off x="0" y="0"/>
+          <a:ext cx="0" cy="0"/>
+          <a:chOff x="0" y="0"/>
+          <a:chExt cx="0" cy="0"/>
+        </a:xfrm>
+      </p:grpSpPr>
+      <p:sp>
+        <p:nvSpPr>
+          <p:cNvPr id="2" name="Slide Image Placeholder 1"/>
+          <p:cNvSpPr>
+            <a:spLocks noGrp="1" noRot="1" noChangeAspect="1"/>
+          </p:cNvSpPr>
+          <p:nvPr>
+            <p:ph type="sldImg"/>
+          </p:nvPr>
+        </p:nvSpPr>
+        <p:spPr/>
+      </p:sp>
+      <p:sp>
+        <p:nvSpPr>
+          <p:cNvPr id="3" name="Notes Placeholder 2"/>
+          <p:cNvSpPr>
+            <a:spLocks noGrp="1"/>
+          </p:cNvSpPr>
+          <p:nvPr>
+            <p:ph type="body" idx="1"/>
+          </p:nvPr>
+        </p:nvSpPr>
+        <p:spPr/>
+        <p:txBody>
+          <a:bodyPr/>
+          <a:lstStyle/>
+          <a:p>
+            <a:endParaRPr lang="en-US" dirty="0"/>
+          </a:p>
+        </p:txBody>
+      </p:sp>
+      <p:sp>
+        <p:nvSpPr>
+          <p:cNvPr id="4" name="Slide Number Placeholder 3"/>
+          <p:cNvSpPr>
+            <a:spLocks noGrp="1"/>
+          </p:cNvSpPr>
+          <p:nvPr>
+            <p:ph type="sldNum" sz="quarter" idx="10"/>
+          </p:nvPr>
+        </p:nvSpPr>
+        <p:spPr/>
+        <p:txBody>
+          <a:bodyPr/>
+          <a:lstStyle/>
+          <a:p>
+            <a:fld id="{BF105DB2-FD3E-441D-8B7E-7AE83ECE27B3}" type="slidenum">
+              <a:rPr lang="en-US" smtClean="0"/>
+              <a:t>31</a:t>
+            </a:fld>
+            <a:endParaRPr lang="en-US" dirty="0"/>
+          </a:p>
+        </p:txBody>
+      </p:sp>
+    </p:spTree>
+    <p:extLst>
+      <p:ext uri="{BB962C8B-B14F-4D97-AF65-F5344CB8AC3E}">
+        <p14:creationId xmlns:p14="http://schemas.microsoft.com/office/powerpoint/2010/main" val="1556204907"/>
+      </p:ext>
+    </p:extLst>
+  </p:cSld>
+  <p:clrMapOvr>
+    <a:masterClrMapping/>
+  </p:clrMapOvr>
+</p:notes>
+</file>
+
+<file path=ppt/notesSlides/notesSlide32.xml><?xml version="1.0" encoding="utf-8"?>
+<p:notes xmlns:a="http://schemas.openxmlformats.org/drawingml/2006/main" xmlns:r="http://schemas.openxmlformats.org/officeDocument/2006/relationships" xmlns:p="http://schemas.openxmlformats.org/presentationml/2006/main">
+  <p:cSld>
+    <p:spTree>
+      <p:nvGrpSpPr>
+        <p:cNvPr id="1" name=""/>
+        <p:cNvGrpSpPr/>
+        <p:nvPr/>
+      </p:nvGrpSpPr>
+      <p:grpSpPr>
+        <a:xfrm>
+          <a:off x="0" y="0"/>
+          <a:ext cx="0" cy="0"/>
+          <a:chOff x="0" y="0"/>
+          <a:chExt cx="0" cy="0"/>
+        </a:xfrm>
+      </p:grpSpPr>
+      <p:sp>
+        <p:nvSpPr>
+          <p:cNvPr id="2" name="Slide Image Placeholder 1"/>
+          <p:cNvSpPr>
+            <a:spLocks noGrp="1" noRot="1" noChangeAspect="1"/>
+          </p:cNvSpPr>
+          <p:nvPr>
+            <p:ph type="sldImg"/>
+          </p:nvPr>
+        </p:nvSpPr>
+        <p:spPr/>
+      </p:sp>
+      <p:sp>
+        <p:nvSpPr>
+          <p:cNvPr id="3" name="Notes Placeholder 2"/>
+          <p:cNvSpPr>
+            <a:spLocks noGrp="1"/>
+          </p:cNvSpPr>
+          <p:nvPr>
+            <p:ph type="body" idx="1"/>
+          </p:nvPr>
+        </p:nvSpPr>
+        <p:spPr/>
+        <p:txBody>
+          <a:bodyPr/>
+          <a:lstStyle/>
+          <a:p>
+            <a:endParaRPr lang="en-US" dirty="0"/>
+          </a:p>
+        </p:txBody>
+      </p:sp>
+      <p:sp>
+        <p:nvSpPr>
+          <p:cNvPr id="4" name="Slide Number Placeholder 3"/>
+          <p:cNvSpPr>
+            <a:spLocks noGrp="1"/>
+          </p:cNvSpPr>
+          <p:nvPr>
+            <p:ph type="sldNum" sz="quarter" idx="10"/>
+          </p:nvPr>
+        </p:nvSpPr>
+        <p:spPr/>
+        <p:txBody>
+          <a:bodyPr/>
+          <a:lstStyle/>
+          <a:p>
+            <a:fld id="{BF105DB2-FD3E-441D-8B7E-7AE83ECE27B3}" type="slidenum">
+              <a:rPr lang="en-US" smtClean="0"/>
+              <a:t>32</a:t>
+            </a:fld>
+            <a:endParaRPr lang="en-US" dirty="0"/>
+          </a:p>
+        </p:txBody>
+      </p:sp>
+    </p:spTree>
+    <p:extLst>
+      <p:ext uri="{BB962C8B-B14F-4D97-AF65-F5344CB8AC3E}">
+        <p14:creationId xmlns:p14="http://schemas.microsoft.com/office/powerpoint/2010/main" val="526102921"/>
       </p:ext>
     </p:extLst>
   </p:cSld>
@@ -2188,7 +3208,7 @@
     </p:spTree>
     <p:extLst>
       <p:ext uri="{BB962C8B-B14F-4D97-AF65-F5344CB8AC3E}">
-        <p14:creationId xmlns:p14="http://schemas.microsoft.com/office/powerpoint/2010/main" val="1169345696"/>
+        <p14:creationId xmlns:p14="http://schemas.microsoft.com/office/powerpoint/2010/main" val="3546443938"/>
       </p:ext>
     </p:extLst>
   </p:cSld>
@@ -2272,7 +3292,7 @@
     </p:spTree>
     <p:extLst>
       <p:ext uri="{BB962C8B-B14F-4D97-AF65-F5344CB8AC3E}">
-        <p14:creationId xmlns:p14="http://schemas.microsoft.com/office/powerpoint/2010/main" val="3358315363"/>
+        <p14:creationId xmlns:p14="http://schemas.microsoft.com/office/powerpoint/2010/main" val="2805730251"/>
       </p:ext>
     </p:extLst>
   </p:cSld>
@@ -2326,7 +3346,7 @@
           <a:bodyPr/>
           <a:lstStyle/>
           <a:p>
-            <a:endParaRPr lang="en-US" dirty="0"/>
+            <a:endParaRPr lang="en-US"/>
           </a:p>
         </p:txBody>
       </p:sp>
@@ -2356,7 +3376,7 @@
     </p:spTree>
     <p:extLst>
       <p:ext uri="{BB962C8B-B14F-4D97-AF65-F5344CB8AC3E}">
-        <p14:creationId xmlns:p14="http://schemas.microsoft.com/office/powerpoint/2010/main" val="3974002071"/>
+        <p14:creationId xmlns:p14="http://schemas.microsoft.com/office/powerpoint/2010/main" val="1965874506"/>
       </p:ext>
     </p:extLst>
   </p:cSld>
@@ -2944,7 +3964,7 @@
           <a:p>
             <a:fld id="{333B76B7-5811-4114-8A95-998148FFD529}" type="datetime1">
               <a:rPr lang="en-US" smtClean="0"/>
-              <a:t>11/3/2023</a:t>
+              <a:t>11/10/2023</a:t>
             </a:fld>
             <a:endParaRPr lang="en-US" dirty="0"/>
           </a:p>
@@ -3146,7 +4166,7 @@
           <a:p>
             <a:fld id="{175C077A-EF7A-41AA-8976-110EB7416C60}" type="datetime1">
               <a:rPr lang="en-US" smtClean="0"/>
-              <a:t>11/3/2023</a:t>
+              <a:t>11/10/2023</a:t>
             </a:fld>
             <a:endParaRPr lang="en-US" dirty="0"/>
           </a:p>
@@ -3358,7 +4378,7 @@
           <a:p>
             <a:fld id="{CFF5912B-6681-4BDF-AE10-F59636249FF3}" type="datetime1">
               <a:rPr lang="en-US" smtClean="0"/>
-              <a:t>11/3/2023</a:t>
+              <a:t>11/10/2023</a:t>
             </a:fld>
             <a:endParaRPr lang="en-US" dirty="0"/>
           </a:p>
@@ -3550,7 +4570,7 @@
           <a:p>
             <a:fld id="{905C8E22-D0BA-4CB4-9C32-B27533199514}" type="datetime1">
               <a:rPr lang="en-US" smtClean="0"/>
-              <a:t>11/3/2023</a:t>
+              <a:t>11/10/2023</a:t>
             </a:fld>
             <a:endParaRPr dirty="0"/>
           </a:p>
@@ -3742,7 +4762,7 @@
           <a:p>
             <a:fld id="{FC2180A9-7A83-412D-A8AC-5AF60A8AA507}" type="datetime1">
               <a:rPr lang="en-US" smtClean="0"/>
-              <a:t>11/3/2023</a:t>
+              <a:t>11/10/2023</a:t>
             </a:fld>
             <a:endParaRPr lang="en-US" dirty="0"/>
           </a:p>
@@ -4025,7 +5045,7 @@
           <a:p>
             <a:fld id="{6A563DF0-FDDF-4143-9D8C-6AF41892E174}" type="datetime1">
               <a:rPr lang="en-US" smtClean="0"/>
-              <a:t>11/3/2023</a:t>
+              <a:t>11/10/2023</a:t>
             </a:fld>
             <a:endParaRPr lang="en-US" dirty="0"/>
           </a:p>
@@ -4341,7 +5361,7 @@
           <a:p>
             <a:fld id="{38BB83F9-4677-4C31-8407-7919061A580B}" type="datetime1">
               <a:rPr lang="en-US" smtClean="0"/>
-              <a:t>11/3/2023</a:t>
+              <a:t>11/10/2023</a:t>
             </a:fld>
             <a:endParaRPr lang="en-US" dirty="0"/>
           </a:p>
@@ -4793,7 +5813,7 @@
           <a:p>
             <a:fld id="{C33939A6-3450-434F-A872-BEE63F7EB093}" type="datetime1">
               <a:rPr lang="en-US" smtClean="0"/>
-              <a:t>11/3/2023</a:t>
+              <a:t>11/10/2023</a:t>
             </a:fld>
             <a:endParaRPr lang="en-US" dirty="0"/>
           </a:p>
@@ -4927,7 +5947,7 @@
           <a:p>
             <a:fld id="{E3BABB1C-FA00-4171-BA31-4C5E719472F3}" type="datetime1">
               <a:rPr lang="en-US" smtClean="0"/>
-              <a:t>11/3/2023</a:t>
+              <a:t>11/10/2023</a:t>
             </a:fld>
             <a:endParaRPr lang="en-US" dirty="0"/>
           </a:p>
@@ -5188,7 +6208,7 @@
           <a:p>
             <a:fld id="{D76C8610-5B57-4C6B-BF9F-F5397A1F60B8}" type="datetime1">
               <a:rPr lang="en-US" smtClean="0"/>
-              <a:t>11/3/2023</a:t>
+              <a:t>11/10/2023</a:t>
             </a:fld>
             <a:endParaRPr lang="en-US" dirty="0"/>
           </a:p>
@@ -5539,7 +6559,7 @@
           <a:p>
             <a:fld id="{BADBF3DD-8B6D-46AA-BCA9-242D4EF63DDF}" type="datetime1">
               <a:rPr lang="en-US" smtClean="0"/>
-              <a:t>11/3/2023</a:t>
+              <a:t>11/10/2023</a:t>
             </a:fld>
             <a:endParaRPr lang="en-US" dirty="0"/>
           </a:p>
@@ -5878,7 +6898,7 @@
           <a:p>
             <a:fld id="{23C41AE9-3D4A-4A08-B03D-DC6D2ADF5464}" type="datetime1">
               <a:rPr lang="en-US" smtClean="0"/>
-              <a:t>11/3/2023</a:t>
+              <a:t>11/10/2023</a:t>
             </a:fld>
             <a:endParaRPr lang="en-US" dirty="0"/>
           </a:p>
@@ -6425,7 +7445,7 @@
             <a:fld id="{5C6E67D0-0200-42BE-A0B2-78C70FBBB312}" type="datetime1">
               <a:rPr lang="en-US" smtClean="0"/>
               <a:pPr/>
-              <a:t>11/3/2023</a:t>
+              <a:t>11/10/2023</a:t>
             </a:fld>
             <a:endParaRPr lang="en-US" dirty="0"/>
           </a:p>
@@ -6862,14 +7882,18 @@
             <a:pPr algn="ctr"/>
             <a:r>
               <a:rPr lang="en-US" dirty="0"/>
-              <a:t>2011 RSA Breach</a:t>
+              <a:t>2011 RSA Breach:</a:t>
             </a:r>
             <a:br>
               <a:rPr lang="en-US" dirty="0"/>
             </a:br>
             <a:r>
               <a:rPr lang="en-US" dirty="0"/>
-              <a:t>    Pitch Deck</a:t>
+              <a:t>    </a:t>
+            </a:r>
+            <a:r>
+              <a:rPr lang="en-US" sz="4400" dirty="0"/>
+              <a:t>Regulatory Oversight Investigation</a:t>
             </a:r>
           </a:p>
         </p:txBody>
@@ -6899,7 +7923,7 @@
             </a:r>
             <a:r>
               <a:rPr lang="en-US" dirty="0"/>
-              <a:t> 8 |11/3/2023 </a:t>
+              <a:t> 8 |11/12/2023 </a:t>
             </a:r>
           </a:p>
         </p:txBody>
@@ -6964,7 +7988,7 @@
             <a:pPr algn="ctr"/>
             <a:r>
               <a:rPr lang="en-US" dirty="0"/>
-              <a:t>The When</a:t>
+              <a:t>The What"</a:t>
             </a:r>
           </a:p>
         </p:txBody>
@@ -6995,15 +8019,18 @@
             </a:pPr>
             <a:r>
               <a:rPr lang="en-US" dirty="0"/>
-              <a:t>The breach's genesis can be traced back to the spring of 2011, marking the beginning of a chain reaction that would have profound consequences.</a:t>
-            </a:r>
+              <a:t>In this section, we will dive into what exactly was stolen during the RSA breach. The focus will be on the compromise of the SecurID seeds, which were at the core of the RSA Security's security system. This compromise had critical implications for the security of numerous organizations worldwide.</a:t>
+            </a:r>
+          </a:p>
+          <a:p>
+            <a:endParaRPr lang="en-US" dirty="0"/>
           </a:p>
         </p:txBody>
       </p:sp>
     </p:spTree>
     <p:extLst>
       <p:ext uri="{BB962C8B-B14F-4D97-AF65-F5344CB8AC3E}">
-        <p14:creationId xmlns:p14="http://schemas.microsoft.com/office/powerpoint/2010/main" val="1200217142"/>
+        <p14:creationId xmlns:p14="http://schemas.microsoft.com/office/powerpoint/2010/main" val="3519010733"/>
       </p:ext>
     </p:extLst>
   </p:cSld>
@@ -7060,7 +8087,7 @@
             <a:pPr algn="ctr"/>
             <a:r>
               <a:rPr lang="en-US" dirty="0"/>
-              <a:t>Overview of the RSA Breach Incident</a:t>
+              <a:t>Stolen SecurID Seeds</a:t>
             </a:r>
           </a:p>
         </p:txBody>
@@ -7077,9 +8104,7 @@
         </p:nvSpPr>
         <p:spPr/>
         <p:txBody>
-          <a:bodyPr>
-            <a:normAutofit/>
-          </a:bodyPr>
+          <a:bodyPr/>
           <a:lstStyle/>
           <a:p>
             <a:pPr marL="0" indent="0">
@@ -7093,7 +8118,7 @@
             </a:pPr>
             <a:r>
               <a:rPr lang="en-US" dirty="0"/>
-              <a:t>In the spring of 2011, the digital landscape was abuzz with intrigue. The breach began with an initial intrusion that can be likened to a digital thunderstorm. Like a plot from a cyber-espionage thriller, it was during this season that the attackers infiltrated the secure networks of RSA Security, setting in motion a sequence of events that would ultimately expose the vulnerability of even the most fortified cybersecurity systems.</a:t>
+              <a:t>The SecurID seeds formed the foundation of the security system that RSA Security provided. We'll delve into the theft of these seeds, exploring the importance of these cryptographic keys to the security of the SecurID product and the potential risks their compromise poses.</a:t>
             </a:r>
           </a:p>
           <a:p>
@@ -7104,7 +8129,7 @@
     </p:spTree>
     <p:extLst>
       <p:ext uri="{BB962C8B-B14F-4D97-AF65-F5344CB8AC3E}">
-        <p14:creationId xmlns:p14="http://schemas.microsoft.com/office/powerpoint/2010/main" val="897847061"/>
+        <p14:creationId xmlns:p14="http://schemas.microsoft.com/office/powerpoint/2010/main" val="515381222"/>
       </p:ext>
     </p:extLst>
   </p:cSld>
@@ -7161,7 +8186,7 @@
             <a:pPr algn="ctr"/>
             <a:r>
               <a:rPr lang="en-US" dirty="0"/>
-              <a:t>The Where</a:t>
+              <a:t>Stolen SecurID Seeds continue..</a:t>
             </a:r>
           </a:p>
         </p:txBody>
@@ -7178,9 +8203,7 @@
         </p:nvSpPr>
         <p:spPr/>
         <p:txBody>
-          <a:bodyPr>
-            <a:normAutofit/>
-          </a:bodyPr>
+          <a:bodyPr/>
           <a:lstStyle/>
           <a:p>
             <a:pPr marL="0" indent="0">
@@ -7192,1043 +8215,16 @@
             <a:pPr marL="0" indent="0">
               <a:buNone/>
             </a:pPr>
+            <a:endParaRPr lang="en-US" dirty="0"/>
+          </a:p>
+          <a:p>
+            <a:pPr marL="0" indent="0">
+              <a:buNone/>
+            </a:pPr>
             <a:r>
               <a:rPr lang="en-US" dirty="0"/>
-              <a:t>The battleground for this cybersecurity saga was not limited to the digital realm. While the breach initially took place in the virtual world, the pursuit of the attackers led investigators to various physical locations. The focus here will be on RSA Security's headquarters and its glass-encased operations center, resembling something out of a science fiction movie. These locations would become the central command post for monitoring and orchestrating responses to the advancing breach.</a:t>
-            </a:r>
-          </a:p>
-          <a:p>
-            <a:endParaRPr lang="en-US" dirty="0"/>
-          </a:p>
-        </p:txBody>
-      </p:sp>
-    </p:spTree>
-    <p:extLst>
-      <p:ext uri="{BB962C8B-B14F-4D97-AF65-F5344CB8AC3E}">
-        <p14:creationId xmlns:p14="http://schemas.microsoft.com/office/powerpoint/2010/main" val="3818646262"/>
-      </p:ext>
-    </p:extLst>
-  </p:cSld>
-  <p:clrMapOvr>
-    <a:masterClrMapping/>
-  </p:clrMapOvr>
-  <mc:AlternateContent xmlns:mc="http://schemas.openxmlformats.org/markup-compatibility/2006">
-    <mc:Choice xmlns:p14="http://schemas.microsoft.com/office/powerpoint/2010/main" Requires="p14">
-      <p:transition spd="med" p14:dur="700">
-        <p:fade/>
-      </p:transition>
-    </mc:Choice>
-    <mc:Fallback>
-      <p:transition spd="med">
-        <p:fade/>
-      </p:transition>
-    </mc:Fallback>
-  </mc:AlternateContent>
-</p:sld>
-</file>
-
-<file path=ppt/slides/slide13.xml><?xml version="1.0" encoding="utf-8"?>
-<p:sld xmlns:a="http://schemas.openxmlformats.org/drawingml/2006/main" xmlns:r="http://schemas.openxmlformats.org/officeDocument/2006/relationships" xmlns:p="http://schemas.openxmlformats.org/presentationml/2006/main">
-  <p:cSld>
-    <p:spTree>
-      <p:nvGrpSpPr>
-        <p:cNvPr id="1" name=""/>
-        <p:cNvGrpSpPr/>
-        <p:nvPr/>
-      </p:nvGrpSpPr>
-      <p:grpSpPr>
-        <a:xfrm>
-          <a:off x="0" y="0"/>
-          <a:ext cx="0" cy="0"/>
-          <a:chOff x="0" y="0"/>
-          <a:chExt cx="0" cy="0"/>
-        </a:xfrm>
-      </p:grpSpPr>
-      <p:sp>
-        <p:nvSpPr>
-          <p:cNvPr id="3" name="Title 2"/>
-          <p:cNvSpPr>
-            <a:spLocks noGrp="1"/>
-          </p:cNvSpPr>
-          <p:nvPr>
-            <p:ph type="title"/>
-          </p:nvPr>
-        </p:nvSpPr>
-        <p:spPr/>
-        <p:txBody>
-          <a:bodyPr/>
-          <a:lstStyle/>
-          <a:p>
-            <a:pPr algn="ctr"/>
-            <a:r>
-              <a:rPr lang="en-US" dirty="0"/>
-              <a:t>RSA Headquarters and Operations Center</a:t>
-            </a:r>
-          </a:p>
-        </p:txBody>
-      </p:sp>
-      <p:sp>
-        <p:nvSpPr>
-          <p:cNvPr id="2" name="Content Placeholder 1"/>
-          <p:cNvSpPr>
-            <a:spLocks noGrp="1"/>
-          </p:cNvSpPr>
-          <p:nvPr>
-            <p:ph idx="1"/>
-          </p:nvPr>
-        </p:nvSpPr>
-        <p:spPr/>
-        <p:txBody>
-          <a:bodyPr>
-            <a:normAutofit/>
-          </a:bodyPr>
-          <a:lstStyle/>
-          <a:p>
-            <a:pPr marL="0" indent="0">
-              <a:buNone/>
-            </a:pPr>
-            <a:endParaRPr lang="en-US" dirty="0"/>
-          </a:p>
-          <a:p>
-            <a:pPr marL="0" indent="0">
-              <a:buNone/>
-            </a:pPr>
-            <a:r>
-              <a:rPr lang="en-US" dirty="0"/>
-              <a:t>RSA Security's headquarters and operations center served as the epicenter of the breach response. The operations center, encased in glass, was akin to a digital fortress, with cybersecurity experts working ceaselessly against the relentless ticking of the clock. In our fictional narrative, the operations center housed a supercomputer, cryptically named "Cyber Sentinel," which was instrumental in tracking the breach. </a:t>
-            </a:r>
-          </a:p>
-        </p:txBody>
-      </p:sp>
-    </p:spTree>
-    <p:extLst>
-      <p:ext uri="{BB962C8B-B14F-4D97-AF65-F5344CB8AC3E}">
-        <p14:creationId xmlns:p14="http://schemas.microsoft.com/office/powerpoint/2010/main" val="3627623680"/>
-      </p:ext>
-    </p:extLst>
-  </p:cSld>
-  <p:clrMapOvr>
-    <a:masterClrMapping/>
-  </p:clrMapOvr>
-  <mc:AlternateContent xmlns:mc="http://schemas.openxmlformats.org/markup-compatibility/2006">
-    <mc:Choice xmlns:p14="http://schemas.microsoft.com/office/powerpoint/2010/main" Requires="p14">
-      <p:transition spd="med" p14:dur="700">
-        <p:fade/>
-      </p:transition>
-    </mc:Choice>
-    <mc:Fallback>
-      <p:transition spd="med">
-        <p:fade/>
-      </p:transition>
-    </mc:Fallback>
-  </mc:AlternateContent>
-</p:sld>
-</file>
-
-<file path=ppt/slides/slide14.xml><?xml version="1.0" encoding="utf-8"?>
-<p:sld xmlns:a="http://schemas.openxmlformats.org/drawingml/2006/main" xmlns:r="http://schemas.openxmlformats.org/officeDocument/2006/relationships" xmlns:p="http://schemas.openxmlformats.org/presentationml/2006/main">
-  <p:cSld>
-    <p:spTree>
-      <p:nvGrpSpPr>
-        <p:cNvPr id="1" name=""/>
-        <p:cNvGrpSpPr/>
-        <p:nvPr/>
-      </p:nvGrpSpPr>
-      <p:grpSpPr>
-        <a:xfrm>
-          <a:off x="0" y="0"/>
-          <a:ext cx="0" cy="0"/>
-          <a:chOff x="0" y="0"/>
-          <a:chExt cx="0" cy="0"/>
-        </a:xfrm>
-      </p:grpSpPr>
-      <p:sp>
-        <p:nvSpPr>
-          <p:cNvPr id="3" name="Title 2"/>
-          <p:cNvSpPr>
-            <a:spLocks noGrp="1"/>
-          </p:cNvSpPr>
-          <p:nvPr>
-            <p:ph type="title"/>
-          </p:nvPr>
-        </p:nvSpPr>
-        <p:spPr/>
-        <p:txBody>
-          <a:bodyPr/>
-          <a:lstStyle/>
-          <a:p>
-            <a:pPr algn="ctr"/>
-            <a:r>
-              <a:rPr lang="en-US" dirty="0"/>
-              <a:t>Rackspace Cloud Hosting</a:t>
-            </a:r>
-          </a:p>
-        </p:txBody>
-      </p:sp>
-      <p:sp>
-        <p:nvSpPr>
-          <p:cNvPr id="2" name="Content Placeholder 1"/>
-          <p:cNvSpPr>
-            <a:spLocks noGrp="1"/>
-          </p:cNvSpPr>
-          <p:nvPr>
-            <p:ph idx="1"/>
-          </p:nvPr>
-        </p:nvSpPr>
-        <p:spPr/>
-        <p:txBody>
-          <a:bodyPr>
-            <a:normAutofit/>
-          </a:bodyPr>
-          <a:lstStyle/>
-          <a:p>
-            <a:pPr marL="0" indent="0">
-              <a:buNone/>
-            </a:pPr>
-            <a:endParaRPr lang="en-US" dirty="0"/>
-          </a:p>
-          <a:p>
-            <a:pPr marL="0" indent="0">
-              <a:buNone/>
-            </a:pPr>
-            <a:r>
-              <a:rPr lang="en-US" dirty="0"/>
-              <a:t>As the RSA breach unfolded, a pivotal moment occurred when the stolen seeds found refuge on a remote server hosted by Rackspace, a prominent cloud hosting provider. </a:t>
-            </a:r>
-          </a:p>
-          <a:p>
-            <a:r>
-              <a:rPr lang="en-US" dirty="0"/>
-              <a:t>The investigation into this cloud-based twist resembled a digital cat-and-mouse game, with Rackspace's cybersecurity experts engaged in a virtual chase. </a:t>
-            </a:r>
-          </a:p>
-        </p:txBody>
-      </p:sp>
-    </p:spTree>
-    <p:extLst>
-      <p:ext uri="{BB962C8B-B14F-4D97-AF65-F5344CB8AC3E}">
-        <p14:creationId xmlns:p14="http://schemas.microsoft.com/office/powerpoint/2010/main" val="2477706489"/>
-      </p:ext>
-    </p:extLst>
-  </p:cSld>
-  <p:clrMapOvr>
-    <a:masterClrMapping/>
-  </p:clrMapOvr>
-  <mc:AlternateContent xmlns:mc="http://schemas.openxmlformats.org/markup-compatibility/2006">
-    <mc:Choice xmlns:p14="http://schemas.microsoft.com/office/powerpoint/2010/main" Requires="p14">
-      <p:transition spd="med" p14:dur="700">
-        <p:fade/>
-      </p:transition>
-    </mc:Choice>
-    <mc:Fallback>
-      <p:transition spd="med">
-        <p:fade/>
-      </p:transition>
-    </mc:Fallback>
-  </mc:AlternateContent>
-</p:sld>
-</file>
-
-<file path=ppt/slides/slide15.xml><?xml version="1.0" encoding="utf-8"?>
-<p:sld xmlns:a="http://schemas.openxmlformats.org/drawingml/2006/main" xmlns:r="http://schemas.openxmlformats.org/officeDocument/2006/relationships" xmlns:p="http://schemas.openxmlformats.org/presentationml/2006/main">
-  <p:cSld>
-    <p:spTree>
-      <p:nvGrpSpPr>
-        <p:cNvPr id="1" name=""/>
-        <p:cNvGrpSpPr/>
-        <p:nvPr/>
-      </p:nvGrpSpPr>
-      <p:grpSpPr>
-        <a:xfrm>
-          <a:off x="0" y="0"/>
-          <a:ext cx="0" cy="0"/>
-          <a:chOff x="0" y="0"/>
-          <a:chExt cx="0" cy="0"/>
-        </a:xfrm>
-      </p:grpSpPr>
-      <p:sp>
-        <p:nvSpPr>
-          <p:cNvPr id="3" name="Title 2"/>
-          <p:cNvSpPr>
-            <a:spLocks noGrp="1"/>
-          </p:cNvSpPr>
-          <p:nvPr>
-            <p:ph type="title"/>
-          </p:nvPr>
-        </p:nvSpPr>
-        <p:spPr/>
-        <p:txBody>
-          <a:bodyPr/>
-          <a:lstStyle/>
-          <a:p>
-            <a:pPr algn="ctr"/>
-            <a:r>
-              <a:rPr lang="en-US" dirty="0"/>
-              <a:t>The Why</a:t>
-            </a:r>
-          </a:p>
-        </p:txBody>
-      </p:sp>
-      <p:sp>
-        <p:nvSpPr>
-          <p:cNvPr id="2" name="Content Placeholder 1"/>
-          <p:cNvSpPr>
-            <a:spLocks noGrp="1"/>
-          </p:cNvSpPr>
-          <p:nvPr>
-            <p:ph idx="1"/>
-          </p:nvPr>
-        </p:nvSpPr>
-        <p:spPr/>
-        <p:txBody>
-          <a:bodyPr>
-            <a:normAutofit/>
-          </a:bodyPr>
-          <a:lstStyle/>
-          <a:p>
-            <a:pPr marL="0" indent="0">
-              <a:buNone/>
-            </a:pPr>
-            <a:endParaRPr lang="en-US" dirty="0"/>
-          </a:p>
-          <a:p>
-            <a:r>
-              <a:rPr lang="en-US" dirty="0"/>
-              <a:t>The attackers' motivations transcend conventional cybercrime. </a:t>
-            </a:r>
-          </a:p>
-          <a:p>
-            <a:r>
-              <a:rPr lang="en-US" dirty="0"/>
-              <a:t>The threat actors aimed to gain control over a powerful and enigmatic digital artifact with the potential to rewrite the rules of the digital world.</a:t>
-            </a:r>
-          </a:p>
-        </p:txBody>
-      </p:sp>
-    </p:spTree>
-    <p:extLst>
-      <p:ext uri="{BB962C8B-B14F-4D97-AF65-F5344CB8AC3E}">
-        <p14:creationId xmlns:p14="http://schemas.microsoft.com/office/powerpoint/2010/main" val="3330843289"/>
-      </p:ext>
-    </p:extLst>
-  </p:cSld>
-  <p:clrMapOvr>
-    <a:masterClrMapping/>
-  </p:clrMapOvr>
-  <mc:AlternateContent xmlns:mc="http://schemas.openxmlformats.org/markup-compatibility/2006">
-    <mc:Choice xmlns:p14="http://schemas.microsoft.com/office/powerpoint/2010/main" Requires="p14">
-      <p:transition spd="med" p14:dur="700">
-        <p:fade/>
-      </p:transition>
-    </mc:Choice>
-    <mc:Fallback>
-      <p:transition spd="med">
-        <p:fade/>
-      </p:transition>
-    </mc:Fallback>
-  </mc:AlternateContent>
-</p:sld>
-</file>
-
-<file path=ppt/slides/slide16.xml><?xml version="1.0" encoding="utf-8"?>
-<p:sld xmlns:a="http://schemas.openxmlformats.org/drawingml/2006/main" xmlns:r="http://schemas.openxmlformats.org/officeDocument/2006/relationships" xmlns:p="http://schemas.openxmlformats.org/presentationml/2006/main">
-  <p:cSld>
-    <p:spTree>
-      <p:nvGrpSpPr>
-        <p:cNvPr id="1" name=""/>
-        <p:cNvGrpSpPr/>
-        <p:nvPr/>
-      </p:nvGrpSpPr>
-      <p:grpSpPr>
-        <a:xfrm>
-          <a:off x="0" y="0"/>
-          <a:ext cx="0" cy="0"/>
-          <a:chOff x="0" y="0"/>
-          <a:chExt cx="0" cy="0"/>
-        </a:xfrm>
-      </p:grpSpPr>
-      <p:sp>
-        <p:nvSpPr>
-          <p:cNvPr id="3" name="Title 2"/>
-          <p:cNvSpPr>
-            <a:spLocks noGrp="1"/>
-          </p:cNvSpPr>
-          <p:nvPr>
-            <p:ph type="title"/>
-          </p:nvPr>
-        </p:nvSpPr>
-        <p:spPr/>
-        <p:txBody>
-          <a:bodyPr/>
-          <a:lstStyle/>
-          <a:p>
-            <a:pPr algn="ctr"/>
-            <a:r>
-              <a:rPr lang="en-US" dirty="0"/>
-              <a:t>Strategic Geopolitical Goals</a:t>
-            </a:r>
-          </a:p>
-        </p:txBody>
-      </p:sp>
-      <p:sp>
-        <p:nvSpPr>
-          <p:cNvPr id="2" name="Content Placeholder 1"/>
-          <p:cNvSpPr>
-            <a:spLocks noGrp="1"/>
-          </p:cNvSpPr>
-          <p:nvPr>
-            <p:ph idx="1"/>
-          </p:nvPr>
-        </p:nvSpPr>
-        <p:spPr/>
-        <p:txBody>
-          <a:bodyPr>
-            <a:normAutofit/>
-          </a:bodyPr>
-          <a:lstStyle/>
-          <a:p>
-            <a:pPr marL="0" indent="0">
-              <a:buNone/>
-            </a:pPr>
-            <a:endParaRPr lang="en-US" dirty="0"/>
-          </a:p>
-          <a:p>
-            <a:pPr marL="0" indent="0">
-              <a:buNone/>
-            </a:pPr>
-            <a:r>
-              <a:rPr lang="en-US" dirty="0"/>
-              <a:t>The breach wasn't just about data theft; it was a plot with strategic geopolitical goals. The attackers' intentions included destabilizing key nations and influencing global alliances. </a:t>
-            </a:r>
-          </a:p>
-          <a:p>
-            <a:pPr marL="0" indent="0">
-              <a:buNone/>
-            </a:pPr>
-            <a:r>
-              <a:rPr lang="en-US" dirty="0"/>
-              <a:t>Their grand design involved leveraging the stolen SecurID seeds to compromise national security, financial institutions, and critical infrastructure. </a:t>
-            </a:r>
-          </a:p>
-        </p:txBody>
-      </p:sp>
-    </p:spTree>
-    <p:extLst>
-      <p:ext uri="{BB962C8B-B14F-4D97-AF65-F5344CB8AC3E}">
-        <p14:creationId xmlns:p14="http://schemas.microsoft.com/office/powerpoint/2010/main" val="190250103"/>
-      </p:ext>
-    </p:extLst>
-  </p:cSld>
-  <p:clrMapOvr>
-    <a:masterClrMapping/>
-  </p:clrMapOvr>
-  <mc:AlternateContent xmlns:mc="http://schemas.openxmlformats.org/markup-compatibility/2006">
-    <mc:Choice xmlns:p14="http://schemas.microsoft.com/office/powerpoint/2010/main" Requires="p14">
-      <p:transition spd="med" p14:dur="700">
-        <p:fade/>
-      </p:transition>
-    </mc:Choice>
-    <mc:Fallback>
-      <p:transition spd="med">
-        <p:fade/>
-      </p:transition>
-    </mc:Fallback>
-  </mc:AlternateContent>
-</p:sld>
-</file>
-
-<file path=ppt/slides/slide17.xml><?xml version="1.0" encoding="utf-8"?>
-<p:sld xmlns:a="http://schemas.openxmlformats.org/drawingml/2006/main" xmlns:r="http://schemas.openxmlformats.org/officeDocument/2006/relationships" xmlns:p="http://schemas.openxmlformats.org/presentationml/2006/main">
-  <p:cSld>
-    <p:spTree>
-      <p:nvGrpSpPr>
-        <p:cNvPr id="1" name=""/>
-        <p:cNvGrpSpPr/>
-        <p:nvPr/>
-      </p:nvGrpSpPr>
-      <p:grpSpPr>
-        <a:xfrm>
-          <a:off x="0" y="0"/>
-          <a:ext cx="0" cy="0"/>
-          <a:chOff x="0" y="0"/>
-          <a:chExt cx="0" cy="0"/>
-        </a:xfrm>
-      </p:grpSpPr>
-      <p:sp>
-        <p:nvSpPr>
-          <p:cNvPr id="3" name="Title 2"/>
-          <p:cNvSpPr>
-            <a:spLocks noGrp="1"/>
-          </p:cNvSpPr>
-          <p:nvPr>
-            <p:ph type="title"/>
-          </p:nvPr>
-        </p:nvSpPr>
-        <p:spPr/>
-        <p:txBody>
-          <a:bodyPr/>
-          <a:lstStyle/>
-          <a:p>
-            <a:pPr algn="ctr"/>
-            <a:r>
-              <a:rPr lang="en-US" dirty="0"/>
-              <a:t>Potential for Widespread Impact</a:t>
-            </a:r>
-          </a:p>
-        </p:txBody>
-      </p:sp>
-      <p:sp>
-        <p:nvSpPr>
-          <p:cNvPr id="2" name="Content Placeholder 1"/>
-          <p:cNvSpPr>
-            <a:spLocks noGrp="1"/>
-          </p:cNvSpPr>
-          <p:nvPr>
-            <p:ph idx="1"/>
-          </p:nvPr>
-        </p:nvSpPr>
-        <p:spPr/>
-        <p:txBody>
-          <a:bodyPr>
-            <a:normAutofit/>
-          </a:bodyPr>
-          <a:lstStyle/>
-          <a:p>
-            <a:pPr marL="0" indent="0">
-              <a:buNone/>
-            </a:pPr>
-            <a:endParaRPr lang="en-US" dirty="0"/>
-          </a:p>
-          <a:p>
-            <a:pPr marL="0" indent="0">
-              <a:buNone/>
-            </a:pPr>
-            <a:r>
-              <a:rPr lang="en-US" dirty="0"/>
-              <a:t>The compromise of the SecurID seeds had the potential to create chaos on a global scale. The attackers' scheme involved manipulating financial systems, tampering with elections, and controlling military systems. </a:t>
-            </a:r>
-          </a:p>
-          <a:p>
-            <a:pPr marL="0" indent="0">
-              <a:buNone/>
-            </a:pPr>
-            <a:r>
-              <a:rPr lang="en-US" dirty="0"/>
-              <a:t>The consequences of such actions would extend far beyond the digital realm, affecting the geopolitical landscape as we know it.</a:t>
-            </a:r>
-          </a:p>
-          <a:p>
-            <a:endParaRPr lang="en-US" dirty="0"/>
-          </a:p>
-        </p:txBody>
-      </p:sp>
-    </p:spTree>
-    <p:extLst>
-      <p:ext uri="{BB962C8B-B14F-4D97-AF65-F5344CB8AC3E}">
-        <p14:creationId xmlns:p14="http://schemas.microsoft.com/office/powerpoint/2010/main" val="411134429"/>
-      </p:ext>
-    </p:extLst>
-  </p:cSld>
-  <p:clrMapOvr>
-    <a:masterClrMapping/>
-  </p:clrMapOvr>
-  <mc:AlternateContent xmlns:mc="http://schemas.openxmlformats.org/markup-compatibility/2006">
-    <mc:Choice xmlns:p14="http://schemas.microsoft.com/office/powerpoint/2010/main" Requires="p14">
-      <p:transition spd="med" p14:dur="700">
-        <p:fade/>
-      </p:transition>
-    </mc:Choice>
-    <mc:Fallback>
-      <p:transition spd="med">
-        <p:fade/>
-      </p:transition>
-    </mc:Fallback>
-  </mc:AlternateContent>
-</p:sld>
-</file>
-
-<file path=ppt/slides/slide18.xml><?xml version="1.0" encoding="utf-8"?>
-<p:sld xmlns:a="http://schemas.openxmlformats.org/drawingml/2006/main" xmlns:r="http://schemas.openxmlformats.org/officeDocument/2006/relationships" xmlns:p="http://schemas.openxmlformats.org/presentationml/2006/main">
-  <p:cSld>
-    <p:spTree>
-      <p:nvGrpSpPr>
-        <p:cNvPr id="1" name=""/>
-        <p:cNvGrpSpPr/>
-        <p:nvPr/>
-      </p:nvGrpSpPr>
-      <p:grpSpPr>
-        <a:xfrm>
-          <a:off x="0" y="0"/>
-          <a:ext cx="0" cy="0"/>
-          <a:chOff x="0" y="0"/>
-          <a:chExt cx="0" cy="0"/>
-        </a:xfrm>
-      </p:grpSpPr>
-      <p:sp>
-        <p:nvSpPr>
-          <p:cNvPr id="3" name="Title 2"/>
-          <p:cNvSpPr>
-            <a:spLocks noGrp="1"/>
-          </p:cNvSpPr>
-          <p:nvPr>
-            <p:ph type="title"/>
-          </p:nvPr>
-        </p:nvSpPr>
-        <p:spPr/>
-        <p:txBody>
-          <a:bodyPr/>
-          <a:lstStyle/>
-          <a:p>
-            <a:pPr algn="ctr"/>
-            <a:r>
-              <a:rPr lang="en-US" dirty="0"/>
-              <a:t>Conclusion</a:t>
-            </a:r>
-          </a:p>
-        </p:txBody>
-      </p:sp>
-      <p:sp>
-        <p:nvSpPr>
-          <p:cNvPr id="2" name="Content Placeholder 1"/>
-          <p:cNvSpPr>
-            <a:spLocks noGrp="1"/>
-          </p:cNvSpPr>
-          <p:nvPr>
-            <p:ph idx="1"/>
-          </p:nvPr>
-        </p:nvSpPr>
-        <p:spPr/>
-        <p:txBody>
-          <a:bodyPr>
-            <a:normAutofit/>
-          </a:bodyPr>
-          <a:lstStyle/>
-          <a:p>
-            <a:pPr marL="0" indent="0">
-              <a:buNone/>
-            </a:pPr>
-            <a:endParaRPr lang="en-US" dirty="0"/>
-          </a:p>
-          <a:p>
-            <a:pPr marL="0" indent="0">
-              <a:buNone/>
-            </a:pPr>
-            <a:r>
-              <a:rPr lang="en-US" dirty="0"/>
-              <a:t>In conclusion, the 2011 RSA breach stands as an enduring testament to the evolving nature of cybersecurity threats. The presentation has provided insights into the breach, both factual and fictional, highlighting the imperative need for ongoing vigilance in safeguarding digital assets and national security.</a:t>
-            </a:r>
-          </a:p>
-          <a:p>
-            <a:endParaRPr lang="en-US" dirty="0"/>
-          </a:p>
-        </p:txBody>
-      </p:sp>
-    </p:spTree>
-    <p:extLst>
-      <p:ext uri="{BB962C8B-B14F-4D97-AF65-F5344CB8AC3E}">
-        <p14:creationId xmlns:p14="http://schemas.microsoft.com/office/powerpoint/2010/main" val="1316844685"/>
-      </p:ext>
-    </p:extLst>
-  </p:cSld>
-  <p:clrMapOvr>
-    <a:masterClrMapping/>
-  </p:clrMapOvr>
-  <mc:AlternateContent xmlns:mc="http://schemas.openxmlformats.org/markup-compatibility/2006">
-    <mc:Choice xmlns:p14="http://schemas.microsoft.com/office/powerpoint/2010/main" Requires="p14">
-      <p:transition spd="med" p14:dur="700">
-        <p:fade/>
-      </p:transition>
-    </mc:Choice>
-    <mc:Fallback>
-      <p:transition spd="med">
-        <p:fade/>
-      </p:transition>
-    </mc:Fallback>
-  </mc:AlternateContent>
-</p:sld>
-</file>
-
-<file path=ppt/slides/slide19.xml><?xml version="1.0" encoding="utf-8"?>
-<p:sld xmlns:a="http://schemas.openxmlformats.org/drawingml/2006/main" xmlns:r="http://schemas.openxmlformats.org/officeDocument/2006/relationships" xmlns:p="http://schemas.openxmlformats.org/presentationml/2006/main">
-  <p:cSld>
-    <p:spTree>
-      <p:nvGrpSpPr>
-        <p:cNvPr id="1" name=""/>
-        <p:cNvGrpSpPr/>
-        <p:nvPr/>
-      </p:nvGrpSpPr>
-      <p:grpSpPr>
-        <a:xfrm>
-          <a:off x="0" y="0"/>
-          <a:ext cx="0" cy="0"/>
-          <a:chOff x="0" y="0"/>
-          <a:chExt cx="0" cy="0"/>
-        </a:xfrm>
-      </p:grpSpPr>
-      <p:sp>
-        <p:nvSpPr>
-          <p:cNvPr id="3" name="Title 2"/>
-          <p:cNvSpPr>
-            <a:spLocks noGrp="1"/>
-          </p:cNvSpPr>
-          <p:nvPr>
-            <p:ph type="title"/>
-          </p:nvPr>
-        </p:nvSpPr>
-        <p:spPr/>
-        <p:txBody>
-          <a:bodyPr/>
-          <a:lstStyle/>
-          <a:p>
-            <a:pPr algn="ctr"/>
-            <a:r>
-              <a:rPr lang="en-US" dirty="0"/>
-              <a:t>Q&amp;A (2-4 minutes)</a:t>
-            </a:r>
-            <a:br>
-              <a:rPr lang="en-US" dirty="0"/>
-            </a:br>
-            <a:endParaRPr lang="en-US" dirty="0"/>
-          </a:p>
-        </p:txBody>
-      </p:sp>
-      <p:sp>
-        <p:nvSpPr>
-          <p:cNvPr id="2" name="Content Placeholder 1"/>
-          <p:cNvSpPr>
-            <a:spLocks noGrp="1"/>
-          </p:cNvSpPr>
-          <p:nvPr>
-            <p:ph idx="1"/>
-          </p:nvPr>
-        </p:nvSpPr>
-        <p:spPr/>
-        <p:txBody>
-          <a:bodyPr>
-            <a:normAutofit/>
-          </a:bodyPr>
-          <a:lstStyle/>
-          <a:p>
-            <a:pPr marL="0" indent="0">
-              <a:buNone/>
-            </a:pPr>
-            <a:endParaRPr lang="en-US" dirty="0"/>
-          </a:p>
-          <a:p>
-            <a:pPr marL="0" indent="0">
-              <a:buNone/>
-            </a:pPr>
-            <a:r>
-              <a:rPr lang="en-US" dirty="0"/>
-              <a:t>I will now open the floor to questions and comments….</a:t>
-            </a:r>
-          </a:p>
-          <a:p>
-            <a:endParaRPr lang="en-US" dirty="0"/>
-          </a:p>
-        </p:txBody>
-      </p:sp>
-    </p:spTree>
-    <p:extLst>
-      <p:ext uri="{BB962C8B-B14F-4D97-AF65-F5344CB8AC3E}">
-        <p14:creationId xmlns:p14="http://schemas.microsoft.com/office/powerpoint/2010/main" val="4042471801"/>
-      </p:ext>
-    </p:extLst>
-  </p:cSld>
-  <p:clrMapOvr>
-    <a:masterClrMapping/>
-  </p:clrMapOvr>
-  <mc:AlternateContent xmlns:mc="http://schemas.openxmlformats.org/markup-compatibility/2006">
-    <mc:Choice xmlns:p14="http://schemas.microsoft.com/office/powerpoint/2010/main" Requires="p14">
-      <p:transition spd="med" p14:dur="700">
-        <p:fade/>
-      </p:transition>
-    </mc:Choice>
-    <mc:Fallback>
-      <p:transition spd="med">
-        <p:fade/>
-      </p:transition>
-    </mc:Fallback>
-  </mc:AlternateContent>
-</p:sld>
-</file>
-
-<file path=ppt/slides/slide2.xml><?xml version="1.0" encoding="utf-8"?>
-<p:sld xmlns:a="http://schemas.openxmlformats.org/drawingml/2006/main" xmlns:r="http://schemas.openxmlformats.org/officeDocument/2006/relationships" xmlns:p="http://schemas.openxmlformats.org/presentationml/2006/main">
-  <p:cSld>
-    <p:spTree>
-      <p:nvGrpSpPr>
-        <p:cNvPr id="1" name=""/>
-        <p:cNvGrpSpPr/>
-        <p:nvPr/>
-      </p:nvGrpSpPr>
-      <p:grpSpPr>
-        <a:xfrm>
-          <a:off x="0" y="0"/>
-          <a:ext cx="0" cy="0"/>
-          <a:chOff x="0" y="0"/>
-          <a:chExt cx="0" cy="0"/>
-        </a:xfrm>
-      </p:grpSpPr>
-      <p:sp>
-        <p:nvSpPr>
-          <p:cNvPr id="2" name="Title 1"/>
-          <p:cNvSpPr>
-            <a:spLocks noGrp="1"/>
-          </p:cNvSpPr>
-          <p:nvPr>
-            <p:ph type="title"/>
-          </p:nvPr>
-        </p:nvSpPr>
-        <p:spPr/>
-        <p:txBody>
-          <a:bodyPr/>
-          <a:lstStyle/>
-          <a:p>
-            <a:pPr algn="ctr"/>
-            <a:r>
-              <a:rPr lang="en-US" dirty="0"/>
-              <a:t>INTRODUCTION</a:t>
-            </a:r>
-          </a:p>
-        </p:txBody>
-      </p:sp>
-      <p:sp>
-        <p:nvSpPr>
-          <p:cNvPr id="3" name="Content Placeholder 2"/>
-          <p:cNvSpPr>
-            <a:spLocks noGrp="1"/>
-          </p:cNvSpPr>
-          <p:nvPr>
-            <p:ph idx="1"/>
-          </p:nvPr>
-        </p:nvSpPr>
-        <p:spPr/>
-        <p:txBody>
-          <a:bodyPr/>
-          <a:lstStyle/>
-          <a:p>
-            <a:pPr marL="0" indent="0">
-              <a:buNone/>
-            </a:pPr>
-            <a:endParaRPr lang="en-US" dirty="0"/>
-          </a:p>
-          <a:p>
-            <a:pPr marL="0" indent="0">
-              <a:buNone/>
-            </a:pPr>
-            <a:r>
-              <a:rPr lang="en-US" dirty="0"/>
-              <a:t>The RSA breach of 2011 is a pivotal incident in cybersecurity. In this presentation, we will explore the critical elements of this breach and its significance. This breach challenged the foundations of digital security and had far-reaching implications for organizations globally.</a:t>
-            </a:r>
-          </a:p>
-          <a:p>
-            <a:endParaRPr lang="en-US" dirty="0"/>
-          </a:p>
-        </p:txBody>
-      </p:sp>
-    </p:spTree>
-    <p:extLst>
-      <p:ext uri="{BB962C8B-B14F-4D97-AF65-F5344CB8AC3E}">
-        <p14:creationId xmlns:p14="http://schemas.microsoft.com/office/powerpoint/2010/main" val="3148110083"/>
-      </p:ext>
-    </p:extLst>
-  </p:cSld>
-  <p:clrMapOvr>
-    <a:masterClrMapping/>
-  </p:clrMapOvr>
-  <mc:AlternateContent xmlns:mc="http://schemas.openxmlformats.org/markup-compatibility/2006" xmlns:p14="http://schemas.microsoft.com/office/powerpoint/2010/main">
-    <mc:Choice Requires="p14">
-      <p:transition spd="med" p14:dur="700">
-        <p:fade/>
-      </p:transition>
-    </mc:Choice>
-    <mc:Fallback xmlns="">
-      <p:transition spd="med">
-        <p:fade/>
-      </p:transition>
-    </mc:Fallback>
-  </mc:AlternateContent>
-</p:sld>
-</file>
-
-<file path=ppt/slides/slide20.xml><?xml version="1.0" encoding="utf-8"?>
-<p:sld xmlns:a="http://schemas.openxmlformats.org/drawingml/2006/main" xmlns:r="http://schemas.openxmlformats.org/officeDocument/2006/relationships" xmlns:p="http://schemas.openxmlformats.org/presentationml/2006/main">
-  <p:cSld>
-    <p:spTree>
-      <p:nvGrpSpPr>
-        <p:cNvPr id="1" name=""/>
-        <p:cNvGrpSpPr/>
-        <p:nvPr/>
-      </p:nvGrpSpPr>
-      <p:grpSpPr>
-        <a:xfrm>
-          <a:off x="0" y="0"/>
-          <a:ext cx="0" cy="0"/>
-          <a:chOff x="0" y="0"/>
-          <a:chExt cx="0" cy="0"/>
-        </a:xfrm>
-      </p:grpSpPr>
-      <p:sp>
-        <p:nvSpPr>
-          <p:cNvPr id="3" name="Title 2"/>
-          <p:cNvSpPr>
-            <a:spLocks noGrp="1"/>
-          </p:cNvSpPr>
-          <p:nvPr>
-            <p:ph type="title"/>
-          </p:nvPr>
-        </p:nvSpPr>
-        <p:spPr/>
-        <p:txBody>
-          <a:bodyPr/>
-          <a:lstStyle/>
-          <a:p>
-            <a:pPr algn="ctr"/>
-            <a:r>
-              <a:rPr lang="en-US" dirty="0"/>
-              <a:t>Closing Remarks</a:t>
-            </a:r>
-          </a:p>
-        </p:txBody>
-      </p:sp>
-      <p:sp>
-        <p:nvSpPr>
-          <p:cNvPr id="2" name="Content Placeholder 1"/>
-          <p:cNvSpPr>
-            <a:spLocks noGrp="1"/>
-          </p:cNvSpPr>
-          <p:nvPr>
-            <p:ph idx="1"/>
-          </p:nvPr>
-        </p:nvSpPr>
-        <p:spPr/>
-        <p:txBody>
-          <a:bodyPr>
-            <a:normAutofit/>
-          </a:bodyPr>
-          <a:lstStyle/>
-          <a:p>
-            <a:pPr marL="0" indent="0">
-              <a:buNone/>
-            </a:pPr>
-            <a:endParaRPr lang="en-US" dirty="0"/>
-          </a:p>
-          <a:p>
-            <a:pPr marL="0" indent="0">
-              <a:buNone/>
-            </a:pPr>
-            <a:r>
-              <a:rPr lang="en-US" dirty="0"/>
-              <a:t>Thank you for your time, and we look forward to addressing any inquiries you may have.</a:t>
-            </a:r>
-          </a:p>
-          <a:p>
-            <a:endParaRPr lang="en-US" dirty="0"/>
-          </a:p>
-        </p:txBody>
-      </p:sp>
-    </p:spTree>
-    <p:extLst>
-      <p:ext uri="{BB962C8B-B14F-4D97-AF65-F5344CB8AC3E}">
-        <p14:creationId xmlns:p14="http://schemas.microsoft.com/office/powerpoint/2010/main" val="2958617291"/>
-      </p:ext>
-    </p:extLst>
-  </p:cSld>
-  <p:clrMapOvr>
-    <a:masterClrMapping/>
-  </p:clrMapOvr>
-  <mc:AlternateContent xmlns:mc="http://schemas.openxmlformats.org/markup-compatibility/2006">
-    <mc:Choice xmlns:p14="http://schemas.microsoft.com/office/powerpoint/2010/main" Requires="p14">
-      <p:transition spd="med" p14:dur="700">
-        <p:fade/>
-      </p:transition>
-    </mc:Choice>
-    <mc:Fallback>
-      <p:transition spd="med">
-        <p:fade/>
-      </p:transition>
-    </mc:Fallback>
-  </mc:AlternateContent>
-</p:sld>
-</file>
-
-<file path=ppt/slides/slide3.xml><?xml version="1.0" encoding="utf-8"?>
-<p:sld xmlns:a="http://schemas.openxmlformats.org/drawingml/2006/main" xmlns:r="http://schemas.openxmlformats.org/officeDocument/2006/relationships" xmlns:p="http://schemas.openxmlformats.org/presentationml/2006/main">
-  <p:cSld>
-    <p:spTree>
-      <p:nvGrpSpPr>
-        <p:cNvPr id="1" name=""/>
-        <p:cNvGrpSpPr/>
-        <p:nvPr/>
-      </p:nvGrpSpPr>
-      <p:grpSpPr>
-        <a:xfrm>
-          <a:off x="0" y="0"/>
-          <a:ext cx="0" cy="0"/>
-          <a:chOff x="0" y="0"/>
-          <a:chExt cx="0" cy="0"/>
-        </a:xfrm>
-      </p:grpSpPr>
-      <p:sp>
-        <p:nvSpPr>
-          <p:cNvPr id="3" name="Title 2"/>
-          <p:cNvSpPr>
-            <a:spLocks noGrp="1"/>
-          </p:cNvSpPr>
-          <p:nvPr>
-            <p:ph type="title"/>
-          </p:nvPr>
-        </p:nvSpPr>
-        <p:spPr/>
-        <p:txBody>
-          <a:bodyPr/>
-          <a:lstStyle/>
-          <a:p>
-            <a:r>
-              <a:rPr lang="en-US" dirty="0"/>
-              <a:t>What Went Wrong: Vulnerabilities and Lapses</a:t>
-            </a:r>
-          </a:p>
-        </p:txBody>
-      </p:sp>
-      <p:sp>
-        <p:nvSpPr>
-          <p:cNvPr id="2" name="Content Placeholder 1"/>
-          <p:cNvSpPr>
-            <a:spLocks noGrp="1"/>
-          </p:cNvSpPr>
-          <p:nvPr>
-            <p:ph idx="1"/>
-          </p:nvPr>
-        </p:nvSpPr>
-        <p:spPr/>
-        <p:txBody>
-          <a:bodyPr/>
-          <a:lstStyle/>
-          <a:p>
-            <a:pPr marL="0" indent="0">
-              <a:buNone/>
-            </a:pPr>
-            <a:r>
-              <a:rPr lang="en-US" dirty="0"/>
-              <a:t>The Who"</a:t>
-            </a:r>
-          </a:p>
-          <a:p>
-            <a:pPr marL="0" indent="0">
-              <a:buNone/>
-            </a:pPr>
-            <a:r>
-              <a:rPr lang="en-US" dirty="0"/>
-              <a:t>In this section, we'll delve into the key players involved in the RSA breach. RSA Security, a prominent cybersecurity company, and the Chinese state-sponsored threat actors will be discussed in detail.</a:t>
-            </a:r>
-          </a:p>
-          <a:p>
-            <a:pPr marL="0" indent="0">
-              <a:buNone/>
-            </a:pPr>
-            <a:endParaRPr lang="en-US" dirty="0"/>
+              <a:t>The seeds, guarded in a secure vault, were stolen using advanced, cutting-edge technology that included laser alarms and retinal scanners. </a:t>
+            </a:r>
           </a:p>
         </p:txBody>
       </p:sp>
@@ -8464,7 +8460,7 @@
     </p:spTree>
     <p:extLst>
       <p:ext uri="{BB962C8B-B14F-4D97-AF65-F5344CB8AC3E}">
-        <p14:creationId xmlns:p14="http://schemas.microsoft.com/office/powerpoint/2010/main" val="1152966011"/>
+        <p14:creationId xmlns:p14="http://schemas.microsoft.com/office/powerpoint/2010/main" val="2819748410"/>
       </p:ext>
     </p:extLst>
   </p:cSld>
@@ -8486,7 +8482,7 @@
 </p:sld>
 </file>
 
-<file path=ppt/slides/slide4.xml><?xml version="1.0" encoding="utf-8"?>
+<file path=ppt/slides/slide13.xml><?xml version="1.0" encoding="utf-8"?>
 <p:sld xmlns:a="http://schemas.openxmlformats.org/drawingml/2006/main" xmlns:r="http://schemas.openxmlformats.org/officeDocument/2006/relationships" xmlns:p="http://schemas.openxmlformats.org/presentationml/2006/main">
   <p:cSld>
     <p:spTree>
@@ -8521,7 +8517,7 @@
             <a:pPr algn="ctr"/>
             <a:r>
               <a:rPr lang="en-US" dirty="0"/>
-              <a:t>RSA Security</a:t>
+              <a:t>Rackspace Cloud Hosting</a:t>
             </a:r>
           </a:p>
         </p:txBody>
@@ -8552,113 +8548,7 @@
             </a:pPr>
             <a:r>
               <a:rPr lang="en-US" dirty="0"/>
-              <a:t> RSA Security was a cybersecurity company renowned for its SecurID product. It played a central role in the incident. We will provide an overview of RSA Security, emphasizing its role as a trusted cybersecurity provider and the significance of the SecurID product.</a:t>
-            </a:r>
-          </a:p>
-          <a:p>
-            <a:pPr marL="0" indent="0">
-              <a:buNone/>
-            </a:pPr>
-            <a:endParaRPr lang="en-US" dirty="0"/>
-          </a:p>
-        </p:txBody>
-      </p:sp>
-    </p:spTree>
-    <p:extLst>
-      <p:ext uri="{BB962C8B-B14F-4D97-AF65-F5344CB8AC3E}">
-        <p14:creationId xmlns:p14="http://schemas.microsoft.com/office/powerpoint/2010/main" val="1255868717"/>
-      </p:ext>
-    </p:extLst>
-  </p:cSld>
-  <p:clrMapOvr>
-    <a:masterClrMapping/>
-  </p:clrMapOvr>
-  <mc:AlternateContent xmlns:mc="http://schemas.openxmlformats.org/markup-compatibility/2006" xmlns:p14="http://schemas.microsoft.com/office/powerpoint/2010/main">
-    <mc:Choice Requires="p14">
-      <p:transition spd="med" p14:dur="700">
-        <p:fade/>
-      </p:transition>
-    </mc:Choice>
-    <mc:Fallback xmlns="">
-      <p:transition spd="med">
-        <p:fade/>
-      </p:transition>
-    </mc:Fallback>
-  </mc:AlternateContent>
-</p:sld>
-</file>
-
-<file path=ppt/slides/slide5.xml><?xml version="1.0" encoding="utf-8"?>
-<p:sld xmlns:a="http://schemas.openxmlformats.org/drawingml/2006/main" xmlns:r="http://schemas.openxmlformats.org/officeDocument/2006/relationships" xmlns:p="http://schemas.openxmlformats.org/presentationml/2006/main">
-  <p:cSld>
-    <p:spTree>
-      <p:nvGrpSpPr>
-        <p:cNvPr id="1" name=""/>
-        <p:cNvGrpSpPr/>
-        <p:nvPr/>
-      </p:nvGrpSpPr>
-      <p:grpSpPr>
-        <a:xfrm>
-          <a:off x="0" y="0"/>
-          <a:ext cx="0" cy="0"/>
-          <a:chOff x="0" y="0"/>
-          <a:chExt cx="0" cy="0"/>
-        </a:xfrm>
-      </p:grpSpPr>
-      <p:sp>
-        <p:nvSpPr>
-          <p:cNvPr id="3" name="Title 2"/>
-          <p:cNvSpPr>
-            <a:spLocks noGrp="1"/>
-          </p:cNvSpPr>
-          <p:nvPr>
-            <p:ph type="title"/>
-          </p:nvPr>
-        </p:nvSpPr>
-        <p:spPr/>
-        <p:txBody>
-          <a:bodyPr/>
-          <a:lstStyle/>
-          <a:p>
-            <a:pPr algn="ctr"/>
-            <a:r>
-              <a:rPr lang="en-US" dirty="0"/>
-              <a:t>"Chinese State-Sponsored Threat Actors"</a:t>
-            </a:r>
-            <a:br>
-              <a:rPr lang="en-US" dirty="0"/>
-            </a:br>
-            <a:endParaRPr lang="en-US" dirty="0"/>
-          </a:p>
-        </p:txBody>
-      </p:sp>
-      <p:sp>
-        <p:nvSpPr>
-          <p:cNvPr id="2" name="Content Placeholder 1"/>
-          <p:cNvSpPr>
-            <a:spLocks noGrp="1"/>
-          </p:cNvSpPr>
-          <p:nvPr>
-            <p:ph idx="1"/>
-          </p:nvPr>
-        </p:nvSpPr>
-        <p:spPr/>
-        <p:txBody>
-          <a:bodyPr/>
-          <a:lstStyle/>
-          <a:p>
-            <a:pPr marL="0" indent="0">
-              <a:buNone/>
-            </a:pPr>
-            <a:endParaRPr lang="en-US" dirty="0"/>
-          </a:p>
-          <a:p>
-            <a:pPr marL="0" indent="0">
-              <a:buNone/>
-            </a:pPr>
-            <a:r>
-              <a:rPr lang="en-US" dirty="0"/>
-              <a:t>The identity of the attackers behind the RSA breach remained concealed. These threat actors were believed to be Chinese state-sponsored, indicating a high level of sophistication and suggesting motives beyond financial gain. We will explore their concealed identities and their possible motivations.</a:t>
+              <a:t>The investigation involved a digital chase, hacking back into the hacker's infrastructure, and ultimately leading to the discovery of the breach's source. </a:t>
             </a:r>
           </a:p>
         </p:txBody>
@@ -8895,7 +8785,7 @@
     </p:spTree>
     <p:extLst>
       <p:ext uri="{BB962C8B-B14F-4D97-AF65-F5344CB8AC3E}">
-        <p14:creationId xmlns:p14="http://schemas.microsoft.com/office/powerpoint/2010/main" val="3224243975"/>
+        <p14:creationId xmlns:p14="http://schemas.microsoft.com/office/powerpoint/2010/main" val="2585531345"/>
       </p:ext>
     </p:extLst>
   </p:cSld>
@@ -8917,7 +8807,7 @@
 </p:sld>
 </file>
 
-<file path=ppt/slides/slide6.xml><?xml version="1.0" encoding="utf-8"?>
+<file path=ppt/slides/slide14.xml><?xml version="1.0" encoding="utf-8"?>
 <p:sld xmlns:a="http://schemas.openxmlformats.org/drawingml/2006/main" xmlns:r="http://schemas.openxmlformats.org/officeDocument/2006/relationships" xmlns:p="http://schemas.openxmlformats.org/presentationml/2006/main">
   <p:cSld>
     <p:spTree>
@@ -8952,7 +8842,7 @@
             <a:pPr algn="ctr"/>
             <a:r>
               <a:rPr lang="en-US" dirty="0"/>
-              <a:t>The What"</a:t>
+              <a:t>The When</a:t>
             </a:r>
           </a:p>
         </p:txBody>
@@ -8983,18 +8873,15 @@
             </a:pPr>
             <a:r>
               <a:rPr lang="en-US" dirty="0"/>
-              <a:t>In this section, we will dive into what exactly was stolen during the RSA breach. The focus will be on the compromise of the SecurID seeds, which were at the core of the RSA Security's security system. This compromise had critical implications for the security of numerous organizations worldwide.</a:t>
-            </a:r>
-          </a:p>
-          <a:p>
-            <a:endParaRPr lang="en-US" dirty="0"/>
+              <a:t>The breach's genesis can be traced back to the spring of 2011, marking the beginning of a chain reaction that would have profound consequences.</a:t>
+            </a:r>
           </a:p>
         </p:txBody>
       </p:sp>
     </p:spTree>
     <p:extLst>
       <p:ext uri="{BB962C8B-B14F-4D97-AF65-F5344CB8AC3E}">
-        <p14:creationId xmlns:p14="http://schemas.microsoft.com/office/powerpoint/2010/main" val="3519010733"/>
+        <p14:creationId xmlns:p14="http://schemas.microsoft.com/office/powerpoint/2010/main" val="1200217142"/>
       </p:ext>
     </p:extLst>
   </p:cSld>
@@ -9016,7 +8903,7 @@
 </p:sld>
 </file>
 
-<file path=ppt/slides/slide7.xml><?xml version="1.0" encoding="utf-8"?>
+<file path=ppt/slides/slide15.xml><?xml version="1.0" encoding="utf-8"?>
 <p:sld xmlns:a="http://schemas.openxmlformats.org/drawingml/2006/main" xmlns:r="http://schemas.openxmlformats.org/officeDocument/2006/relationships" xmlns:p="http://schemas.openxmlformats.org/presentationml/2006/main">
   <p:cSld>
     <p:spTree>
@@ -9051,7 +8938,7 @@
             <a:pPr algn="ctr"/>
             <a:r>
               <a:rPr lang="en-US" dirty="0"/>
-              <a:t>Stolen SecurID Seeds</a:t>
+              <a:t>Overview of the RSA Breach Incident</a:t>
             </a:r>
           </a:p>
         </p:txBody>
@@ -9068,7 +8955,9 @@
         </p:nvSpPr>
         <p:spPr/>
         <p:txBody>
-          <a:bodyPr/>
+          <a:bodyPr>
+            <a:normAutofit/>
+          </a:bodyPr>
           <a:lstStyle/>
           <a:p>
             <a:pPr marL="0" indent="0">
@@ -9082,7 +8971,7 @@
             </a:pPr>
             <a:r>
               <a:rPr lang="en-US" dirty="0"/>
-              <a:t>The SecurID seeds formed the foundation of the security system that RSA Security provided. We'll delve into the theft of these seeds, exploring the importance of these cryptographic keys to the security of the SecurID product and the potential risks their compromise poses.</a:t>
+              <a:t>In the spring of 2011, the digital landscape was abuzz with intrigue. The breach began with an initial intrusion that can be likened to a digital thunderstorm. Like a plot from a cyber-espionage thriller, it was during this season that the attackers infiltrated the secure networks of RSA Security, setting in motion a sequence of events that would ultimately expose the vulnerability of even the most fortified cybersecurity systems.</a:t>
             </a:r>
           </a:p>
           <a:p>
@@ -9093,7 +8982,7 @@
     </p:spTree>
     <p:extLst>
       <p:ext uri="{BB962C8B-B14F-4D97-AF65-F5344CB8AC3E}">
-        <p14:creationId xmlns:p14="http://schemas.microsoft.com/office/powerpoint/2010/main" val="515381222"/>
+        <p14:creationId xmlns:p14="http://schemas.microsoft.com/office/powerpoint/2010/main" val="897847061"/>
       </p:ext>
     </p:extLst>
   </p:cSld>
@@ -9115,7 +9004,7 @@
 </p:sld>
 </file>
 
-<file path=ppt/slides/slide8.xml><?xml version="1.0" encoding="utf-8"?>
+<file path=ppt/slides/slide16.xml><?xml version="1.0" encoding="utf-8"?>
 <p:sld xmlns:a="http://schemas.openxmlformats.org/drawingml/2006/main" xmlns:r="http://schemas.openxmlformats.org/officeDocument/2006/relationships" xmlns:p="http://schemas.openxmlformats.org/presentationml/2006/main">
   <p:cSld>
     <p:spTree>
@@ -9150,7 +9039,7 @@
             <a:pPr algn="ctr"/>
             <a:r>
               <a:rPr lang="en-US" dirty="0"/>
-              <a:t>Stolen SecurID Seeds continue..</a:t>
+              <a:t>The Where</a:t>
             </a:r>
           </a:p>
         </p:txBody>
@@ -9167,7 +9056,9 @@
         </p:nvSpPr>
         <p:spPr/>
         <p:txBody>
-          <a:bodyPr/>
+          <a:bodyPr>
+            <a:normAutofit/>
+          </a:bodyPr>
           <a:lstStyle/>
           <a:p>
             <a:pPr marL="0" indent="0">
@@ -9179,15 +9070,1039 @@
             <a:pPr marL="0" indent="0">
               <a:buNone/>
             </a:pPr>
+            <a:r>
+              <a:rPr lang="en-US" dirty="0"/>
+              <a:t>The battleground for this cybersecurity saga was not limited to the digital realm. While the breach initially took place in the virtual world, the pursuit of the attackers led investigators to various physical locations. The focus here will be on RSA Security's headquarters and its glass-encased operations center, resembling something out of a science fiction movie. These locations would become the central command post for monitoring and orchestrating responses to the advancing breach.</a:t>
+            </a:r>
+          </a:p>
+          <a:p>
             <a:endParaRPr lang="en-US" dirty="0"/>
           </a:p>
+        </p:txBody>
+      </p:sp>
+    </p:spTree>
+    <p:extLst>
+      <p:ext uri="{BB962C8B-B14F-4D97-AF65-F5344CB8AC3E}">
+        <p14:creationId xmlns:p14="http://schemas.microsoft.com/office/powerpoint/2010/main" val="3818646262"/>
+      </p:ext>
+    </p:extLst>
+  </p:cSld>
+  <p:clrMapOvr>
+    <a:masterClrMapping/>
+  </p:clrMapOvr>
+  <mc:AlternateContent xmlns:mc="http://schemas.openxmlformats.org/markup-compatibility/2006" xmlns:p14="http://schemas.microsoft.com/office/powerpoint/2010/main">
+    <mc:Choice Requires="p14">
+      <p:transition spd="med" p14:dur="700">
+        <p:fade/>
+      </p:transition>
+    </mc:Choice>
+    <mc:Fallback xmlns="">
+      <p:transition spd="med">
+        <p:fade/>
+      </p:transition>
+    </mc:Fallback>
+  </mc:AlternateContent>
+</p:sld>
+</file>
+
+<file path=ppt/slides/slide17.xml><?xml version="1.0" encoding="utf-8"?>
+<p:sld xmlns:a="http://schemas.openxmlformats.org/drawingml/2006/main" xmlns:r="http://schemas.openxmlformats.org/officeDocument/2006/relationships" xmlns:p="http://schemas.openxmlformats.org/presentationml/2006/main">
+  <p:cSld>
+    <p:spTree>
+      <p:nvGrpSpPr>
+        <p:cNvPr id="1" name=""/>
+        <p:cNvGrpSpPr/>
+        <p:nvPr/>
+      </p:nvGrpSpPr>
+      <p:grpSpPr>
+        <a:xfrm>
+          <a:off x="0" y="0"/>
+          <a:ext cx="0" cy="0"/>
+          <a:chOff x="0" y="0"/>
+          <a:chExt cx="0" cy="0"/>
+        </a:xfrm>
+      </p:grpSpPr>
+      <p:sp>
+        <p:nvSpPr>
+          <p:cNvPr id="3" name="Title 2"/>
+          <p:cNvSpPr>
+            <a:spLocks noGrp="1"/>
+          </p:cNvSpPr>
+          <p:nvPr>
+            <p:ph type="title"/>
+          </p:nvPr>
+        </p:nvSpPr>
+        <p:spPr/>
+        <p:txBody>
+          <a:bodyPr/>
+          <a:lstStyle/>
+          <a:p>
+            <a:pPr algn="ctr"/>
+            <a:r>
+              <a:rPr lang="en-US" dirty="0"/>
+              <a:t>RSA Headquarters and Operations Center</a:t>
+            </a:r>
+          </a:p>
+        </p:txBody>
+      </p:sp>
+      <p:sp>
+        <p:nvSpPr>
+          <p:cNvPr id="2" name="Content Placeholder 1"/>
+          <p:cNvSpPr>
+            <a:spLocks noGrp="1"/>
+          </p:cNvSpPr>
+          <p:nvPr>
+            <p:ph idx="1"/>
+          </p:nvPr>
+        </p:nvSpPr>
+        <p:spPr/>
+        <p:txBody>
+          <a:bodyPr>
+            <a:normAutofit/>
+          </a:bodyPr>
+          <a:lstStyle/>
           <a:p>
             <a:pPr marL="0" indent="0">
               <a:buNone/>
             </a:pPr>
+            <a:endParaRPr lang="en-US" dirty="0"/>
+          </a:p>
+          <a:p>
+            <a:pPr marL="0" indent="0">
+              <a:buNone/>
+            </a:pPr>
             <a:r>
               <a:rPr lang="en-US" dirty="0"/>
-              <a:t>The seeds, guarded in a secure vault, were stolen using advanced, cutting-edge technology that included laser alarms and retinal scanners. </a:t>
+              <a:t>RSA Security's headquarters and operations center served as the epicenter of the breach response. The operations center, encased in glass, was akin to a digital fortress, with cybersecurity experts working ceaselessly against the relentless ticking of the clock. In our fictional narrative, the operations center housed a supercomputer, cryptically named "Cyber Sentinel," which was instrumental in tracking the breach. </a:t>
+            </a:r>
+          </a:p>
+        </p:txBody>
+      </p:sp>
+    </p:spTree>
+    <p:extLst>
+      <p:ext uri="{BB962C8B-B14F-4D97-AF65-F5344CB8AC3E}">
+        <p14:creationId xmlns:p14="http://schemas.microsoft.com/office/powerpoint/2010/main" val="3627623680"/>
+      </p:ext>
+    </p:extLst>
+  </p:cSld>
+  <p:clrMapOvr>
+    <a:masterClrMapping/>
+  </p:clrMapOvr>
+  <mc:AlternateContent xmlns:mc="http://schemas.openxmlformats.org/markup-compatibility/2006" xmlns:p14="http://schemas.microsoft.com/office/powerpoint/2010/main">
+    <mc:Choice Requires="p14">
+      <p:transition spd="med" p14:dur="700">
+        <p:fade/>
+      </p:transition>
+    </mc:Choice>
+    <mc:Fallback xmlns="">
+      <p:transition spd="med">
+        <p:fade/>
+      </p:transition>
+    </mc:Fallback>
+  </mc:AlternateContent>
+</p:sld>
+</file>
+
+<file path=ppt/slides/slide18.xml><?xml version="1.0" encoding="utf-8"?>
+<p:sld xmlns:a="http://schemas.openxmlformats.org/drawingml/2006/main" xmlns:r="http://schemas.openxmlformats.org/officeDocument/2006/relationships" xmlns:p="http://schemas.openxmlformats.org/presentationml/2006/main">
+  <p:cSld>
+    <p:spTree>
+      <p:nvGrpSpPr>
+        <p:cNvPr id="1" name=""/>
+        <p:cNvGrpSpPr/>
+        <p:nvPr/>
+      </p:nvGrpSpPr>
+      <p:grpSpPr>
+        <a:xfrm>
+          <a:off x="0" y="0"/>
+          <a:ext cx="0" cy="0"/>
+          <a:chOff x="0" y="0"/>
+          <a:chExt cx="0" cy="0"/>
+        </a:xfrm>
+      </p:grpSpPr>
+      <p:sp>
+        <p:nvSpPr>
+          <p:cNvPr id="3" name="Title 2"/>
+          <p:cNvSpPr>
+            <a:spLocks noGrp="1"/>
+          </p:cNvSpPr>
+          <p:nvPr>
+            <p:ph type="title"/>
+          </p:nvPr>
+        </p:nvSpPr>
+        <p:spPr/>
+        <p:txBody>
+          <a:bodyPr/>
+          <a:lstStyle/>
+          <a:p>
+            <a:pPr algn="ctr"/>
+            <a:r>
+              <a:rPr lang="en-US" dirty="0"/>
+              <a:t>Rackspace Cloud Hosting</a:t>
+            </a:r>
+          </a:p>
+        </p:txBody>
+      </p:sp>
+      <p:sp>
+        <p:nvSpPr>
+          <p:cNvPr id="2" name="Content Placeholder 1"/>
+          <p:cNvSpPr>
+            <a:spLocks noGrp="1"/>
+          </p:cNvSpPr>
+          <p:nvPr>
+            <p:ph idx="1"/>
+          </p:nvPr>
+        </p:nvSpPr>
+        <p:spPr/>
+        <p:txBody>
+          <a:bodyPr>
+            <a:normAutofit/>
+          </a:bodyPr>
+          <a:lstStyle/>
+          <a:p>
+            <a:pPr marL="0" indent="0">
+              <a:buNone/>
+            </a:pPr>
+            <a:endParaRPr lang="en-US" dirty="0"/>
+          </a:p>
+          <a:p>
+            <a:pPr marL="0" indent="0">
+              <a:buNone/>
+            </a:pPr>
+            <a:r>
+              <a:rPr lang="en-US" dirty="0"/>
+              <a:t>As the RSA breach unfolded, a pivotal moment occurred when the stolen seeds found refuge on a remote server hosted by Rackspace, a prominent cloud hosting provider. </a:t>
+            </a:r>
+          </a:p>
+          <a:p>
+            <a:r>
+              <a:rPr lang="en-US" dirty="0"/>
+              <a:t>The investigation into this cloud-based twist resembled a digital cat-and-mouse game, with Rackspace's cybersecurity experts engaged in a virtual chase. </a:t>
+            </a:r>
+          </a:p>
+        </p:txBody>
+      </p:sp>
+    </p:spTree>
+    <p:extLst>
+      <p:ext uri="{BB962C8B-B14F-4D97-AF65-F5344CB8AC3E}">
+        <p14:creationId xmlns:p14="http://schemas.microsoft.com/office/powerpoint/2010/main" val="2477706489"/>
+      </p:ext>
+    </p:extLst>
+  </p:cSld>
+  <p:clrMapOvr>
+    <a:masterClrMapping/>
+  </p:clrMapOvr>
+  <mc:AlternateContent xmlns:mc="http://schemas.openxmlformats.org/markup-compatibility/2006" xmlns:p14="http://schemas.microsoft.com/office/powerpoint/2010/main">
+    <mc:Choice Requires="p14">
+      <p:transition spd="med" p14:dur="700">
+        <p:fade/>
+      </p:transition>
+    </mc:Choice>
+    <mc:Fallback xmlns="">
+      <p:transition spd="med">
+        <p:fade/>
+      </p:transition>
+    </mc:Fallback>
+  </mc:AlternateContent>
+</p:sld>
+</file>
+
+<file path=ppt/slides/slide19.xml><?xml version="1.0" encoding="utf-8"?>
+<p:sld xmlns:a="http://schemas.openxmlformats.org/drawingml/2006/main" xmlns:r="http://schemas.openxmlformats.org/officeDocument/2006/relationships" xmlns:p="http://schemas.openxmlformats.org/presentationml/2006/main">
+  <p:cSld>
+    <p:spTree>
+      <p:nvGrpSpPr>
+        <p:cNvPr id="1" name=""/>
+        <p:cNvGrpSpPr/>
+        <p:nvPr/>
+      </p:nvGrpSpPr>
+      <p:grpSpPr>
+        <a:xfrm>
+          <a:off x="0" y="0"/>
+          <a:ext cx="0" cy="0"/>
+          <a:chOff x="0" y="0"/>
+          <a:chExt cx="0" cy="0"/>
+        </a:xfrm>
+      </p:grpSpPr>
+      <p:sp>
+        <p:nvSpPr>
+          <p:cNvPr id="3" name="Title 2"/>
+          <p:cNvSpPr>
+            <a:spLocks noGrp="1"/>
+          </p:cNvSpPr>
+          <p:nvPr>
+            <p:ph type="title"/>
+          </p:nvPr>
+        </p:nvSpPr>
+        <p:spPr/>
+        <p:txBody>
+          <a:bodyPr/>
+          <a:lstStyle/>
+          <a:p>
+            <a:pPr algn="ctr"/>
+            <a:r>
+              <a:rPr lang="en-US" dirty="0"/>
+              <a:t>The Why</a:t>
+            </a:r>
+          </a:p>
+        </p:txBody>
+      </p:sp>
+      <p:sp>
+        <p:nvSpPr>
+          <p:cNvPr id="2" name="Content Placeholder 1"/>
+          <p:cNvSpPr>
+            <a:spLocks noGrp="1"/>
+          </p:cNvSpPr>
+          <p:nvPr>
+            <p:ph idx="1"/>
+          </p:nvPr>
+        </p:nvSpPr>
+        <p:spPr/>
+        <p:txBody>
+          <a:bodyPr>
+            <a:normAutofit/>
+          </a:bodyPr>
+          <a:lstStyle/>
+          <a:p>
+            <a:pPr marL="0" indent="0">
+              <a:buNone/>
+            </a:pPr>
+            <a:endParaRPr lang="en-US" dirty="0"/>
+          </a:p>
+          <a:p>
+            <a:r>
+              <a:rPr lang="en-US" dirty="0"/>
+              <a:t>The attackers' motivations transcend conventional cybercrime. </a:t>
+            </a:r>
+          </a:p>
+          <a:p>
+            <a:r>
+              <a:rPr lang="en-US" dirty="0"/>
+              <a:t>The threat actors aimed to gain control over a powerful and enigmatic digital artifact with the potential to rewrite the rules of the digital world.</a:t>
+            </a:r>
+          </a:p>
+        </p:txBody>
+      </p:sp>
+    </p:spTree>
+    <p:extLst>
+      <p:ext uri="{BB962C8B-B14F-4D97-AF65-F5344CB8AC3E}">
+        <p14:creationId xmlns:p14="http://schemas.microsoft.com/office/powerpoint/2010/main" val="3330843289"/>
+      </p:ext>
+    </p:extLst>
+  </p:cSld>
+  <p:clrMapOvr>
+    <a:masterClrMapping/>
+  </p:clrMapOvr>
+  <mc:AlternateContent xmlns:mc="http://schemas.openxmlformats.org/markup-compatibility/2006" xmlns:p14="http://schemas.microsoft.com/office/powerpoint/2010/main">
+    <mc:Choice Requires="p14">
+      <p:transition spd="med" p14:dur="700">
+        <p:fade/>
+      </p:transition>
+    </mc:Choice>
+    <mc:Fallback xmlns="">
+      <p:transition spd="med">
+        <p:fade/>
+      </p:transition>
+    </mc:Fallback>
+  </mc:AlternateContent>
+</p:sld>
+</file>
+
+<file path=ppt/slides/slide2.xml><?xml version="1.0" encoding="utf-8"?>
+<p:sld xmlns:a="http://schemas.openxmlformats.org/drawingml/2006/main" xmlns:r="http://schemas.openxmlformats.org/officeDocument/2006/relationships" xmlns:p="http://schemas.openxmlformats.org/presentationml/2006/main">
+  <p:cSld>
+    <p:spTree>
+      <p:nvGrpSpPr>
+        <p:cNvPr id="1" name=""/>
+        <p:cNvGrpSpPr/>
+        <p:nvPr/>
+      </p:nvGrpSpPr>
+      <p:grpSpPr>
+        <a:xfrm>
+          <a:off x="0" y="0"/>
+          <a:ext cx="0" cy="0"/>
+          <a:chOff x="0" y="0"/>
+          <a:chExt cx="0" cy="0"/>
+        </a:xfrm>
+      </p:grpSpPr>
+      <p:sp>
+        <p:nvSpPr>
+          <p:cNvPr id="2" name="Title 1"/>
+          <p:cNvSpPr>
+            <a:spLocks noGrp="1"/>
+          </p:cNvSpPr>
+          <p:nvPr>
+            <p:ph type="title"/>
+          </p:nvPr>
+        </p:nvSpPr>
+        <p:spPr/>
+        <p:txBody>
+          <a:bodyPr/>
+          <a:lstStyle/>
+          <a:p>
+            <a:pPr algn="ctr"/>
+            <a:r>
+              <a:rPr lang="en-US" dirty="0"/>
+              <a:t>INTRODUCTION</a:t>
+            </a:r>
+          </a:p>
+        </p:txBody>
+      </p:sp>
+      <p:sp>
+        <p:nvSpPr>
+          <p:cNvPr id="3" name="Content Placeholder 2"/>
+          <p:cNvSpPr>
+            <a:spLocks noGrp="1"/>
+          </p:cNvSpPr>
+          <p:nvPr>
+            <p:ph idx="1"/>
+          </p:nvPr>
+        </p:nvSpPr>
+        <p:spPr/>
+        <p:txBody>
+          <a:bodyPr/>
+          <a:lstStyle/>
+          <a:p>
+            <a:pPr marL="0" indent="0">
+              <a:buNone/>
+            </a:pPr>
+            <a:endParaRPr lang="en-US" dirty="0"/>
+          </a:p>
+          <a:p>
+            <a:pPr marL="0" indent="0">
+              <a:buNone/>
+            </a:pPr>
+            <a:r>
+              <a:rPr lang="en-US" dirty="0"/>
+              <a:t>Explain why RSA is so important and the SecurID stuff is the greatest MFA tool (in 2011). Add picture of SecurID token here</a:t>
+            </a:r>
+          </a:p>
+        </p:txBody>
+      </p:sp>
+    </p:spTree>
+    <p:extLst>
+      <p:ext uri="{BB962C8B-B14F-4D97-AF65-F5344CB8AC3E}">
+        <p14:creationId xmlns:p14="http://schemas.microsoft.com/office/powerpoint/2010/main" val="1400698650"/>
+      </p:ext>
+    </p:extLst>
+  </p:cSld>
+  <p:clrMapOvr>
+    <a:masterClrMapping/>
+  </p:clrMapOvr>
+  <mc:AlternateContent xmlns:mc="http://schemas.openxmlformats.org/markup-compatibility/2006" xmlns:p14="http://schemas.microsoft.com/office/powerpoint/2010/main">
+    <mc:Choice Requires="p14">
+      <p:transition spd="med" p14:dur="700">
+        <p:fade/>
+      </p:transition>
+    </mc:Choice>
+    <mc:Fallback xmlns="">
+      <p:transition spd="med">
+        <p:fade/>
+      </p:transition>
+    </mc:Fallback>
+  </mc:AlternateContent>
+</p:sld>
+</file>
+
+<file path=ppt/slides/slide20.xml><?xml version="1.0" encoding="utf-8"?>
+<p:sld xmlns:a="http://schemas.openxmlformats.org/drawingml/2006/main" xmlns:r="http://schemas.openxmlformats.org/officeDocument/2006/relationships" xmlns:p="http://schemas.openxmlformats.org/presentationml/2006/main">
+  <p:cSld>
+    <p:spTree>
+      <p:nvGrpSpPr>
+        <p:cNvPr id="1" name=""/>
+        <p:cNvGrpSpPr/>
+        <p:nvPr/>
+      </p:nvGrpSpPr>
+      <p:grpSpPr>
+        <a:xfrm>
+          <a:off x="0" y="0"/>
+          <a:ext cx="0" cy="0"/>
+          <a:chOff x="0" y="0"/>
+          <a:chExt cx="0" cy="0"/>
+        </a:xfrm>
+      </p:grpSpPr>
+      <p:sp>
+        <p:nvSpPr>
+          <p:cNvPr id="3" name="Title 2"/>
+          <p:cNvSpPr>
+            <a:spLocks noGrp="1"/>
+          </p:cNvSpPr>
+          <p:nvPr>
+            <p:ph type="title"/>
+          </p:nvPr>
+        </p:nvSpPr>
+        <p:spPr/>
+        <p:txBody>
+          <a:bodyPr/>
+          <a:lstStyle/>
+          <a:p>
+            <a:pPr algn="ctr"/>
+            <a:r>
+              <a:rPr lang="en-US" dirty="0"/>
+              <a:t>Strategic Geopolitical Goals</a:t>
+            </a:r>
+          </a:p>
+        </p:txBody>
+      </p:sp>
+      <p:sp>
+        <p:nvSpPr>
+          <p:cNvPr id="2" name="Content Placeholder 1"/>
+          <p:cNvSpPr>
+            <a:spLocks noGrp="1"/>
+          </p:cNvSpPr>
+          <p:nvPr>
+            <p:ph idx="1"/>
+          </p:nvPr>
+        </p:nvSpPr>
+        <p:spPr/>
+        <p:txBody>
+          <a:bodyPr>
+            <a:normAutofit/>
+          </a:bodyPr>
+          <a:lstStyle/>
+          <a:p>
+            <a:pPr marL="0" indent="0">
+              <a:buNone/>
+            </a:pPr>
+            <a:endParaRPr lang="en-US" dirty="0"/>
+          </a:p>
+          <a:p>
+            <a:pPr marL="0" indent="0">
+              <a:buNone/>
+            </a:pPr>
+            <a:r>
+              <a:rPr lang="en-US" dirty="0"/>
+              <a:t>The breach wasn't just about data theft; it was a plot with strategic geopolitical goals. The attackers' intentions included destabilizing key nations and influencing global alliances. </a:t>
+            </a:r>
+          </a:p>
+          <a:p>
+            <a:pPr marL="0" indent="0">
+              <a:buNone/>
+            </a:pPr>
+            <a:r>
+              <a:rPr lang="en-US" dirty="0"/>
+              <a:t>Their grand design involved leveraging the stolen SecurID seeds to compromise national security, financial institutions, and critical infrastructure. </a:t>
+            </a:r>
+          </a:p>
+        </p:txBody>
+      </p:sp>
+    </p:spTree>
+    <p:extLst>
+      <p:ext uri="{BB962C8B-B14F-4D97-AF65-F5344CB8AC3E}">
+        <p14:creationId xmlns:p14="http://schemas.microsoft.com/office/powerpoint/2010/main" val="190250103"/>
+      </p:ext>
+    </p:extLst>
+  </p:cSld>
+  <p:clrMapOvr>
+    <a:masterClrMapping/>
+  </p:clrMapOvr>
+  <mc:AlternateContent xmlns:mc="http://schemas.openxmlformats.org/markup-compatibility/2006" xmlns:p14="http://schemas.microsoft.com/office/powerpoint/2010/main">
+    <mc:Choice Requires="p14">
+      <p:transition spd="med" p14:dur="700">
+        <p:fade/>
+      </p:transition>
+    </mc:Choice>
+    <mc:Fallback xmlns="">
+      <p:transition spd="med">
+        <p:fade/>
+      </p:transition>
+    </mc:Fallback>
+  </mc:AlternateContent>
+</p:sld>
+</file>
+
+<file path=ppt/slides/slide21.xml><?xml version="1.0" encoding="utf-8"?>
+<p:sld xmlns:a="http://schemas.openxmlformats.org/drawingml/2006/main" xmlns:r="http://schemas.openxmlformats.org/officeDocument/2006/relationships" xmlns:p="http://schemas.openxmlformats.org/presentationml/2006/main">
+  <p:cSld>
+    <p:spTree>
+      <p:nvGrpSpPr>
+        <p:cNvPr id="1" name=""/>
+        <p:cNvGrpSpPr/>
+        <p:nvPr/>
+      </p:nvGrpSpPr>
+      <p:grpSpPr>
+        <a:xfrm>
+          <a:off x="0" y="0"/>
+          <a:ext cx="0" cy="0"/>
+          <a:chOff x="0" y="0"/>
+          <a:chExt cx="0" cy="0"/>
+        </a:xfrm>
+      </p:grpSpPr>
+      <p:sp>
+        <p:nvSpPr>
+          <p:cNvPr id="3" name="Title 2"/>
+          <p:cNvSpPr>
+            <a:spLocks noGrp="1"/>
+          </p:cNvSpPr>
+          <p:nvPr>
+            <p:ph type="title"/>
+          </p:nvPr>
+        </p:nvSpPr>
+        <p:spPr/>
+        <p:txBody>
+          <a:bodyPr/>
+          <a:lstStyle/>
+          <a:p>
+            <a:pPr algn="ctr"/>
+            <a:r>
+              <a:rPr lang="en-US" dirty="0"/>
+              <a:t>Potential for Widespread Impact</a:t>
+            </a:r>
+          </a:p>
+        </p:txBody>
+      </p:sp>
+      <p:sp>
+        <p:nvSpPr>
+          <p:cNvPr id="2" name="Content Placeholder 1"/>
+          <p:cNvSpPr>
+            <a:spLocks noGrp="1"/>
+          </p:cNvSpPr>
+          <p:nvPr>
+            <p:ph idx="1"/>
+          </p:nvPr>
+        </p:nvSpPr>
+        <p:spPr/>
+        <p:txBody>
+          <a:bodyPr>
+            <a:normAutofit/>
+          </a:bodyPr>
+          <a:lstStyle/>
+          <a:p>
+            <a:pPr marL="0" indent="0">
+              <a:buNone/>
+            </a:pPr>
+            <a:endParaRPr lang="en-US" dirty="0"/>
+          </a:p>
+          <a:p>
+            <a:pPr marL="0" indent="0">
+              <a:buNone/>
+            </a:pPr>
+            <a:r>
+              <a:rPr lang="en-US" dirty="0"/>
+              <a:t>The compromise of the SecurID seeds had the potential to create chaos on a global scale. The attackers' scheme involved manipulating financial systems, tampering with elections, and controlling military systems. </a:t>
+            </a:r>
+          </a:p>
+          <a:p>
+            <a:pPr marL="0" indent="0">
+              <a:buNone/>
+            </a:pPr>
+            <a:r>
+              <a:rPr lang="en-US" dirty="0"/>
+              <a:t>The consequences of such actions would extend far beyond the digital realm, affecting the geopolitical landscape as we know it.</a:t>
+            </a:r>
+          </a:p>
+          <a:p>
+            <a:endParaRPr lang="en-US" dirty="0"/>
+          </a:p>
+        </p:txBody>
+      </p:sp>
+    </p:spTree>
+    <p:extLst>
+      <p:ext uri="{BB962C8B-B14F-4D97-AF65-F5344CB8AC3E}">
+        <p14:creationId xmlns:p14="http://schemas.microsoft.com/office/powerpoint/2010/main" val="411134429"/>
+      </p:ext>
+    </p:extLst>
+  </p:cSld>
+  <p:clrMapOvr>
+    <a:masterClrMapping/>
+  </p:clrMapOvr>
+  <mc:AlternateContent xmlns:mc="http://schemas.openxmlformats.org/markup-compatibility/2006" xmlns:p14="http://schemas.microsoft.com/office/powerpoint/2010/main">
+    <mc:Choice Requires="p14">
+      <p:transition spd="med" p14:dur="700">
+        <p:fade/>
+      </p:transition>
+    </mc:Choice>
+    <mc:Fallback xmlns="">
+      <p:transition spd="med">
+        <p:fade/>
+      </p:transition>
+    </mc:Fallback>
+  </mc:AlternateContent>
+</p:sld>
+</file>
+
+<file path=ppt/slides/slide22.xml><?xml version="1.0" encoding="utf-8"?>
+<p:sld xmlns:a="http://schemas.openxmlformats.org/drawingml/2006/main" xmlns:r="http://schemas.openxmlformats.org/officeDocument/2006/relationships" xmlns:p="http://schemas.openxmlformats.org/presentationml/2006/main">
+  <p:cSld>
+    <p:spTree>
+      <p:nvGrpSpPr>
+        <p:cNvPr id="1" name=""/>
+        <p:cNvGrpSpPr/>
+        <p:nvPr/>
+      </p:nvGrpSpPr>
+      <p:grpSpPr>
+        <a:xfrm>
+          <a:off x="0" y="0"/>
+          <a:ext cx="0" cy="0"/>
+          <a:chOff x="0" y="0"/>
+          <a:chExt cx="0" cy="0"/>
+        </a:xfrm>
+      </p:grpSpPr>
+      <p:sp>
+        <p:nvSpPr>
+          <p:cNvPr id="3" name="Title 2"/>
+          <p:cNvSpPr>
+            <a:spLocks noGrp="1"/>
+          </p:cNvSpPr>
+          <p:nvPr>
+            <p:ph type="title"/>
+          </p:nvPr>
+        </p:nvSpPr>
+        <p:spPr/>
+        <p:txBody>
+          <a:bodyPr/>
+          <a:lstStyle/>
+          <a:p>
+            <a:pPr algn="ctr"/>
+            <a:r>
+              <a:rPr lang="en-US" dirty="0"/>
+              <a:t>Conclusion</a:t>
+            </a:r>
+          </a:p>
+        </p:txBody>
+      </p:sp>
+      <p:sp>
+        <p:nvSpPr>
+          <p:cNvPr id="2" name="Content Placeholder 1"/>
+          <p:cNvSpPr>
+            <a:spLocks noGrp="1"/>
+          </p:cNvSpPr>
+          <p:nvPr>
+            <p:ph idx="1"/>
+          </p:nvPr>
+        </p:nvSpPr>
+        <p:spPr/>
+        <p:txBody>
+          <a:bodyPr>
+            <a:normAutofit/>
+          </a:bodyPr>
+          <a:lstStyle/>
+          <a:p>
+            <a:pPr marL="0" indent="0">
+              <a:buNone/>
+            </a:pPr>
+            <a:endParaRPr lang="en-US" dirty="0"/>
+          </a:p>
+          <a:p>
+            <a:pPr marL="0" indent="0">
+              <a:buNone/>
+            </a:pPr>
+            <a:r>
+              <a:rPr lang="en-US" dirty="0"/>
+              <a:t>In conclusion, the 2011 RSA breach stands as an enduring testament to the evolving nature of cybersecurity threats. The presentation has provided insights into the breach, both factual and fictional, highlighting the imperative need for ongoing vigilance in safeguarding digital assets and national security.</a:t>
+            </a:r>
+          </a:p>
+          <a:p>
+            <a:endParaRPr lang="en-US" dirty="0"/>
+          </a:p>
+        </p:txBody>
+      </p:sp>
+    </p:spTree>
+    <p:extLst>
+      <p:ext uri="{BB962C8B-B14F-4D97-AF65-F5344CB8AC3E}">
+        <p14:creationId xmlns:p14="http://schemas.microsoft.com/office/powerpoint/2010/main" val="1316844685"/>
+      </p:ext>
+    </p:extLst>
+  </p:cSld>
+  <p:clrMapOvr>
+    <a:masterClrMapping/>
+  </p:clrMapOvr>
+  <mc:AlternateContent xmlns:mc="http://schemas.openxmlformats.org/markup-compatibility/2006" xmlns:p14="http://schemas.microsoft.com/office/powerpoint/2010/main">
+    <mc:Choice Requires="p14">
+      <p:transition spd="med" p14:dur="700">
+        <p:fade/>
+      </p:transition>
+    </mc:Choice>
+    <mc:Fallback xmlns="">
+      <p:transition spd="med">
+        <p:fade/>
+      </p:transition>
+    </mc:Fallback>
+  </mc:AlternateContent>
+</p:sld>
+</file>
+
+<file path=ppt/slides/slide23.xml><?xml version="1.0" encoding="utf-8"?>
+<p:sld xmlns:a="http://schemas.openxmlformats.org/drawingml/2006/main" xmlns:r="http://schemas.openxmlformats.org/officeDocument/2006/relationships" xmlns:p="http://schemas.openxmlformats.org/presentationml/2006/main">
+  <p:cSld>
+    <p:spTree>
+      <p:nvGrpSpPr>
+        <p:cNvPr id="1" name=""/>
+        <p:cNvGrpSpPr/>
+        <p:nvPr/>
+      </p:nvGrpSpPr>
+      <p:grpSpPr>
+        <a:xfrm>
+          <a:off x="0" y="0"/>
+          <a:ext cx="0" cy="0"/>
+          <a:chOff x="0" y="0"/>
+          <a:chExt cx="0" cy="0"/>
+        </a:xfrm>
+      </p:grpSpPr>
+      <p:sp>
+        <p:nvSpPr>
+          <p:cNvPr id="3" name="Title 2"/>
+          <p:cNvSpPr>
+            <a:spLocks noGrp="1"/>
+          </p:cNvSpPr>
+          <p:nvPr>
+            <p:ph type="title"/>
+          </p:nvPr>
+        </p:nvSpPr>
+        <p:spPr/>
+        <p:txBody>
+          <a:bodyPr/>
+          <a:lstStyle/>
+          <a:p>
+            <a:pPr algn="ctr"/>
+            <a:r>
+              <a:rPr lang="en-US" dirty="0"/>
+              <a:t>who you contacted and when</a:t>
+            </a:r>
+          </a:p>
+        </p:txBody>
+      </p:sp>
+      <p:sp>
+        <p:nvSpPr>
+          <p:cNvPr id="2" name="Content Placeholder 1"/>
+          <p:cNvSpPr>
+            <a:spLocks noGrp="1"/>
+          </p:cNvSpPr>
+          <p:nvPr>
+            <p:ph idx="1"/>
+          </p:nvPr>
+        </p:nvSpPr>
+        <p:spPr/>
+        <p:txBody>
+          <a:bodyPr>
+            <a:normAutofit fontScale="70000" lnSpcReduction="20000"/>
+          </a:bodyPr>
+          <a:lstStyle/>
+          <a:p>
+            <a:pPr marL="0" indent="0">
+              <a:buNone/>
+            </a:pPr>
+            <a:endParaRPr lang="en-US" dirty="0"/>
+          </a:p>
+          <a:p>
+            <a:pPr marL="0" indent="0">
+              <a:buNone/>
+            </a:pPr>
+            <a:r>
+              <a:rPr lang="en-US" dirty="0"/>
+              <a:t>March 1, 2011, user </a:t>
+            </a:r>
+            <a:r>
+              <a:rPr lang="en-US" dirty="0" err="1"/>
+              <a:t>openes</a:t>
+            </a:r>
+            <a:r>
+              <a:rPr lang="en-US" dirty="0"/>
+              <a:t> weaponized Excel </a:t>
+            </a:r>
+            <a:r>
+              <a:rPr lang="en-US" dirty="0" err="1"/>
+              <a:t>spreadhset</a:t>
+            </a:r>
+            <a:r>
+              <a:rPr lang="en-US" dirty="0"/>
+              <a:t> </a:t>
+            </a:r>
+            <a:r>
+              <a:rPr lang="en-US" dirty="0" err="1"/>
+              <a:t>recieved</a:t>
+            </a:r>
+            <a:r>
+              <a:rPr lang="en-US" dirty="0"/>
+              <a:t> in </a:t>
+            </a:r>
+            <a:r>
+              <a:rPr lang="en-US" dirty="0" err="1"/>
+              <a:t>phishign</a:t>
+            </a:r>
+            <a:r>
+              <a:rPr lang="en-US" dirty="0"/>
+              <a:t> email</a:t>
+            </a:r>
+          </a:p>
+          <a:p>
+            <a:pPr marL="0" indent="0">
+              <a:buNone/>
+            </a:pPr>
+            <a:r>
+              <a:rPr lang="en-US" dirty="0"/>
+              <a:t> March 8, a system administrator reported unexpected logins to RSA security server and </a:t>
+            </a:r>
+            <a:r>
+              <a:rPr lang="en-US" dirty="0" err="1"/>
+              <a:t>invstigations</a:t>
+            </a:r>
+            <a:r>
+              <a:rPr lang="en-US" dirty="0"/>
+              <a:t> begin</a:t>
+            </a:r>
+          </a:p>
+          <a:p>
+            <a:pPr marL="0" indent="0">
+              <a:buNone/>
+            </a:pPr>
+            <a:r>
+              <a:rPr lang="en-US" dirty="0"/>
+              <a:t> Approx March 12-14, SecureID data exfiltrated from servers</a:t>
+            </a:r>
+          </a:p>
+          <a:p>
+            <a:pPr marL="0" indent="0">
+              <a:buNone/>
+            </a:pPr>
+            <a:r>
+              <a:rPr lang="en-US" dirty="0"/>
+              <a:t> March 15, IR teams sees the last of the data being exfiltrated and cannot stop it. Sr Leadership notified.</a:t>
+            </a:r>
+          </a:p>
+          <a:p>
+            <a:pPr marL="0" indent="0">
+              <a:buNone/>
+            </a:pPr>
+            <a:r>
+              <a:rPr lang="en-US" dirty="0"/>
+              <a:t> March 17, the CEO of RSA releases an open letter to RSA Customers.</a:t>
+            </a:r>
+          </a:p>
+          <a:p>
+            <a:pPr marL="0" indent="0">
+              <a:buNone/>
+            </a:pPr>
+            <a:r>
+              <a:rPr lang="en-US" dirty="0"/>
+              <a:t> March 17, RSA notifies FBI, NSA, and </a:t>
+            </a:r>
+            <a:r>
+              <a:rPr lang="en-US" dirty="0" err="1"/>
+              <a:t>Mandient</a:t>
+            </a:r>
+            <a:endParaRPr lang="en-US" dirty="0"/>
+          </a:p>
+          <a:p>
+            <a:pPr marL="0" indent="0">
+              <a:buNone/>
+            </a:pPr>
+            <a:r>
+              <a:rPr lang="en-US" dirty="0"/>
+              <a:t> March 18, US Securities and Exchange Commission notified (Form 8-K).</a:t>
+            </a:r>
+          </a:p>
+          <a:p>
+            <a:endParaRPr lang="en-US" dirty="0"/>
+          </a:p>
+        </p:txBody>
+      </p:sp>
+    </p:spTree>
+    <p:extLst>
+      <p:ext uri="{BB962C8B-B14F-4D97-AF65-F5344CB8AC3E}">
+        <p14:creationId xmlns:p14="http://schemas.microsoft.com/office/powerpoint/2010/main" val="2975928982"/>
+      </p:ext>
+    </p:extLst>
+  </p:cSld>
+  <p:clrMapOvr>
+    <a:masterClrMapping/>
+  </p:clrMapOvr>
+  <mc:AlternateContent xmlns:mc="http://schemas.openxmlformats.org/markup-compatibility/2006" xmlns:p14="http://schemas.microsoft.com/office/powerpoint/2010/main">
+    <mc:Choice Requires="p14">
+      <p:transition spd="med" p14:dur="700">
+        <p:fade/>
+      </p:transition>
+    </mc:Choice>
+    <mc:Fallback xmlns="">
+      <p:transition spd="med">
+        <p:fade/>
+      </p:transition>
+    </mc:Fallback>
+  </mc:AlternateContent>
+</p:sld>
+</file>
+
+<file path=ppt/slides/slide24.xml><?xml version="1.0" encoding="utf-8"?>
+<p:sld xmlns:a="http://schemas.openxmlformats.org/drawingml/2006/main" xmlns:r="http://schemas.openxmlformats.org/officeDocument/2006/relationships" xmlns:p="http://schemas.openxmlformats.org/presentationml/2006/main">
+  <p:cSld>
+    <p:spTree>
+      <p:nvGrpSpPr>
+        <p:cNvPr id="1" name=""/>
+        <p:cNvGrpSpPr/>
+        <p:nvPr/>
+      </p:nvGrpSpPr>
+      <p:grpSpPr>
+        <a:xfrm>
+          <a:off x="0" y="0"/>
+          <a:ext cx="0" cy="0"/>
+          <a:chOff x="0" y="0"/>
+          <a:chExt cx="0" cy="0"/>
+        </a:xfrm>
+      </p:grpSpPr>
+      <p:sp>
+        <p:nvSpPr>
+          <p:cNvPr id="3" name="Title 2"/>
+          <p:cNvSpPr>
+            <a:spLocks noGrp="1"/>
+          </p:cNvSpPr>
+          <p:nvPr>
+            <p:ph type="title"/>
+          </p:nvPr>
+        </p:nvSpPr>
+        <p:spPr/>
+        <p:txBody>
+          <a:bodyPr/>
+          <a:lstStyle/>
+          <a:p>
+            <a:pPr algn="ctr"/>
+            <a:r>
+              <a:rPr lang="en-US" dirty="0"/>
+              <a:t>the scope</a:t>
+            </a:r>
+          </a:p>
+        </p:txBody>
+      </p:sp>
+      <p:sp>
+        <p:nvSpPr>
+          <p:cNvPr id="2" name="Content Placeholder 1"/>
+          <p:cNvSpPr>
+            <a:spLocks noGrp="1"/>
+          </p:cNvSpPr>
+          <p:nvPr>
+            <p:ph idx="1"/>
+          </p:nvPr>
+        </p:nvSpPr>
+        <p:spPr/>
+        <p:txBody>
+          <a:bodyPr/>
+          <a:lstStyle/>
+          <a:p>
+            <a:pPr marL="0" indent="0">
+              <a:buNone/>
+            </a:pPr>
+            <a:endParaRPr lang="en-US" dirty="0"/>
+          </a:p>
+          <a:p>
+            <a:pPr marL="0" indent="0">
+              <a:buNone/>
+            </a:pPr>
+            <a:endParaRPr lang="en-US" dirty="0"/>
+          </a:p>
+          <a:p>
+            <a:pPr marL="0" indent="0">
+              <a:buNone/>
+            </a:pPr>
+            <a:r>
+              <a:rPr lang="en-US" dirty="0"/>
+              <a:t>The SecureID seed database, exact size is currently undisclosed but, given that was organized on an internal server to stage the </a:t>
+            </a:r>
+            <a:r>
+              <a:rPr lang="en-US" dirty="0" err="1"/>
+              <a:t>exfiltation</a:t>
+            </a:r>
+            <a:r>
+              <a:rPr lang="en-US" dirty="0"/>
+              <a:t> in chunks over 3-4 days, the size would be in the terabytes.. </a:t>
             </a:r>
           </a:p>
         </p:txBody>
@@ -9424,7 +10339,7 @@
     </p:spTree>
     <p:extLst>
       <p:ext uri="{BB962C8B-B14F-4D97-AF65-F5344CB8AC3E}">
-        <p14:creationId xmlns:p14="http://schemas.microsoft.com/office/powerpoint/2010/main" val="2819748410"/>
+        <p14:creationId xmlns:p14="http://schemas.microsoft.com/office/powerpoint/2010/main" val="4020232040"/>
       </p:ext>
     </p:extLst>
   </p:cSld>
@@ -9446,7 +10361,7 @@
 </p:sld>
 </file>
 
-<file path=ppt/slides/slide9.xml><?xml version="1.0" encoding="utf-8"?>
+<file path=ppt/slides/slide25.xml><?xml version="1.0" encoding="utf-8"?>
 <p:sld xmlns:a="http://schemas.openxmlformats.org/drawingml/2006/main" xmlns:r="http://schemas.openxmlformats.org/officeDocument/2006/relationships" xmlns:p="http://schemas.openxmlformats.org/presentationml/2006/main">
   <p:cSld>
     <p:spTree>
@@ -9481,7 +10396,7 @@
             <a:pPr algn="ctr"/>
             <a:r>
               <a:rPr lang="en-US" dirty="0"/>
-              <a:t>Rackspace Cloud Hosting</a:t>
+              <a:t>mitigation process</a:t>
             </a:r>
           </a:p>
         </p:txBody>
@@ -9507,12 +10422,25 @@
             <a:endParaRPr lang="en-US" dirty="0"/>
           </a:p>
           <a:p>
-            <a:pPr marL="0" indent="0">
-              <a:buNone/>
+            <a:pPr marL="0" marR="0">
+              <a:lnSpc>
+                <a:spcPct val="107000"/>
+              </a:lnSpc>
+              <a:spcBef>
+                <a:spcPts val="0"/>
+              </a:spcBef>
+              <a:spcAft>
+                <a:spcPts val="0"/>
+              </a:spcAft>
             </a:pPr>
             <a:r>
-              <a:rPr lang="en-US" dirty="0"/>
-              <a:t>The investigation involved a digital chase, hacking back into the hacker's infrastructure, and ultimately leading to the discovery of the breach's source. </a:t>
+              <a:rPr lang="en-US" sz="1800" kern="100" dirty="0">
+                <a:effectLst/>
+                <a:latin typeface="Calibri" panose="020F0502020204030204" pitchFamily="34" charset="0"/>
+                <a:ea typeface="Calibri" panose="020F0502020204030204" pitchFamily="34" charset="0"/>
+                <a:cs typeface="Times New Roman" panose="02020603050405020304" pitchFamily="18" charset="0"/>
+              </a:rPr>
+              <a:t> Disable the local VPN for 2 days, re-issue new SecureID tokens/seeds to employees, begin contacting all 30,000 customers to begin re-issuing new tokens/seeds to them.</a:t>
             </a:r>
           </a:p>
         </p:txBody>
@@ -9749,7 +10677,2213 @@
     </p:spTree>
     <p:extLst>
       <p:ext uri="{BB962C8B-B14F-4D97-AF65-F5344CB8AC3E}">
-        <p14:creationId xmlns:p14="http://schemas.microsoft.com/office/powerpoint/2010/main" val="2585531345"/>
+        <p14:creationId xmlns:p14="http://schemas.microsoft.com/office/powerpoint/2010/main" val="3370513080"/>
+      </p:ext>
+    </p:extLst>
+  </p:cSld>
+  <p:clrMapOvr>
+    <a:masterClrMapping/>
+  </p:clrMapOvr>
+  <mc:AlternateContent xmlns:mc="http://schemas.openxmlformats.org/markup-compatibility/2006" xmlns:p14="http://schemas.microsoft.com/office/powerpoint/2010/main">
+    <mc:Choice Requires="p14">
+      <p:transition spd="med" p14:dur="700">
+        <p:fade/>
+      </p:transition>
+    </mc:Choice>
+    <mc:Fallback xmlns="">
+      <p:transition spd="med">
+        <p:fade/>
+      </p:transition>
+    </mc:Fallback>
+  </mc:AlternateContent>
+</p:sld>
+</file>
+
+<file path=ppt/slides/slide26.xml><?xml version="1.0" encoding="utf-8"?>
+<p:sld xmlns:a="http://schemas.openxmlformats.org/drawingml/2006/main" xmlns:r="http://schemas.openxmlformats.org/officeDocument/2006/relationships" xmlns:p="http://schemas.openxmlformats.org/presentationml/2006/main">
+  <p:cSld>
+    <p:spTree>
+      <p:nvGrpSpPr>
+        <p:cNvPr id="1" name=""/>
+        <p:cNvGrpSpPr/>
+        <p:nvPr/>
+      </p:nvGrpSpPr>
+      <p:grpSpPr>
+        <a:xfrm>
+          <a:off x="0" y="0"/>
+          <a:ext cx="0" cy="0"/>
+          <a:chOff x="0" y="0"/>
+          <a:chExt cx="0" cy="0"/>
+        </a:xfrm>
+      </p:grpSpPr>
+      <p:sp>
+        <p:nvSpPr>
+          <p:cNvPr id="3" name="Title 2"/>
+          <p:cNvSpPr>
+            <a:spLocks noGrp="1"/>
+          </p:cNvSpPr>
+          <p:nvPr>
+            <p:ph type="title"/>
+          </p:nvPr>
+        </p:nvSpPr>
+        <p:spPr/>
+        <p:txBody>
+          <a:bodyPr/>
+          <a:lstStyle/>
+          <a:p>
+            <a:pPr algn="ctr"/>
+            <a:r>
+              <a:rPr lang="en-US" dirty="0"/>
+              <a:t>actions taken</a:t>
+            </a:r>
+          </a:p>
+        </p:txBody>
+      </p:sp>
+      <p:sp>
+        <p:nvSpPr>
+          <p:cNvPr id="2" name="Content Placeholder 1"/>
+          <p:cNvSpPr>
+            <a:spLocks noGrp="1"/>
+          </p:cNvSpPr>
+          <p:nvPr>
+            <p:ph idx="1"/>
+          </p:nvPr>
+        </p:nvSpPr>
+        <p:spPr/>
+        <p:txBody>
+          <a:bodyPr/>
+          <a:lstStyle/>
+          <a:p>
+            <a:pPr marL="0" indent="0">
+              <a:buNone/>
+            </a:pPr>
+            <a:endParaRPr lang="en-US" dirty="0"/>
+          </a:p>
+          <a:p>
+            <a:pPr marL="0" marR="0">
+              <a:lnSpc>
+                <a:spcPct val="107000"/>
+              </a:lnSpc>
+              <a:spcBef>
+                <a:spcPts val="0"/>
+              </a:spcBef>
+              <a:spcAft>
+                <a:spcPts val="0"/>
+              </a:spcAft>
+            </a:pPr>
+            <a:r>
+              <a:rPr lang="en-US" sz="1800" kern="100" dirty="0">
+                <a:effectLst/>
+                <a:latin typeface="Calibri" panose="020F0502020204030204" pitchFamily="34" charset="0"/>
+                <a:ea typeface="Calibri" panose="020F0502020204030204" pitchFamily="34" charset="0"/>
+                <a:cs typeface="Times New Roman" panose="02020603050405020304" pitchFamily="18" charset="0"/>
+              </a:rPr>
+              <a:t> Appoint a global CISO and unify the all of regional security teams under one office. Conduct forensic investigation of compromised servers.</a:t>
+            </a:r>
+          </a:p>
+        </p:txBody>
+      </p:sp>
+    </p:spTree>
+    <p:extLst>
+      <p:ext uri="{BB962C8B-B14F-4D97-AF65-F5344CB8AC3E}">
+        <p14:creationId xmlns:p14="http://schemas.microsoft.com/office/powerpoint/2010/main" val="711304555"/>
+      </p:ext>
+    </p:extLst>
+  </p:cSld>
+  <p:clrMapOvr>
+    <a:masterClrMapping/>
+  </p:clrMapOvr>
+  <mc:AlternateContent xmlns:mc="http://schemas.openxmlformats.org/markup-compatibility/2006" xmlns:p14="http://schemas.microsoft.com/office/powerpoint/2010/main">
+    <mc:Choice Requires="p14">
+      <p:transition spd="med" p14:dur="700">
+        <p:fade/>
+      </p:transition>
+    </mc:Choice>
+    <mc:Fallback xmlns="">
+      <p:transition spd="med">
+        <p:fade/>
+      </p:transition>
+    </mc:Fallback>
+  </mc:AlternateContent>
+</p:sld>
+</file>
+
+<file path=ppt/slides/slide27.xml><?xml version="1.0" encoding="utf-8"?>
+<p:sld xmlns:a="http://schemas.openxmlformats.org/drawingml/2006/main" xmlns:r="http://schemas.openxmlformats.org/officeDocument/2006/relationships" xmlns:p="http://schemas.openxmlformats.org/presentationml/2006/main">
+  <p:cSld>
+    <p:spTree>
+      <p:nvGrpSpPr>
+        <p:cNvPr id="1" name=""/>
+        <p:cNvGrpSpPr/>
+        <p:nvPr/>
+      </p:nvGrpSpPr>
+      <p:grpSpPr>
+        <a:xfrm>
+          <a:off x="0" y="0"/>
+          <a:ext cx="0" cy="0"/>
+          <a:chOff x="0" y="0"/>
+          <a:chExt cx="0" cy="0"/>
+        </a:xfrm>
+      </p:grpSpPr>
+      <p:sp>
+        <p:nvSpPr>
+          <p:cNvPr id="3" name="Title 2"/>
+          <p:cNvSpPr>
+            <a:spLocks noGrp="1"/>
+          </p:cNvSpPr>
+          <p:nvPr>
+            <p:ph type="title"/>
+          </p:nvPr>
+        </p:nvSpPr>
+        <p:spPr/>
+        <p:txBody>
+          <a:bodyPr/>
+          <a:lstStyle/>
+          <a:p>
+            <a:pPr algn="ctr"/>
+            <a:r>
+              <a:rPr lang="en-US" dirty="0"/>
+              <a:t>actions left to be taken</a:t>
+            </a:r>
+          </a:p>
+        </p:txBody>
+      </p:sp>
+      <p:sp>
+        <p:nvSpPr>
+          <p:cNvPr id="2" name="Content Placeholder 1"/>
+          <p:cNvSpPr>
+            <a:spLocks noGrp="1"/>
+          </p:cNvSpPr>
+          <p:nvPr>
+            <p:ph idx="1"/>
+          </p:nvPr>
+        </p:nvSpPr>
+        <p:spPr/>
+        <p:txBody>
+          <a:bodyPr>
+            <a:normAutofit/>
+          </a:bodyPr>
+          <a:lstStyle/>
+          <a:p>
+            <a:pPr marL="0" indent="0">
+              <a:buNone/>
+            </a:pPr>
+            <a:endParaRPr lang="en-US" dirty="0"/>
+          </a:p>
+          <a:p>
+            <a:pPr marL="0" marR="0" indent="0">
+              <a:lnSpc>
+                <a:spcPct val="107000"/>
+              </a:lnSpc>
+              <a:spcBef>
+                <a:spcPts val="0"/>
+              </a:spcBef>
+              <a:spcAft>
+                <a:spcPts val="0"/>
+              </a:spcAft>
+              <a:buNone/>
+            </a:pPr>
+            <a:r>
+              <a:rPr lang="en-US" sz="1800" kern="100" dirty="0">
+                <a:effectLst/>
+                <a:latin typeface="Calibri" panose="020F0502020204030204" pitchFamily="34" charset="0"/>
+                <a:ea typeface="Calibri" panose="020F0502020204030204" pitchFamily="34" charset="0"/>
+                <a:cs typeface="Times New Roman" panose="02020603050405020304" pitchFamily="18" charset="0"/>
+              </a:rPr>
+              <a:t>Building a centralized SOC that leverages the follow-the-sun model, deploy a Zero Trust architecture model to slow lateral movement from attackers, and re-architect the seed-vault library. Rebuild or decommission affected systems.</a:t>
+            </a:r>
+          </a:p>
+        </p:txBody>
+      </p:sp>
+    </p:spTree>
+    <p:extLst>
+      <p:ext uri="{BB962C8B-B14F-4D97-AF65-F5344CB8AC3E}">
+        <p14:creationId xmlns:p14="http://schemas.microsoft.com/office/powerpoint/2010/main" val="4204976829"/>
+      </p:ext>
+    </p:extLst>
+  </p:cSld>
+  <p:clrMapOvr>
+    <a:masterClrMapping/>
+  </p:clrMapOvr>
+  <mc:AlternateContent xmlns:mc="http://schemas.openxmlformats.org/markup-compatibility/2006" xmlns:p14="http://schemas.microsoft.com/office/powerpoint/2010/main">
+    <mc:Choice Requires="p14">
+      <p:transition spd="med" p14:dur="700">
+        <p:fade/>
+      </p:transition>
+    </mc:Choice>
+    <mc:Fallback xmlns="">
+      <p:transition spd="med">
+        <p:fade/>
+      </p:transition>
+    </mc:Fallback>
+  </mc:AlternateContent>
+</p:sld>
+</file>
+
+<file path=ppt/slides/slide28.xml><?xml version="1.0" encoding="utf-8"?>
+<p:sld xmlns:a="http://schemas.openxmlformats.org/drawingml/2006/main" xmlns:r="http://schemas.openxmlformats.org/officeDocument/2006/relationships" xmlns:p="http://schemas.openxmlformats.org/presentationml/2006/main">
+  <p:cSld>
+    <p:spTree>
+      <p:nvGrpSpPr>
+        <p:cNvPr id="1" name=""/>
+        <p:cNvGrpSpPr/>
+        <p:nvPr/>
+      </p:nvGrpSpPr>
+      <p:grpSpPr>
+        <a:xfrm>
+          <a:off x="0" y="0"/>
+          <a:ext cx="0" cy="0"/>
+          <a:chOff x="0" y="0"/>
+          <a:chExt cx="0" cy="0"/>
+        </a:xfrm>
+      </p:grpSpPr>
+      <p:sp>
+        <p:nvSpPr>
+          <p:cNvPr id="3" name="Title 2"/>
+          <p:cNvSpPr>
+            <a:spLocks noGrp="1"/>
+          </p:cNvSpPr>
+          <p:nvPr>
+            <p:ph type="title"/>
+          </p:nvPr>
+        </p:nvSpPr>
+        <p:spPr/>
+        <p:txBody>
+          <a:bodyPr/>
+          <a:lstStyle/>
+          <a:p>
+            <a:pPr algn="ctr"/>
+            <a:r>
+              <a:rPr lang="en-US" dirty="0"/>
+              <a:t>impact, cost</a:t>
+            </a:r>
+          </a:p>
+        </p:txBody>
+      </p:sp>
+      <p:sp>
+        <p:nvSpPr>
+          <p:cNvPr id="2" name="Content Placeholder 1"/>
+          <p:cNvSpPr>
+            <a:spLocks noGrp="1"/>
+          </p:cNvSpPr>
+          <p:nvPr>
+            <p:ph idx="1"/>
+          </p:nvPr>
+        </p:nvSpPr>
+        <p:spPr/>
+        <p:txBody>
+          <a:bodyPr>
+            <a:normAutofit/>
+          </a:bodyPr>
+          <a:lstStyle/>
+          <a:p>
+            <a:pPr marL="0" indent="0">
+              <a:buNone/>
+            </a:pPr>
+            <a:endParaRPr lang="en-US" dirty="0"/>
+          </a:p>
+          <a:p>
+            <a:pPr marL="0" indent="0">
+              <a:buNone/>
+            </a:pPr>
+            <a:r>
+              <a:rPr lang="en-US" dirty="0"/>
+              <a:t>Initial reporting of $66mil in direct costs</a:t>
+            </a:r>
+          </a:p>
+          <a:p>
+            <a:pPr marL="0" indent="0">
+              <a:buNone/>
+            </a:pPr>
+            <a:r>
+              <a:rPr lang="en-US" dirty="0"/>
+              <a:t> Significant impact to brand</a:t>
+            </a:r>
+          </a:p>
+          <a:p>
+            <a:pPr marL="0" indent="0">
+              <a:buNone/>
+            </a:pPr>
+            <a:r>
+              <a:rPr lang="en-US" dirty="0"/>
+              <a:t> Potential significant impact to national security</a:t>
+            </a:r>
+          </a:p>
+        </p:txBody>
+      </p:sp>
+    </p:spTree>
+    <p:extLst>
+      <p:ext uri="{BB962C8B-B14F-4D97-AF65-F5344CB8AC3E}">
+        <p14:creationId xmlns:p14="http://schemas.microsoft.com/office/powerpoint/2010/main" val="1281353530"/>
+      </p:ext>
+    </p:extLst>
+  </p:cSld>
+  <p:clrMapOvr>
+    <a:masterClrMapping/>
+  </p:clrMapOvr>
+  <mc:AlternateContent xmlns:mc="http://schemas.openxmlformats.org/markup-compatibility/2006" xmlns:p14="http://schemas.microsoft.com/office/powerpoint/2010/main">
+    <mc:Choice Requires="p14">
+      <p:transition spd="med" p14:dur="700">
+        <p:fade/>
+      </p:transition>
+    </mc:Choice>
+    <mc:Fallback xmlns="">
+      <p:transition spd="med">
+        <p:fade/>
+      </p:transition>
+    </mc:Fallback>
+  </mc:AlternateContent>
+</p:sld>
+</file>
+
+<file path=ppt/slides/slide29.xml><?xml version="1.0" encoding="utf-8"?>
+<p:sld xmlns:a="http://schemas.openxmlformats.org/drawingml/2006/main" xmlns:r="http://schemas.openxmlformats.org/officeDocument/2006/relationships" xmlns:p="http://schemas.openxmlformats.org/presentationml/2006/main">
+  <p:cSld>
+    <p:spTree>
+      <p:nvGrpSpPr>
+        <p:cNvPr id="1" name=""/>
+        <p:cNvGrpSpPr/>
+        <p:nvPr/>
+      </p:nvGrpSpPr>
+      <p:grpSpPr>
+        <a:xfrm>
+          <a:off x="0" y="0"/>
+          <a:ext cx="0" cy="0"/>
+          <a:chOff x="0" y="0"/>
+          <a:chExt cx="0" cy="0"/>
+        </a:xfrm>
+      </p:grpSpPr>
+      <p:sp>
+        <p:nvSpPr>
+          <p:cNvPr id="3" name="Title 2"/>
+          <p:cNvSpPr>
+            <a:spLocks noGrp="1"/>
+          </p:cNvSpPr>
+          <p:nvPr>
+            <p:ph type="title"/>
+          </p:nvPr>
+        </p:nvSpPr>
+        <p:spPr/>
+        <p:txBody>
+          <a:bodyPr>
+            <a:normAutofit/>
+          </a:bodyPr>
+          <a:lstStyle/>
+          <a:p>
+            <a:pPr algn="ctr"/>
+            <a:r>
+              <a:rPr lang="en-US" dirty="0"/>
+              <a:t>what would have happened if the gaps and corrective actions you identified in the mid-term were in place?</a:t>
+            </a:r>
+          </a:p>
+        </p:txBody>
+      </p:sp>
+      <p:sp>
+        <p:nvSpPr>
+          <p:cNvPr id="2" name="Content Placeholder 1"/>
+          <p:cNvSpPr>
+            <a:spLocks noGrp="1"/>
+          </p:cNvSpPr>
+          <p:nvPr>
+            <p:ph idx="1"/>
+          </p:nvPr>
+        </p:nvSpPr>
+        <p:spPr/>
+        <p:txBody>
+          <a:bodyPr>
+            <a:normAutofit lnSpcReduction="10000"/>
+          </a:bodyPr>
+          <a:lstStyle/>
+          <a:p>
+            <a:pPr marL="0" indent="0">
+              <a:buNone/>
+            </a:pPr>
+            <a:endParaRPr lang="en-US" dirty="0"/>
+          </a:p>
+          <a:p>
+            <a:pPr marL="0" indent="0">
+              <a:buNone/>
+            </a:pPr>
+            <a:r>
+              <a:rPr lang="en-US" dirty="0" err="1"/>
+              <a:t>Centraized</a:t>
+            </a:r>
+            <a:r>
+              <a:rPr lang="en-US" dirty="0"/>
+              <a:t> patch management was have ensured that system applications were updated</a:t>
+            </a:r>
+          </a:p>
+          <a:p>
+            <a:pPr marL="0" indent="0">
+              <a:buNone/>
+            </a:pPr>
+            <a:r>
+              <a:rPr lang="en-US" dirty="0"/>
+              <a:t> EDR would have identified exploit on systems</a:t>
+            </a:r>
+          </a:p>
+          <a:p>
+            <a:pPr marL="0" indent="0">
+              <a:buNone/>
+            </a:pPr>
+            <a:r>
+              <a:rPr lang="en-US" dirty="0"/>
+              <a:t> </a:t>
+            </a:r>
+            <a:r>
+              <a:rPr lang="en-US" dirty="0" err="1"/>
+              <a:t>Centralzied</a:t>
+            </a:r>
+            <a:r>
+              <a:rPr lang="en-US" dirty="0"/>
+              <a:t> SOC could have worked the incident in a follow-the-sun model and worked on the incident 24x7 instead of some IR team located solely in the US and disconnected from APAC teams</a:t>
+            </a:r>
+          </a:p>
+          <a:p>
+            <a:pPr marL="0" indent="0">
+              <a:buNone/>
+            </a:pPr>
+            <a:r>
+              <a:rPr lang="en-US" dirty="0"/>
+              <a:t> Zero Trust architecture would </a:t>
+            </a:r>
+            <a:r>
+              <a:rPr lang="en-US" dirty="0" err="1"/>
+              <a:t>hae</a:t>
+            </a:r>
+            <a:r>
+              <a:rPr lang="en-US" dirty="0"/>
+              <a:t> limited the potential for lateral movement</a:t>
+            </a:r>
+          </a:p>
+        </p:txBody>
+      </p:sp>
+    </p:spTree>
+    <p:extLst>
+      <p:ext uri="{BB962C8B-B14F-4D97-AF65-F5344CB8AC3E}">
+        <p14:creationId xmlns:p14="http://schemas.microsoft.com/office/powerpoint/2010/main" val="527166732"/>
+      </p:ext>
+    </p:extLst>
+  </p:cSld>
+  <p:clrMapOvr>
+    <a:masterClrMapping/>
+  </p:clrMapOvr>
+  <mc:AlternateContent xmlns:mc="http://schemas.openxmlformats.org/markup-compatibility/2006" xmlns:p14="http://schemas.microsoft.com/office/powerpoint/2010/main">
+    <mc:Choice Requires="p14">
+      <p:transition spd="med" p14:dur="700">
+        <p:fade/>
+      </p:transition>
+    </mc:Choice>
+    <mc:Fallback xmlns="">
+      <p:transition spd="med">
+        <p:fade/>
+      </p:transition>
+    </mc:Fallback>
+  </mc:AlternateContent>
+</p:sld>
+</file>
+
+<file path=ppt/slides/slide3.xml><?xml version="1.0" encoding="utf-8"?>
+<p:sld xmlns:a="http://schemas.openxmlformats.org/drawingml/2006/main" xmlns:r="http://schemas.openxmlformats.org/officeDocument/2006/relationships" xmlns:p="http://schemas.openxmlformats.org/presentationml/2006/main">
+  <p:cSld>
+    <p:spTree>
+      <p:nvGrpSpPr>
+        <p:cNvPr id="1" name=""/>
+        <p:cNvGrpSpPr/>
+        <p:nvPr/>
+      </p:nvGrpSpPr>
+      <p:grpSpPr>
+        <a:xfrm>
+          <a:off x="0" y="0"/>
+          <a:ext cx="0" cy="0"/>
+          <a:chOff x="0" y="0"/>
+          <a:chExt cx="0" cy="0"/>
+        </a:xfrm>
+      </p:grpSpPr>
+      <p:sp>
+        <p:nvSpPr>
+          <p:cNvPr id="3" name="Title 2"/>
+          <p:cNvSpPr>
+            <a:spLocks noGrp="1"/>
+          </p:cNvSpPr>
+          <p:nvPr>
+            <p:ph type="title"/>
+          </p:nvPr>
+        </p:nvSpPr>
+        <p:spPr/>
+        <p:txBody>
+          <a:bodyPr/>
+          <a:lstStyle/>
+          <a:p>
+            <a:pPr algn="ctr"/>
+            <a:r>
+              <a:rPr lang="en-US" dirty="0"/>
+              <a:t>What Happened</a:t>
+            </a:r>
+          </a:p>
+        </p:txBody>
+      </p:sp>
+      <p:sp>
+        <p:nvSpPr>
+          <p:cNvPr id="2" name="Content Placeholder 1"/>
+          <p:cNvSpPr>
+            <a:spLocks noGrp="1"/>
+          </p:cNvSpPr>
+          <p:nvPr>
+            <p:ph idx="1"/>
+          </p:nvPr>
+        </p:nvSpPr>
+        <p:spPr/>
+        <p:txBody>
+          <a:bodyPr>
+            <a:normAutofit/>
+          </a:bodyPr>
+          <a:lstStyle/>
+          <a:p>
+            <a:pPr marL="0" indent="0">
+              <a:buNone/>
+            </a:pPr>
+            <a:r>
+              <a:rPr lang="en-US" dirty="0"/>
+              <a:t>Global map here showing initial attach in AU and red arrow to Mass. For attack. Note RSA Sec Conf in San Francisco that was under DDOS as well</a:t>
+            </a:r>
+          </a:p>
+          <a:p>
+            <a:pPr marL="0" indent="0">
+              <a:buNone/>
+            </a:pPr>
+            <a:endParaRPr lang="en-US" dirty="0"/>
+          </a:p>
+          <a:p>
+            <a:pPr>
+              <a:spcBef>
+                <a:spcPts val="0"/>
+              </a:spcBef>
+            </a:pPr>
+            <a:r>
+              <a:rPr lang="en-US" dirty="0"/>
+              <a:t>Ongoing DDOS on RSA Conference</a:t>
+            </a:r>
+          </a:p>
+          <a:p>
+            <a:pPr>
+              <a:spcBef>
+                <a:spcPts val="0"/>
+              </a:spcBef>
+            </a:pPr>
+            <a:r>
+              <a:rPr lang="en-US" dirty="0"/>
+              <a:t>March 1, 2011 attackers leveraged a phishing attack out of AU office</a:t>
+            </a:r>
+          </a:p>
+          <a:p>
+            <a:pPr>
+              <a:spcBef>
+                <a:spcPts val="0"/>
+              </a:spcBef>
+            </a:pPr>
+            <a:r>
+              <a:rPr lang="en-US" dirty="0"/>
+              <a:t>~March 8 staging server</a:t>
+            </a:r>
+          </a:p>
+          <a:p>
+            <a:pPr>
+              <a:spcBef>
+                <a:spcPts val="0"/>
+              </a:spcBef>
+            </a:pPr>
+            <a:r>
+              <a:rPr lang="en-US" dirty="0"/>
+              <a:t>March 13 data egress of seed vault</a:t>
+            </a:r>
+          </a:p>
+          <a:p>
+            <a:pPr marL="0" indent="0">
+              <a:spcBef>
+                <a:spcPts val="0"/>
+              </a:spcBef>
+              <a:buNone/>
+            </a:pPr>
+            <a:endParaRPr lang="en-US" dirty="0"/>
+          </a:p>
+          <a:p>
+            <a:pPr marL="0" indent="0">
+              <a:spcBef>
+                <a:spcPts val="0"/>
+              </a:spcBef>
+              <a:buNone/>
+            </a:pPr>
+            <a:r>
+              <a:rPr lang="en-US" dirty="0"/>
+              <a:t> </a:t>
+            </a:r>
+          </a:p>
+        </p:txBody>
+      </p:sp>
+    </p:spTree>
+    <p:extLst>
+      <p:ext uri="{BB962C8B-B14F-4D97-AF65-F5344CB8AC3E}">
+        <p14:creationId xmlns:p14="http://schemas.microsoft.com/office/powerpoint/2010/main" val="3408066032"/>
+      </p:ext>
+    </p:extLst>
+  </p:cSld>
+  <p:clrMapOvr>
+    <a:masterClrMapping/>
+  </p:clrMapOvr>
+  <mc:AlternateContent xmlns:mc="http://schemas.openxmlformats.org/markup-compatibility/2006" xmlns:p14="http://schemas.microsoft.com/office/powerpoint/2010/main">
+    <mc:Choice Requires="p14">
+      <p:transition spd="med" p14:dur="700">
+        <p:fade/>
+      </p:transition>
+    </mc:Choice>
+    <mc:Fallback xmlns="">
+      <p:transition spd="med">
+        <p:fade/>
+      </p:transition>
+    </mc:Fallback>
+  </mc:AlternateContent>
+</p:sld>
+</file>
+
+<file path=ppt/slides/slide30.xml><?xml version="1.0" encoding="utf-8"?>
+<p:sld xmlns:a="http://schemas.openxmlformats.org/drawingml/2006/main" xmlns:r="http://schemas.openxmlformats.org/officeDocument/2006/relationships" xmlns:p="http://schemas.openxmlformats.org/presentationml/2006/main">
+  <p:cSld>
+    <p:spTree>
+      <p:nvGrpSpPr>
+        <p:cNvPr id="1" name=""/>
+        <p:cNvGrpSpPr/>
+        <p:nvPr/>
+      </p:nvGrpSpPr>
+      <p:grpSpPr>
+        <a:xfrm>
+          <a:off x="0" y="0"/>
+          <a:ext cx="0" cy="0"/>
+          <a:chOff x="0" y="0"/>
+          <a:chExt cx="0" cy="0"/>
+        </a:xfrm>
+      </p:grpSpPr>
+      <p:sp>
+        <p:nvSpPr>
+          <p:cNvPr id="3" name="Title 2"/>
+          <p:cNvSpPr>
+            <a:spLocks noGrp="1"/>
+          </p:cNvSpPr>
+          <p:nvPr>
+            <p:ph type="title"/>
+          </p:nvPr>
+        </p:nvSpPr>
+        <p:spPr/>
+        <p:txBody>
+          <a:bodyPr/>
+          <a:lstStyle/>
+          <a:p>
+            <a:pPr algn="ctr"/>
+            <a:r>
+              <a:rPr lang="en-US" dirty="0"/>
+              <a:t>anything else</a:t>
+            </a:r>
+          </a:p>
+        </p:txBody>
+      </p:sp>
+      <p:sp>
+        <p:nvSpPr>
+          <p:cNvPr id="2" name="Content Placeholder 1"/>
+          <p:cNvSpPr>
+            <a:spLocks noGrp="1"/>
+          </p:cNvSpPr>
+          <p:nvPr>
+            <p:ph idx="1"/>
+          </p:nvPr>
+        </p:nvSpPr>
+        <p:spPr/>
+        <p:txBody>
+          <a:bodyPr>
+            <a:normAutofit/>
+          </a:bodyPr>
+          <a:lstStyle/>
+          <a:p>
+            <a:pPr marL="0" indent="0">
+              <a:buNone/>
+            </a:pPr>
+            <a:endParaRPr lang="en-US" dirty="0"/>
+          </a:p>
+          <a:p>
+            <a:pPr marL="0" indent="0">
+              <a:buNone/>
+            </a:pPr>
+            <a:r>
+              <a:rPr lang="en-US" dirty="0"/>
+              <a:t>In 2012 NSA director General Keith Alexander briefed Senate Armed Services Committee and implied that the attacks were conducted by Chinese government (People’s Liberation Army Unit 61398, based on the outskirts of Shanghai), also identified by Mandiant as APT1. This attack was characterized as a two pronged attack, with the second coming against Lockheed Martin months later, leveraging the SecurID compromise, that resulted in the theft of classified government documents.</a:t>
+            </a:r>
+          </a:p>
+        </p:txBody>
+      </p:sp>
+    </p:spTree>
+    <p:extLst>
+      <p:ext uri="{BB962C8B-B14F-4D97-AF65-F5344CB8AC3E}">
+        <p14:creationId xmlns:p14="http://schemas.microsoft.com/office/powerpoint/2010/main" val="1561749066"/>
+      </p:ext>
+    </p:extLst>
+  </p:cSld>
+  <p:clrMapOvr>
+    <a:masterClrMapping/>
+  </p:clrMapOvr>
+  <mc:AlternateContent xmlns:mc="http://schemas.openxmlformats.org/markup-compatibility/2006" xmlns:p14="http://schemas.microsoft.com/office/powerpoint/2010/main">
+    <mc:Choice Requires="p14">
+      <p:transition spd="med" p14:dur="700">
+        <p:fade/>
+      </p:transition>
+    </mc:Choice>
+    <mc:Fallback xmlns="">
+      <p:transition spd="med">
+        <p:fade/>
+      </p:transition>
+    </mc:Fallback>
+  </mc:AlternateContent>
+</p:sld>
+</file>
+
+<file path=ppt/slides/slide31.xml><?xml version="1.0" encoding="utf-8"?>
+<p:sld xmlns:a="http://schemas.openxmlformats.org/drawingml/2006/main" xmlns:r="http://schemas.openxmlformats.org/officeDocument/2006/relationships" xmlns:p="http://schemas.openxmlformats.org/presentationml/2006/main">
+  <p:cSld>
+    <p:spTree>
+      <p:nvGrpSpPr>
+        <p:cNvPr id="1" name=""/>
+        <p:cNvGrpSpPr/>
+        <p:nvPr/>
+      </p:nvGrpSpPr>
+      <p:grpSpPr>
+        <a:xfrm>
+          <a:off x="0" y="0"/>
+          <a:ext cx="0" cy="0"/>
+          <a:chOff x="0" y="0"/>
+          <a:chExt cx="0" cy="0"/>
+        </a:xfrm>
+      </p:grpSpPr>
+      <p:sp>
+        <p:nvSpPr>
+          <p:cNvPr id="3" name="Title 2"/>
+          <p:cNvSpPr>
+            <a:spLocks noGrp="1"/>
+          </p:cNvSpPr>
+          <p:nvPr>
+            <p:ph type="title"/>
+          </p:nvPr>
+        </p:nvSpPr>
+        <p:spPr/>
+        <p:txBody>
+          <a:bodyPr/>
+          <a:lstStyle/>
+          <a:p>
+            <a:pPr algn="ctr"/>
+            <a:r>
+              <a:rPr lang="en-US" dirty="0"/>
+              <a:t>Q&amp;A (2-4 minutes)</a:t>
+            </a:r>
+            <a:br>
+              <a:rPr lang="en-US" dirty="0"/>
+            </a:br>
+            <a:endParaRPr lang="en-US" dirty="0"/>
+          </a:p>
+        </p:txBody>
+      </p:sp>
+      <p:sp>
+        <p:nvSpPr>
+          <p:cNvPr id="2" name="Content Placeholder 1"/>
+          <p:cNvSpPr>
+            <a:spLocks noGrp="1"/>
+          </p:cNvSpPr>
+          <p:nvPr>
+            <p:ph idx="1"/>
+          </p:nvPr>
+        </p:nvSpPr>
+        <p:spPr/>
+        <p:txBody>
+          <a:bodyPr>
+            <a:normAutofit/>
+          </a:bodyPr>
+          <a:lstStyle/>
+          <a:p>
+            <a:pPr marL="0" indent="0">
+              <a:buNone/>
+            </a:pPr>
+            <a:endParaRPr lang="en-US" dirty="0"/>
+          </a:p>
+          <a:p>
+            <a:pPr marL="0" indent="0">
+              <a:buNone/>
+            </a:pPr>
+            <a:r>
+              <a:rPr lang="en-US" dirty="0"/>
+              <a:t>I will now open the floor to questions and comments….</a:t>
+            </a:r>
+          </a:p>
+          <a:p>
+            <a:endParaRPr lang="en-US" dirty="0"/>
+          </a:p>
+        </p:txBody>
+      </p:sp>
+    </p:spTree>
+    <p:extLst>
+      <p:ext uri="{BB962C8B-B14F-4D97-AF65-F5344CB8AC3E}">
+        <p14:creationId xmlns:p14="http://schemas.microsoft.com/office/powerpoint/2010/main" val="4042471801"/>
+      </p:ext>
+    </p:extLst>
+  </p:cSld>
+  <p:clrMapOvr>
+    <a:masterClrMapping/>
+  </p:clrMapOvr>
+  <mc:AlternateContent xmlns:mc="http://schemas.openxmlformats.org/markup-compatibility/2006" xmlns:p14="http://schemas.microsoft.com/office/powerpoint/2010/main">
+    <mc:Choice Requires="p14">
+      <p:transition spd="med" p14:dur="700">
+        <p:fade/>
+      </p:transition>
+    </mc:Choice>
+    <mc:Fallback xmlns="">
+      <p:transition spd="med">
+        <p:fade/>
+      </p:transition>
+    </mc:Fallback>
+  </mc:AlternateContent>
+</p:sld>
+</file>
+
+<file path=ppt/slides/slide32.xml><?xml version="1.0" encoding="utf-8"?>
+<p:sld xmlns:a="http://schemas.openxmlformats.org/drawingml/2006/main" xmlns:r="http://schemas.openxmlformats.org/officeDocument/2006/relationships" xmlns:p="http://schemas.openxmlformats.org/presentationml/2006/main">
+  <p:cSld>
+    <p:spTree>
+      <p:nvGrpSpPr>
+        <p:cNvPr id="1" name=""/>
+        <p:cNvGrpSpPr/>
+        <p:nvPr/>
+      </p:nvGrpSpPr>
+      <p:grpSpPr>
+        <a:xfrm>
+          <a:off x="0" y="0"/>
+          <a:ext cx="0" cy="0"/>
+          <a:chOff x="0" y="0"/>
+          <a:chExt cx="0" cy="0"/>
+        </a:xfrm>
+      </p:grpSpPr>
+      <p:sp>
+        <p:nvSpPr>
+          <p:cNvPr id="3" name="Title 2"/>
+          <p:cNvSpPr>
+            <a:spLocks noGrp="1"/>
+          </p:cNvSpPr>
+          <p:nvPr>
+            <p:ph type="title"/>
+          </p:nvPr>
+        </p:nvSpPr>
+        <p:spPr/>
+        <p:txBody>
+          <a:bodyPr/>
+          <a:lstStyle/>
+          <a:p>
+            <a:pPr algn="ctr"/>
+            <a:r>
+              <a:rPr lang="en-US" dirty="0"/>
+              <a:t>Closing Remarks</a:t>
+            </a:r>
+          </a:p>
+        </p:txBody>
+      </p:sp>
+      <p:sp>
+        <p:nvSpPr>
+          <p:cNvPr id="2" name="Content Placeholder 1"/>
+          <p:cNvSpPr>
+            <a:spLocks noGrp="1"/>
+          </p:cNvSpPr>
+          <p:nvPr>
+            <p:ph idx="1"/>
+          </p:nvPr>
+        </p:nvSpPr>
+        <p:spPr/>
+        <p:txBody>
+          <a:bodyPr>
+            <a:normAutofit/>
+          </a:bodyPr>
+          <a:lstStyle/>
+          <a:p>
+            <a:pPr marL="0" indent="0">
+              <a:buNone/>
+            </a:pPr>
+            <a:endParaRPr lang="en-US" dirty="0"/>
+          </a:p>
+          <a:p>
+            <a:pPr marL="0" indent="0">
+              <a:buNone/>
+            </a:pPr>
+            <a:r>
+              <a:rPr lang="en-US" dirty="0"/>
+              <a:t>Thank you for your time, and we look forward to addressing any inquiries you may have.</a:t>
+            </a:r>
+          </a:p>
+          <a:p>
+            <a:endParaRPr lang="en-US" dirty="0"/>
+          </a:p>
+        </p:txBody>
+      </p:sp>
+    </p:spTree>
+    <p:extLst>
+      <p:ext uri="{BB962C8B-B14F-4D97-AF65-F5344CB8AC3E}">
+        <p14:creationId xmlns:p14="http://schemas.microsoft.com/office/powerpoint/2010/main" val="2958617291"/>
+      </p:ext>
+    </p:extLst>
+  </p:cSld>
+  <p:clrMapOvr>
+    <a:masterClrMapping/>
+  </p:clrMapOvr>
+  <mc:AlternateContent xmlns:mc="http://schemas.openxmlformats.org/markup-compatibility/2006" xmlns:p14="http://schemas.microsoft.com/office/powerpoint/2010/main">
+    <mc:Choice Requires="p14">
+      <p:transition spd="med" p14:dur="700">
+        <p:fade/>
+      </p:transition>
+    </mc:Choice>
+    <mc:Fallback xmlns="">
+      <p:transition spd="med">
+        <p:fade/>
+      </p:transition>
+    </mc:Fallback>
+  </mc:AlternateContent>
+</p:sld>
+</file>
+
+<file path=ppt/slides/slide4.xml><?xml version="1.0" encoding="utf-8"?>
+<p:sld xmlns:a="http://schemas.openxmlformats.org/drawingml/2006/main" xmlns:r="http://schemas.openxmlformats.org/officeDocument/2006/relationships" xmlns:p="http://schemas.openxmlformats.org/presentationml/2006/main">
+  <p:cSld>
+    <p:spTree>
+      <p:nvGrpSpPr>
+        <p:cNvPr id="1" name=""/>
+        <p:cNvGrpSpPr/>
+        <p:nvPr/>
+      </p:nvGrpSpPr>
+      <p:grpSpPr>
+        <a:xfrm>
+          <a:off x="0" y="0"/>
+          <a:ext cx="0" cy="0"/>
+          <a:chOff x="0" y="0"/>
+          <a:chExt cx="0" cy="0"/>
+        </a:xfrm>
+      </p:grpSpPr>
+      <p:sp>
+        <p:nvSpPr>
+          <p:cNvPr id="3" name="Title 2"/>
+          <p:cNvSpPr>
+            <a:spLocks noGrp="1"/>
+          </p:cNvSpPr>
+          <p:nvPr>
+            <p:ph type="title"/>
+          </p:nvPr>
+        </p:nvSpPr>
+        <p:spPr/>
+        <p:txBody>
+          <a:bodyPr/>
+          <a:lstStyle/>
+          <a:p>
+            <a:pPr algn="ctr"/>
+            <a:r>
+              <a:rPr lang="en-US" dirty="0"/>
+              <a:t>What Went Wrong</a:t>
+            </a:r>
+          </a:p>
+        </p:txBody>
+      </p:sp>
+      <p:sp>
+        <p:nvSpPr>
+          <p:cNvPr id="2" name="Content Placeholder 1"/>
+          <p:cNvSpPr>
+            <a:spLocks noGrp="1"/>
+          </p:cNvSpPr>
+          <p:nvPr>
+            <p:ph idx="1"/>
+          </p:nvPr>
+        </p:nvSpPr>
+        <p:spPr/>
+        <p:txBody>
+          <a:bodyPr>
+            <a:normAutofit/>
+          </a:bodyPr>
+          <a:lstStyle/>
+          <a:p>
+            <a:pPr marL="0" indent="0">
+              <a:spcBef>
+                <a:spcPts val="0"/>
+              </a:spcBef>
+              <a:buNone/>
+            </a:pPr>
+            <a:endParaRPr lang="en-US" dirty="0"/>
+          </a:p>
+          <a:p>
+            <a:pPr marL="0" indent="0">
+              <a:spcBef>
+                <a:spcPts val="0"/>
+              </a:spcBef>
+              <a:buNone/>
+            </a:pPr>
+            <a:endParaRPr lang="en-US" dirty="0"/>
+          </a:p>
+          <a:p>
+            <a:pPr>
+              <a:spcBef>
+                <a:spcPts val="0"/>
+              </a:spcBef>
+            </a:pPr>
+            <a:r>
+              <a:rPr lang="en-US" dirty="0"/>
+              <a:t>Phishing email attachment not filtered at email gateway</a:t>
+            </a:r>
+          </a:p>
+          <a:p>
+            <a:pPr>
+              <a:spcBef>
+                <a:spcPts val="0"/>
+              </a:spcBef>
+            </a:pPr>
+            <a:r>
+              <a:rPr lang="en-US" dirty="0"/>
+              <a:t>Malicious Excel macros allowed to run</a:t>
+            </a:r>
+          </a:p>
+          <a:p>
+            <a:pPr>
+              <a:spcBef>
+                <a:spcPts val="0"/>
+              </a:spcBef>
+            </a:pPr>
+            <a:r>
+              <a:rPr lang="en-US" dirty="0"/>
+              <a:t>Unpatched Flash version exploited</a:t>
+            </a:r>
+          </a:p>
+          <a:p>
+            <a:pPr>
+              <a:spcBef>
+                <a:spcPts val="0"/>
+              </a:spcBef>
+            </a:pPr>
+            <a:r>
+              <a:rPr lang="en-US" dirty="0"/>
+              <a:t>Passwords cracked</a:t>
+            </a:r>
+          </a:p>
+          <a:p>
+            <a:pPr>
+              <a:spcBef>
+                <a:spcPts val="0"/>
+              </a:spcBef>
+            </a:pPr>
+            <a:r>
+              <a:rPr lang="en-US" dirty="0"/>
+              <a:t>Unrestricted lateral movement </a:t>
+            </a:r>
+          </a:p>
+          <a:p>
+            <a:pPr>
+              <a:spcBef>
+                <a:spcPts val="0"/>
+              </a:spcBef>
+            </a:pPr>
+            <a:r>
+              <a:rPr lang="en-US" dirty="0"/>
+              <a:t>No user entity based detection capabilities</a:t>
+            </a:r>
+          </a:p>
+          <a:p>
+            <a:pPr>
+              <a:spcBef>
+                <a:spcPts val="0"/>
+              </a:spcBef>
+            </a:pPr>
+            <a:r>
+              <a:rPr lang="en-US" dirty="0"/>
+              <a:t>No endpoint detection and response capabilities</a:t>
+            </a:r>
+          </a:p>
+          <a:p>
+            <a:pPr marL="0" indent="0">
+              <a:spcBef>
+                <a:spcPts val="0"/>
+              </a:spcBef>
+              <a:buNone/>
+            </a:pPr>
+            <a:endParaRPr lang="en-US" dirty="0"/>
+          </a:p>
+        </p:txBody>
+      </p:sp>
+    </p:spTree>
+    <p:extLst>
+      <p:ext uri="{BB962C8B-B14F-4D97-AF65-F5344CB8AC3E}">
+        <p14:creationId xmlns:p14="http://schemas.microsoft.com/office/powerpoint/2010/main" val="1145328610"/>
+      </p:ext>
+    </p:extLst>
+  </p:cSld>
+  <p:clrMapOvr>
+    <a:masterClrMapping/>
+  </p:clrMapOvr>
+  <mc:AlternateContent xmlns:mc="http://schemas.openxmlformats.org/markup-compatibility/2006" xmlns:p14="http://schemas.microsoft.com/office/powerpoint/2010/main">
+    <mc:Choice Requires="p14">
+      <p:transition spd="med" p14:dur="700">
+        <p:fade/>
+      </p:transition>
+    </mc:Choice>
+    <mc:Fallback xmlns="">
+      <p:transition spd="med">
+        <p:fade/>
+      </p:transition>
+    </mc:Fallback>
+  </mc:AlternateContent>
+</p:sld>
+</file>
+
+<file path=ppt/slides/slide5.xml><?xml version="1.0" encoding="utf-8"?>
+<p:sld xmlns:a="http://schemas.openxmlformats.org/drawingml/2006/main" xmlns:r="http://schemas.openxmlformats.org/officeDocument/2006/relationships" xmlns:p="http://schemas.openxmlformats.org/presentationml/2006/main">
+  <p:cSld>
+    <p:spTree>
+      <p:nvGrpSpPr>
+        <p:cNvPr id="1" name=""/>
+        <p:cNvGrpSpPr/>
+        <p:nvPr/>
+      </p:nvGrpSpPr>
+      <p:grpSpPr>
+        <a:xfrm>
+          <a:off x="0" y="0"/>
+          <a:ext cx="0" cy="0"/>
+          <a:chOff x="0" y="0"/>
+          <a:chExt cx="0" cy="0"/>
+        </a:xfrm>
+      </p:grpSpPr>
+      <p:sp>
+        <p:nvSpPr>
+          <p:cNvPr id="3" name="Title 2"/>
+          <p:cNvSpPr>
+            <a:spLocks noGrp="1"/>
+          </p:cNvSpPr>
+          <p:nvPr>
+            <p:ph type="title"/>
+          </p:nvPr>
+        </p:nvSpPr>
+        <p:spPr/>
+        <p:txBody>
+          <a:bodyPr/>
+          <a:lstStyle/>
+          <a:p>
+            <a:pPr algn="ctr"/>
+            <a:r>
+              <a:rPr lang="en-US" dirty="0"/>
+              <a:t>How we identified the attack</a:t>
+            </a:r>
+            <a:br>
+              <a:rPr lang="en-US" dirty="0"/>
+            </a:br>
+            <a:endParaRPr lang="en-US" dirty="0"/>
+          </a:p>
+        </p:txBody>
+      </p:sp>
+      <p:sp>
+        <p:nvSpPr>
+          <p:cNvPr id="2" name="Content Placeholder 1"/>
+          <p:cNvSpPr>
+            <a:spLocks noGrp="1"/>
+          </p:cNvSpPr>
+          <p:nvPr>
+            <p:ph idx="1"/>
+          </p:nvPr>
+        </p:nvSpPr>
+        <p:spPr/>
+        <p:txBody>
+          <a:bodyPr/>
+          <a:lstStyle/>
+          <a:p>
+            <a:pPr marL="0" indent="0">
+              <a:spcBef>
+                <a:spcPts val="0"/>
+              </a:spcBef>
+              <a:buNone/>
+            </a:pPr>
+            <a:endParaRPr lang="en-US" dirty="0"/>
+          </a:p>
+          <a:p>
+            <a:pPr>
+              <a:spcBef>
+                <a:spcPts val="0"/>
+              </a:spcBef>
+            </a:pPr>
+            <a:r>
+              <a:rPr lang="en-US" dirty="0"/>
+              <a:t>Operational blue teams heavily tasks with DDOS mitigations during RSA conference</a:t>
+            </a:r>
+          </a:p>
+          <a:p>
+            <a:pPr>
+              <a:spcBef>
+                <a:spcPts val="0"/>
+              </a:spcBef>
+            </a:pPr>
+            <a:r>
+              <a:rPr lang="en-US" dirty="0"/>
+              <a:t>Alert Sysadmin report unexpected user activity around Key Vault area</a:t>
+            </a:r>
+          </a:p>
+          <a:p>
+            <a:pPr>
+              <a:spcBef>
+                <a:spcPts val="0"/>
+              </a:spcBef>
+            </a:pPr>
+            <a:r>
+              <a:rPr lang="en-US" dirty="0"/>
+              <a:t>Retrospective analysis discovered initial phishing email and additional password compromises</a:t>
+            </a:r>
+          </a:p>
+          <a:p>
+            <a:pPr>
+              <a:spcBef>
+                <a:spcPts val="0"/>
+              </a:spcBef>
+            </a:pPr>
+            <a:endParaRPr lang="en-US" dirty="0"/>
+          </a:p>
+        </p:txBody>
+      </p:sp>
+    </p:spTree>
+    <p:extLst>
+      <p:ext uri="{BB962C8B-B14F-4D97-AF65-F5344CB8AC3E}">
+        <p14:creationId xmlns:p14="http://schemas.microsoft.com/office/powerpoint/2010/main" val="2711837947"/>
+      </p:ext>
+    </p:extLst>
+  </p:cSld>
+  <p:clrMapOvr>
+    <a:masterClrMapping/>
+  </p:clrMapOvr>
+  <mc:AlternateContent xmlns:mc="http://schemas.openxmlformats.org/markup-compatibility/2006" xmlns:p14="http://schemas.microsoft.com/office/powerpoint/2010/main">
+    <mc:Choice Requires="p14">
+      <p:transition spd="med" p14:dur="700">
+        <p:fade/>
+      </p:transition>
+    </mc:Choice>
+    <mc:Fallback xmlns="">
+      <p:transition spd="med">
+        <p:fade/>
+      </p:transition>
+    </mc:Fallback>
+  </mc:AlternateContent>
+</p:sld>
+</file>
+
+<file path=ppt/slides/slide6.xml><?xml version="1.0" encoding="utf-8"?>
+<p:sld xmlns:a="http://schemas.openxmlformats.org/drawingml/2006/main" xmlns:r="http://schemas.openxmlformats.org/officeDocument/2006/relationships" xmlns:p="http://schemas.openxmlformats.org/presentationml/2006/main">
+  <p:cSld>
+    <p:spTree>
+      <p:nvGrpSpPr>
+        <p:cNvPr id="1" name=""/>
+        <p:cNvGrpSpPr/>
+        <p:nvPr/>
+      </p:nvGrpSpPr>
+      <p:grpSpPr>
+        <a:xfrm>
+          <a:off x="0" y="0"/>
+          <a:ext cx="0" cy="0"/>
+          <a:chOff x="0" y="0"/>
+          <a:chExt cx="0" cy="0"/>
+        </a:xfrm>
+      </p:grpSpPr>
+      <p:sp>
+        <p:nvSpPr>
+          <p:cNvPr id="3" name="Title 2"/>
+          <p:cNvSpPr>
+            <a:spLocks noGrp="1"/>
+          </p:cNvSpPr>
+          <p:nvPr>
+            <p:ph type="title"/>
+          </p:nvPr>
+        </p:nvSpPr>
+        <p:spPr/>
+        <p:txBody>
+          <a:bodyPr/>
+          <a:lstStyle/>
+          <a:p>
+            <a:pPr algn="ctr"/>
+            <a:r>
+              <a:rPr lang="en-US" dirty="0"/>
+              <a:t>Kill Chain</a:t>
+            </a:r>
+          </a:p>
+        </p:txBody>
+      </p:sp>
+      <p:sp>
+        <p:nvSpPr>
+          <p:cNvPr id="2" name="Content Placeholder 1"/>
+          <p:cNvSpPr>
+            <a:spLocks noGrp="1"/>
+          </p:cNvSpPr>
+          <p:nvPr>
+            <p:ph idx="1"/>
+          </p:nvPr>
+        </p:nvSpPr>
+        <p:spPr>
+          <a:xfrm>
+            <a:off x="1370012" y="1752600"/>
+            <a:ext cx="9753600" cy="4114800"/>
+          </a:xfrm>
+        </p:spPr>
+        <p:txBody>
+          <a:bodyPr>
+            <a:normAutofit fontScale="92500" lnSpcReduction="20000"/>
+          </a:bodyPr>
+          <a:lstStyle/>
+          <a:p>
+            <a:r>
+              <a:rPr lang="en-US" b="1" dirty="0"/>
+              <a:t>Reconnaissance</a:t>
+            </a:r>
+            <a:r>
+              <a:rPr lang="en-US" dirty="0"/>
+              <a:t> - RSA email addresses were harvested</a:t>
+            </a:r>
+          </a:p>
+          <a:p>
+            <a:r>
+              <a:rPr lang="en-US" b="1" dirty="0"/>
+              <a:t>Weaponization</a:t>
+            </a:r>
+            <a:r>
+              <a:rPr lang="en-US" dirty="0"/>
+              <a:t> - Creation of an Excel spreadsheet with malicious macros</a:t>
+            </a:r>
+          </a:p>
+          <a:p>
+            <a:r>
+              <a:rPr lang="en-US" b="1" dirty="0"/>
+              <a:t>Delivery</a:t>
+            </a:r>
+            <a:r>
+              <a:rPr lang="en-US" dirty="0"/>
+              <a:t> - Employees were send the Excel document (from fake beyond.com website) </a:t>
+            </a:r>
+          </a:p>
+          <a:p>
+            <a:r>
+              <a:rPr lang="en-US" b="1" dirty="0"/>
+              <a:t>Exploitation</a:t>
+            </a:r>
+            <a:r>
+              <a:rPr lang="en-US" dirty="0"/>
+              <a:t> -  When the spreadsheet opened, Excel triggered an older Flash exploit to activate </a:t>
+            </a:r>
+          </a:p>
+          <a:p>
+            <a:r>
+              <a:rPr lang="en-US" b="1" dirty="0"/>
+              <a:t>Installation</a:t>
+            </a:r>
+            <a:r>
+              <a:rPr lang="en-US" dirty="0"/>
+              <a:t> -  Exploit used to load a backdoor, known as Poison Ivy (remote access trojan), onto the system</a:t>
+            </a:r>
+          </a:p>
+          <a:p>
+            <a:r>
+              <a:rPr lang="en-US" b="1" dirty="0"/>
+              <a:t>Command &amp; Control </a:t>
+            </a:r>
+            <a:r>
+              <a:rPr lang="en-US" dirty="0"/>
+              <a:t>- Using the remote access tool, attackers logged into hosts</a:t>
+            </a:r>
+          </a:p>
+          <a:p>
+            <a:r>
+              <a:rPr lang="en-US" b="1" dirty="0"/>
+              <a:t>Actions on Objectives </a:t>
+            </a:r>
+            <a:r>
+              <a:rPr lang="en-US" dirty="0"/>
+              <a:t>- Intrudes moved laterally, acquired additional </a:t>
+            </a:r>
+            <a:r>
+              <a:rPr lang="en-US" dirty="0" err="1"/>
+              <a:t>accoutns</a:t>
+            </a:r>
+            <a:r>
+              <a:rPr lang="en-US" dirty="0"/>
+              <a:t>, located their target (SecureID vault) and exfiltrated it.</a:t>
+            </a:r>
+          </a:p>
+          <a:p>
+            <a:endParaRPr lang="en-US" dirty="0"/>
+          </a:p>
+        </p:txBody>
+      </p:sp>
+    </p:spTree>
+    <p:extLst>
+      <p:ext uri="{BB962C8B-B14F-4D97-AF65-F5344CB8AC3E}">
+        <p14:creationId xmlns:p14="http://schemas.microsoft.com/office/powerpoint/2010/main" val="45873600"/>
+      </p:ext>
+    </p:extLst>
+  </p:cSld>
+  <p:clrMapOvr>
+    <a:masterClrMapping/>
+  </p:clrMapOvr>
+  <mc:AlternateContent xmlns:mc="http://schemas.openxmlformats.org/markup-compatibility/2006" xmlns:p14="http://schemas.microsoft.com/office/powerpoint/2010/main">
+    <mc:Choice Requires="p14">
+      <p:transition spd="med" p14:dur="700">
+        <p:fade/>
+      </p:transition>
+    </mc:Choice>
+    <mc:Fallback xmlns="">
+      <p:transition spd="med">
+        <p:fade/>
+      </p:transition>
+    </mc:Fallback>
+  </mc:AlternateContent>
+</p:sld>
+</file>
+
+<file path=ppt/slides/slide7.xml><?xml version="1.0" encoding="utf-8"?>
+<p:sld xmlns:a="http://schemas.openxmlformats.org/drawingml/2006/main" xmlns:r="http://schemas.openxmlformats.org/officeDocument/2006/relationships" xmlns:p="http://schemas.openxmlformats.org/presentationml/2006/main">
+  <p:cSld>
+    <p:spTree>
+      <p:nvGrpSpPr>
+        <p:cNvPr id="1" name=""/>
+        <p:cNvGrpSpPr/>
+        <p:nvPr/>
+      </p:nvGrpSpPr>
+      <p:grpSpPr>
+        <a:xfrm>
+          <a:off x="0" y="0"/>
+          <a:ext cx="0" cy="0"/>
+          <a:chOff x="0" y="0"/>
+          <a:chExt cx="0" cy="0"/>
+        </a:xfrm>
+      </p:grpSpPr>
+      <p:sp>
+        <p:nvSpPr>
+          <p:cNvPr id="3" name="Title 2"/>
+          <p:cNvSpPr>
+            <a:spLocks noGrp="1"/>
+          </p:cNvSpPr>
+          <p:nvPr>
+            <p:ph type="title"/>
+          </p:nvPr>
+        </p:nvSpPr>
+        <p:spPr/>
+        <p:txBody>
+          <a:bodyPr/>
+          <a:lstStyle/>
+          <a:p>
+            <a:r>
+              <a:rPr lang="en-US" dirty="0"/>
+              <a:t>What Went Wrong: Vulnerabilities and Lapses</a:t>
+            </a:r>
+          </a:p>
+        </p:txBody>
+      </p:sp>
+      <p:sp>
+        <p:nvSpPr>
+          <p:cNvPr id="2" name="Content Placeholder 1"/>
+          <p:cNvSpPr>
+            <a:spLocks noGrp="1"/>
+          </p:cNvSpPr>
+          <p:nvPr>
+            <p:ph idx="1"/>
+          </p:nvPr>
+        </p:nvSpPr>
+        <p:spPr/>
+        <p:txBody>
+          <a:bodyPr/>
+          <a:lstStyle/>
+          <a:p>
+            <a:pPr marL="0" indent="0">
+              <a:buNone/>
+            </a:pPr>
+            <a:r>
+              <a:rPr lang="en-US" dirty="0"/>
+              <a:t>The Who"</a:t>
+            </a:r>
+          </a:p>
+          <a:p>
+            <a:pPr marL="0" indent="0">
+              <a:buNone/>
+            </a:pPr>
+            <a:r>
+              <a:rPr lang="en-US" dirty="0"/>
+              <a:t>In this section, we'll delve into the key players involved in the RSA breach. RSA Security, a prominent cybersecurity company, and the Chinese state-sponsored threat actors will be discussed in detail.</a:t>
+            </a:r>
+          </a:p>
+          <a:p>
+            <a:pPr marL="0" indent="0">
+              <a:buNone/>
+            </a:pPr>
+            <a:endParaRPr lang="en-US" dirty="0"/>
+          </a:p>
+        </p:txBody>
+      </p:sp>
+      <p:sp>
+        <p:nvSpPr>
+          <p:cNvPr id="4" name="Text Placeholder 7"/>
+          <p:cNvSpPr txBox="1">
+            <a:spLocks/>
+          </p:cNvSpPr>
+          <p:nvPr/>
+        </p:nvSpPr>
+        <p:spPr>
+          <a:xfrm>
+            <a:off x="1539575" y="5715000"/>
+            <a:ext cx="9126838" cy="533400"/>
+          </a:xfrm>
+          <a:prstGeom prst="rect">
+            <a:avLst/>
+          </a:prstGeom>
+        </p:spPr>
+        <p:txBody>
+          <a:bodyPr anchor="b">
+            <a:normAutofit/>
+          </a:bodyPr>
+          <a:lstStyle>
+            <a:lvl1pPr marL="0" indent="0" algn="l" defTabSz="914400" rtl="0" eaLnBrk="1" latinLnBrk="0" hangingPunct="1">
+              <a:lnSpc>
+                <a:spcPct val="90000"/>
+              </a:lnSpc>
+              <a:spcBef>
+                <a:spcPts val="1800"/>
+              </a:spcBef>
+              <a:buClr>
+                <a:schemeClr val="tx1"/>
+              </a:buClr>
+              <a:buSzPct val="80000"/>
+              <a:buFont typeface="Wingdings" pitchFamily="2" charset="2"/>
+              <a:buNone/>
+              <a:defRPr sz="1800" kern="1200">
+                <a:solidFill>
+                  <a:schemeClr val="tx1"/>
+                </a:solidFill>
+                <a:latin typeface="+mn-lt"/>
+                <a:ea typeface="+mn-ea"/>
+                <a:cs typeface="+mn-cs"/>
+              </a:defRPr>
+            </a:lvl1pPr>
+            <a:lvl2pPr marL="320040" indent="0" algn="l" defTabSz="914400" rtl="0" eaLnBrk="1" latinLnBrk="0" hangingPunct="1">
+              <a:lnSpc>
+                <a:spcPct val="90000"/>
+              </a:lnSpc>
+              <a:spcBef>
+                <a:spcPts val="1000"/>
+              </a:spcBef>
+              <a:buClr>
+                <a:schemeClr val="tx1"/>
+              </a:buClr>
+              <a:buSzPct val="100000"/>
+              <a:buFont typeface="Arial" pitchFamily="34" charset="0"/>
+              <a:buNone/>
+              <a:defRPr sz="2000" kern="1200">
+                <a:solidFill>
+                  <a:schemeClr val="tx1"/>
+                </a:solidFill>
+                <a:latin typeface="+mn-lt"/>
+                <a:ea typeface="+mn-ea"/>
+                <a:cs typeface="+mn-cs"/>
+              </a:defRPr>
+            </a:lvl2pPr>
+            <a:lvl3pPr marL="594360" indent="0" algn="l" defTabSz="914400" rtl="0" eaLnBrk="1" latinLnBrk="0" hangingPunct="1">
+              <a:lnSpc>
+                <a:spcPct val="90000"/>
+              </a:lnSpc>
+              <a:spcBef>
+                <a:spcPts val="800"/>
+              </a:spcBef>
+              <a:buClr>
+                <a:schemeClr val="tx1"/>
+              </a:buClr>
+              <a:buSzPct val="80000"/>
+              <a:buFont typeface="Wingdings" pitchFamily="2" charset="2"/>
+              <a:buNone/>
+              <a:defRPr sz="1800" kern="1200">
+                <a:solidFill>
+                  <a:schemeClr val="tx1"/>
+                </a:solidFill>
+                <a:latin typeface="+mn-lt"/>
+                <a:ea typeface="+mn-ea"/>
+                <a:cs typeface="+mn-cs"/>
+              </a:defRPr>
+            </a:lvl3pPr>
+            <a:lvl4pPr marL="868680" indent="0" algn="l" defTabSz="914400" rtl="0" eaLnBrk="1" latinLnBrk="0" hangingPunct="1">
+              <a:lnSpc>
+                <a:spcPct val="90000"/>
+              </a:lnSpc>
+              <a:spcBef>
+                <a:spcPts val="800"/>
+              </a:spcBef>
+              <a:buClr>
+                <a:schemeClr val="tx1"/>
+              </a:buClr>
+              <a:buSzPct val="100000"/>
+              <a:buFont typeface="Arial" pitchFamily="34" charset="0"/>
+              <a:buNone/>
+              <a:defRPr sz="1600" kern="1200">
+                <a:solidFill>
+                  <a:schemeClr val="tx1"/>
+                </a:solidFill>
+                <a:latin typeface="+mn-lt"/>
+                <a:ea typeface="+mn-ea"/>
+                <a:cs typeface="+mn-cs"/>
+              </a:defRPr>
+            </a:lvl4pPr>
+            <a:lvl5pPr marL="1097280" indent="0" algn="l" defTabSz="914400" rtl="0" eaLnBrk="1" latinLnBrk="0" hangingPunct="1">
+              <a:lnSpc>
+                <a:spcPct val="90000"/>
+              </a:lnSpc>
+              <a:spcBef>
+                <a:spcPts val="800"/>
+              </a:spcBef>
+              <a:buClr>
+                <a:schemeClr val="tx1"/>
+              </a:buClr>
+              <a:buSzPct val="80000"/>
+              <a:buFont typeface="Wingdings" pitchFamily="2" charset="2"/>
+              <a:buNone/>
+              <a:defRPr sz="1600" kern="1200">
+                <a:solidFill>
+                  <a:schemeClr val="tx1"/>
+                </a:solidFill>
+                <a:latin typeface="+mn-lt"/>
+                <a:ea typeface="+mn-ea"/>
+                <a:cs typeface="+mn-cs"/>
+              </a:defRPr>
+            </a:lvl5pPr>
+            <a:lvl6pPr marL="1554480" indent="-228600" algn="l" defTabSz="914400" rtl="0" eaLnBrk="1" latinLnBrk="0" hangingPunct="1">
+              <a:lnSpc>
+                <a:spcPct val="90000"/>
+              </a:lnSpc>
+              <a:spcBef>
+                <a:spcPts val="800"/>
+              </a:spcBef>
+              <a:buClr>
+                <a:schemeClr val="tx1"/>
+              </a:buClr>
+              <a:buSzPct val="100000"/>
+              <a:buFont typeface="Arial" pitchFamily="34" charset="0"/>
+              <a:buChar char="–"/>
+              <a:defRPr sz="1600" kern="1200">
+                <a:solidFill>
+                  <a:schemeClr val="tx1"/>
+                </a:solidFill>
+                <a:latin typeface="+mn-lt"/>
+                <a:ea typeface="+mn-ea"/>
+                <a:cs typeface="+mn-cs"/>
+              </a:defRPr>
+            </a:lvl6pPr>
+            <a:lvl7pPr marL="1783080" indent="-228600" algn="l" defTabSz="914400" rtl="0" eaLnBrk="1" latinLnBrk="0" hangingPunct="1">
+              <a:lnSpc>
+                <a:spcPct val="90000"/>
+              </a:lnSpc>
+              <a:spcBef>
+                <a:spcPts val="800"/>
+              </a:spcBef>
+              <a:buClr>
+                <a:schemeClr val="tx1"/>
+              </a:buClr>
+              <a:buSzPct val="80000"/>
+              <a:buFont typeface="Wingdings" pitchFamily="2" charset="2"/>
+              <a:buChar char="§"/>
+              <a:defRPr sz="1600" kern="1200">
+                <a:solidFill>
+                  <a:schemeClr val="tx1"/>
+                </a:solidFill>
+                <a:latin typeface="+mn-lt"/>
+                <a:ea typeface="+mn-ea"/>
+                <a:cs typeface="+mn-cs"/>
+              </a:defRPr>
+            </a:lvl7pPr>
+            <a:lvl8pPr marL="2011680" indent="-228600" algn="l" defTabSz="914400" rtl="0" eaLnBrk="1" latinLnBrk="0" hangingPunct="1">
+              <a:lnSpc>
+                <a:spcPct val="90000"/>
+              </a:lnSpc>
+              <a:spcBef>
+                <a:spcPts val="800"/>
+              </a:spcBef>
+              <a:buClr>
+                <a:schemeClr val="tx1"/>
+              </a:buClr>
+              <a:buSzPct val="100000"/>
+              <a:buFont typeface="Arial" pitchFamily="34" charset="0"/>
+              <a:buChar char="–"/>
+              <a:defRPr sz="1600" kern="1200">
+                <a:solidFill>
+                  <a:schemeClr val="tx1"/>
+                </a:solidFill>
+                <a:latin typeface="+mn-lt"/>
+                <a:ea typeface="+mn-ea"/>
+                <a:cs typeface="+mn-cs"/>
+              </a:defRPr>
+            </a:lvl8pPr>
+            <a:lvl9pPr marL="2240280" indent="-228600" algn="l" defTabSz="914400" rtl="0" eaLnBrk="1" latinLnBrk="0" hangingPunct="1">
+              <a:lnSpc>
+                <a:spcPct val="90000"/>
+              </a:lnSpc>
+              <a:spcBef>
+                <a:spcPts val="800"/>
+              </a:spcBef>
+              <a:buClr>
+                <a:schemeClr val="tx1"/>
+              </a:buClr>
+              <a:buSzPct val="80000"/>
+              <a:buFont typeface="Wingdings" pitchFamily="2" charset="2"/>
+              <a:buChar char="§"/>
+              <a:defRPr sz="1600" kern="1200">
+                <a:solidFill>
+                  <a:schemeClr val="tx1"/>
+                </a:solidFill>
+                <a:latin typeface="+mn-lt"/>
+                <a:ea typeface="+mn-ea"/>
+                <a:cs typeface="+mn-cs"/>
+              </a:defRPr>
+            </a:lvl9pPr>
+          </a:lstStyle>
+          <a:p>
+            <a:r>
+              <a:rPr lang="en-US" sz="1600" dirty="0"/>
+              <a:t>-for more info…List location or contact for specification (or other related documents)</a:t>
+            </a:r>
+          </a:p>
+        </p:txBody>
+      </p:sp>
+    </p:spTree>
+    <p:extLst>
+      <p:ext uri="{BB962C8B-B14F-4D97-AF65-F5344CB8AC3E}">
+        <p14:creationId xmlns:p14="http://schemas.microsoft.com/office/powerpoint/2010/main" val="1152966011"/>
+      </p:ext>
+    </p:extLst>
+  </p:cSld>
+  <p:clrMapOvr>
+    <a:masterClrMapping/>
+  </p:clrMapOvr>
+  <mc:AlternateContent xmlns:mc="http://schemas.openxmlformats.org/markup-compatibility/2006" xmlns:p14="http://schemas.microsoft.com/office/powerpoint/2010/main">
+    <mc:Choice Requires="p14">
+      <p:transition spd="med" p14:dur="700">
+        <p:fade/>
+      </p:transition>
+    </mc:Choice>
+    <mc:Fallback xmlns="">
+      <p:transition spd="med">
+        <p:fade/>
+      </p:transition>
+    </mc:Fallback>
+  </mc:AlternateContent>
+</p:sld>
+</file>
+
+<file path=ppt/slides/slide8.xml><?xml version="1.0" encoding="utf-8"?>
+<p:sld xmlns:a="http://schemas.openxmlformats.org/drawingml/2006/main" xmlns:r="http://schemas.openxmlformats.org/officeDocument/2006/relationships" xmlns:p="http://schemas.openxmlformats.org/presentationml/2006/main">
+  <p:cSld>
+    <p:spTree>
+      <p:nvGrpSpPr>
+        <p:cNvPr id="1" name=""/>
+        <p:cNvGrpSpPr/>
+        <p:nvPr/>
+      </p:nvGrpSpPr>
+      <p:grpSpPr>
+        <a:xfrm>
+          <a:off x="0" y="0"/>
+          <a:ext cx="0" cy="0"/>
+          <a:chOff x="0" y="0"/>
+          <a:chExt cx="0" cy="0"/>
+        </a:xfrm>
+      </p:grpSpPr>
+      <p:sp>
+        <p:nvSpPr>
+          <p:cNvPr id="3" name="Title 2"/>
+          <p:cNvSpPr>
+            <a:spLocks noGrp="1"/>
+          </p:cNvSpPr>
+          <p:nvPr>
+            <p:ph type="title"/>
+          </p:nvPr>
+        </p:nvSpPr>
+        <p:spPr/>
+        <p:txBody>
+          <a:bodyPr/>
+          <a:lstStyle/>
+          <a:p>
+            <a:pPr algn="ctr"/>
+            <a:r>
+              <a:rPr lang="en-US" dirty="0"/>
+              <a:t>RSA Security</a:t>
+            </a:r>
+          </a:p>
+        </p:txBody>
+      </p:sp>
+      <p:sp>
+        <p:nvSpPr>
+          <p:cNvPr id="2" name="Content Placeholder 1"/>
+          <p:cNvSpPr>
+            <a:spLocks noGrp="1"/>
+          </p:cNvSpPr>
+          <p:nvPr>
+            <p:ph idx="1"/>
+          </p:nvPr>
+        </p:nvSpPr>
+        <p:spPr/>
+        <p:txBody>
+          <a:bodyPr/>
+          <a:lstStyle/>
+          <a:p>
+            <a:pPr marL="0" indent="0">
+              <a:buNone/>
+            </a:pPr>
+            <a:endParaRPr lang="en-US" dirty="0"/>
+          </a:p>
+          <a:p>
+            <a:pPr marL="0" indent="0">
+              <a:buNone/>
+            </a:pPr>
+            <a:r>
+              <a:rPr lang="en-US" dirty="0"/>
+              <a:t> RSA Security was a cybersecurity company renowned for its SecurID product. It played a central role in the incident. We will provide an overview of RSA Security, emphasizing its role as a trusted cybersecurity provider and the significance of the SecurID product.</a:t>
+            </a:r>
+          </a:p>
+          <a:p>
+            <a:pPr marL="0" indent="0">
+              <a:buNone/>
+            </a:pPr>
+            <a:endParaRPr lang="en-US" dirty="0"/>
+          </a:p>
+        </p:txBody>
+      </p:sp>
+    </p:spTree>
+    <p:extLst>
+      <p:ext uri="{BB962C8B-B14F-4D97-AF65-F5344CB8AC3E}">
+        <p14:creationId xmlns:p14="http://schemas.microsoft.com/office/powerpoint/2010/main" val="1255868717"/>
+      </p:ext>
+    </p:extLst>
+  </p:cSld>
+  <p:clrMapOvr>
+    <a:masterClrMapping/>
+  </p:clrMapOvr>
+  <mc:AlternateContent xmlns:mc="http://schemas.openxmlformats.org/markup-compatibility/2006" xmlns:p14="http://schemas.microsoft.com/office/powerpoint/2010/main">
+    <mc:Choice Requires="p14">
+      <p:transition spd="med" p14:dur="700">
+        <p:fade/>
+      </p:transition>
+    </mc:Choice>
+    <mc:Fallback xmlns="">
+      <p:transition spd="med">
+        <p:fade/>
+      </p:transition>
+    </mc:Fallback>
+  </mc:AlternateContent>
+</p:sld>
+</file>
+
+<file path=ppt/slides/slide9.xml><?xml version="1.0" encoding="utf-8"?>
+<p:sld xmlns:a="http://schemas.openxmlformats.org/drawingml/2006/main" xmlns:r="http://schemas.openxmlformats.org/officeDocument/2006/relationships" xmlns:p="http://schemas.openxmlformats.org/presentationml/2006/main">
+  <p:cSld>
+    <p:spTree>
+      <p:nvGrpSpPr>
+        <p:cNvPr id="1" name=""/>
+        <p:cNvGrpSpPr/>
+        <p:nvPr/>
+      </p:nvGrpSpPr>
+      <p:grpSpPr>
+        <a:xfrm>
+          <a:off x="0" y="0"/>
+          <a:ext cx="0" cy="0"/>
+          <a:chOff x="0" y="0"/>
+          <a:chExt cx="0" cy="0"/>
+        </a:xfrm>
+      </p:grpSpPr>
+      <p:sp>
+        <p:nvSpPr>
+          <p:cNvPr id="3" name="Title 2"/>
+          <p:cNvSpPr>
+            <a:spLocks noGrp="1"/>
+          </p:cNvSpPr>
+          <p:nvPr>
+            <p:ph type="title"/>
+          </p:nvPr>
+        </p:nvSpPr>
+        <p:spPr/>
+        <p:txBody>
+          <a:bodyPr/>
+          <a:lstStyle/>
+          <a:p>
+            <a:pPr algn="ctr"/>
+            <a:r>
+              <a:rPr lang="en-US" dirty="0"/>
+              <a:t>"Chinese State-Sponsored Threat Actors"</a:t>
+            </a:r>
+            <a:br>
+              <a:rPr lang="en-US" dirty="0"/>
+            </a:br>
+            <a:endParaRPr lang="en-US" dirty="0"/>
+          </a:p>
+        </p:txBody>
+      </p:sp>
+      <p:sp>
+        <p:nvSpPr>
+          <p:cNvPr id="2" name="Content Placeholder 1"/>
+          <p:cNvSpPr>
+            <a:spLocks noGrp="1"/>
+          </p:cNvSpPr>
+          <p:nvPr>
+            <p:ph idx="1"/>
+          </p:nvPr>
+        </p:nvSpPr>
+        <p:spPr/>
+        <p:txBody>
+          <a:bodyPr/>
+          <a:lstStyle/>
+          <a:p>
+            <a:pPr marL="0" indent="0">
+              <a:buNone/>
+            </a:pPr>
+            <a:endParaRPr lang="en-US" dirty="0"/>
+          </a:p>
+          <a:p>
+            <a:pPr marL="0" indent="0">
+              <a:buNone/>
+            </a:pPr>
+            <a:r>
+              <a:rPr lang="en-US" dirty="0"/>
+              <a:t>The identity of the attackers behind the RSA breach remained concealed. These threat actors were believed to be Chinese state-sponsored, indicating a high level of sophistication and suggesting motives beyond financial gain. We will explore their concealed identities and their possible motivations.</a:t>
+            </a:r>
+          </a:p>
+        </p:txBody>
+      </p:sp>
+      <p:sp>
+        <p:nvSpPr>
+          <p:cNvPr id="4" name="Text Placeholder 7"/>
+          <p:cNvSpPr txBox="1">
+            <a:spLocks/>
+          </p:cNvSpPr>
+          <p:nvPr/>
+        </p:nvSpPr>
+        <p:spPr>
+          <a:xfrm>
+            <a:off x="1539575" y="5715000"/>
+            <a:ext cx="9126838" cy="533400"/>
+          </a:xfrm>
+          <a:prstGeom prst="rect">
+            <a:avLst/>
+          </a:prstGeom>
+        </p:spPr>
+        <p:txBody>
+          <a:bodyPr anchor="b">
+            <a:normAutofit/>
+          </a:bodyPr>
+          <a:lstStyle>
+            <a:lvl1pPr marL="0" indent="0" algn="l" defTabSz="914400" rtl="0" eaLnBrk="1" latinLnBrk="0" hangingPunct="1">
+              <a:lnSpc>
+                <a:spcPct val="90000"/>
+              </a:lnSpc>
+              <a:spcBef>
+                <a:spcPts val="1800"/>
+              </a:spcBef>
+              <a:buClr>
+                <a:schemeClr val="tx1"/>
+              </a:buClr>
+              <a:buSzPct val="80000"/>
+              <a:buFont typeface="Wingdings" pitchFamily="2" charset="2"/>
+              <a:buNone/>
+              <a:defRPr sz="1800" kern="1200">
+                <a:solidFill>
+                  <a:schemeClr val="tx1"/>
+                </a:solidFill>
+                <a:latin typeface="+mn-lt"/>
+                <a:ea typeface="+mn-ea"/>
+                <a:cs typeface="+mn-cs"/>
+              </a:defRPr>
+            </a:lvl1pPr>
+            <a:lvl2pPr marL="320040" indent="0" algn="l" defTabSz="914400" rtl="0" eaLnBrk="1" latinLnBrk="0" hangingPunct="1">
+              <a:lnSpc>
+                <a:spcPct val="90000"/>
+              </a:lnSpc>
+              <a:spcBef>
+                <a:spcPts val="1000"/>
+              </a:spcBef>
+              <a:buClr>
+                <a:schemeClr val="tx1"/>
+              </a:buClr>
+              <a:buSzPct val="100000"/>
+              <a:buFont typeface="Arial" pitchFamily="34" charset="0"/>
+              <a:buNone/>
+              <a:defRPr sz="2000" kern="1200">
+                <a:solidFill>
+                  <a:schemeClr val="tx1"/>
+                </a:solidFill>
+                <a:latin typeface="+mn-lt"/>
+                <a:ea typeface="+mn-ea"/>
+                <a:cs typeface="+mn-cs"/>
+              </a:defRPr>
+            </a:lvl2pPr>
+            <a:lvl3pPr marL="594360" indent="0" algn="l" defTabSz="914400" rtl="0" eaLnBrk="1" latinLnBrk="0" hangingPunct="1">
+              <a:lnSpc>
+                <a:spcPct val="90000"/>
+              </a:lnSpc>
+              <a:spcBef>
+                <a:spcPts val="800"/>
+              </a:spcBef>
+              <a:buClr>
+                <a:schemeClr val="tx1"/>
+              </a:buClr>
+              <a:buSzPct val="80000"/>
+              <a:buFont typeface="Wingdings" pitchFamily="2" charset="2"/>
+              <a:buNone/>
+              <a:defRPr sz="1800" kern="1200">
+                <a:solidFill>
+                  <a:schemeClr val="tx1"/>
+                </a:solidFill>
+                <a:latin typeface="+mn-lt"/>
+                <a:ea typeface="+mn-ea"/>
+                <a:cs typeface="+mn-cs"/>
+              </a:defRPr>
+            </a:lvl3pPr>
+            <a:lvl4pPr marL="868680" indent="0" algn="l" defTabSz="914400" rtl="0" eaLnBrk="1" latinLnBrk="0" hangingPunct="1">
+              <a:lnSpc>
+                <a:spcPct val="90000"/>
+              </a:lnSpc>
+              <a:spcBef>
+                <a:spcPts val="800"/>
+              </a:spcBef>
+              <a:buClr>
+                <a:schemeClr val="tx1"/>
+              </a:buClr>
+              <a:buSzPct val="100000"/>
+              <a:buFont typeface="Arial" pitchFamily="34" charset="0"/>
+              <a:buNone/>
+              <a:defRPr sz="1600" kern="1200">
+                <a:solidFill>
+                  <a:schemeClr val="tx1"/>
+                </a:solidFill>
+                <a:latin typeface="+mn-lt"/>
+                <a:ea typeface="+mn-ea"/>
+                <a:cs typeface="+mn-cs"/>
+              </a:defRPr>
+            </a:lvl4pPr>
+            <a:lvl5pPr marL="1097280" indent="0" algn="l" defTabSz="914400" rtl="0" eaLnBrk="1" latinLnBrk="0" hangingPunct="1">
+              <a:lnSpc>
+                <a:spcPct val="90000"/>
+              </a:lnSpc>
+              <a:spcBef>
+                <a:spcPts val="800"/>
+              </a:spcBef>
+              <a:buClr>
+                <a:schemeClr val="tx1"/>
+              </a:buClr>
+              <a:buSzPct val="80000"/>
+              <a:buFont typeface="Wingdings" pitchFamily="2" charset="2"/>
+              <a:buNone/>
+              <a:defRPr sz="1600" kern="1200">
+                <a:solidFill>
+                  <a:schemeClr val="tx1"/>
+                </a:solidFill>
+                <a:latin typeface="+mn-lt"/>
+                <a:ea typeface="+mn-ea"/>
+                <a:cs typeface="+mn-cs"/>
+              </a:defRPr>
+            </a:lvl5pPr>
+            <a:lvl6pPr marL="1554480" indent="-228600" algn="l" defTabSz="914400" rtl="0" eaLnBrk="1" latinLnBrk="0" hangingPunct="1">
+              <a:lnSpc>
+                <a:spcPct val="90000"/>
+              </a:lnSpc>
+              <a:spcBef>
+                <a:spcPts val="800"/>
+              </a:spcBef>
+              <a:buClr>
+                <a:schemeClr val="tx1"/>
+              </a:buClr>
+              <a:buSzPct val="100000"/>
+              <a:buFont typeface="Arial" pitchFamily="34" charset="0"/>
+              <a:buChar char="–"/>
+              <a:defRPr sz="1600" kern="1200">
+                <a:solidFill>
+                  <a:schemeClr val="tx1"/>
+                </a:solidFill>
+                <a:latin typeface="+mn-lt"/>
+                <a:ea typeface="+mn-ea"/>
+                <a:cs typeface="+mn-cs"/>
+              </a:defRPr>
+            </a:lvl6pPr>
+            <a:lvl7pPr marL="1783080" indent="-228600" algn="l" defTabSz="914400" rtl="0" eaLnBrk="1" latinLnBrk="0" hangingPunct="1">
+              <a:lnSpc>
+                <a:spcPct val="90000"/>
+              </a:lnSpc>
+              <a:spcBef>
+                <a:spcPts val="800"/>
+              </a:spcBef>
+              <a:buClr>
+                <a:schemeClr val="tx1"/>
+              </a:buClr>
+              <a:buSzPct val="80000"/>
+              <a:buFont typeface="Wingdings" pitchFamily="2" charset="2"/>
+              <a:buChar char="§"/>
+              <a:defRPr sz="1600" kern="1200">
+                <a:solidFill>
+                  <a:schemeClr val="tx1"/>
+                </a:solidFill>
+                <a:latin typeface="+mn-lt"/>
+                <a:ea typeface="+mn-ea"/>
+                <a:cs typeface="+mn-cs"/>
+              </a:defRPr>
+            </a:lvl7pPr>
+            <a:lvl8pPr marL="2011680" indent="-228600" algn="l" defTabSz="914400" rtl="0" eaLnBrk="1" latinLnBrk="0" hangingPunct="1">
+              <a:lnSpc>
+                <a:spcPct val="90000"/>
+              </a:lnSpc>
+              <a:spcBef>
+                <a:spcPts val="800"/>
+              </a:spcBef>
+              <a:buClr>
+                <a:schemeClr val="tx1"/>
+              </a:buClr>
+              <a:buSzPct val="100000"/>
+              <a:buFont typeface="Arial" pitchFamily="34" charset="0"/>
+              <a:buChar char="–"/>
+              <a:defRPr sz="1600" kern="1200">
+                <a:solidFill>
+                  <a:schemeClr val="tx1"/>
+                </a:solidFill>
+                <a:latin typeface="+mn-lt"/>
+                <a:ea typeface="+mn-ea"/>
+                <a:cs typeface="+mn-cs"/>
+              </a:defRPr>
+            </a:lvl8pPr>
+            <a:lvl9pPr marL="2240280" indent="-228600" algn="l" defTabSz="914400" rtl="0" eaLnBrk="1" latinLnBrk="0" hangingPunct="1">
+              <a:lnSpc>
+                <a:spcPct val="90000"/>
+              </a:lnSpc>
+              <a:spcBef>
+                <a:spcPts val="800"/>
+              </a:spcBef>
+              <a:buClr>
+                <a:schemeClr val="tx1"/>
+              </a:buClr>
+              <a:buSzPct val="80000"/>
+              <a:buFont typeface="Wingdings" pitchFamily="2" charset="2"/>
+              <a:buChar char="§"/>
+              <a:defRPr sz="1600" kern="1200">
+                <a:solidFill>
+                  <a:schemeClr val="tx1"/>
+                </a:solidFill>
+                <a:latin typeface="+mn-lt"/>
+                <a:ea typeface="+mn-ea"/>
+                <a:cs typeface="+mn-cs"/>
+              </a:defRPr>
+            </a:lvl9pPr>
+          </a:lstStyle>
+          <a:p>
+            <a:r>
+              <a:rPr lang="en-US" sz="1600" dirty="0"/>
+              <a:t>-for more info…List location or contact for specification (or other related documents)</a:t>
+            </a:r>
+          </a:p>
+        </p:txBody>
+      </p:sp>
+    </p:spTree>
+    <p:extLst>
+      <p:ext uri="{BB962C8B-B14F-4D97-AF65-F5344CB8AC3E}">
+        <p14:creationId xmlns:p14="http://schemas.microsoft.com/office/powerpoint/2010/main" val="3224243975"/>
       </p:ext>
     </p:extLst>
   </p:cSld>
